--- a/_assets/hackathon_introduction.pptx
+++ b/_assets/hackathon_introduction.pptx
@@ -6,7 +6,7 @@
     <p:sldMasterId id="2147483663" r:id="rId2"/>
   </p:sldMasterIdLst>
   <p:notesMasterIdLst>
-    <p:notesMasterId r:id="rId31"/>
+    <p:notesMasterId r:id="rId32"/>
   </p:notesMasterIdLst>
   <p:sldIdLst>
     <p:sldId id="1262" r:id="rId3"/>
@@ -23,25 +23,26 @@
     <p:sldId id="1228" r:id="rId14"/>
     <p:sldId id="1252" r:id="rId15"/>
     <p:sldId id="1253" r:id="rId16"/>
-    <p:sldId id="1254" r:id="rId17"/>
-    <p:sldId id="1251" r:id="rId18"/>
-    <p:sldId id="1255" r:id="rId19"/>
-    <p:sldId id="1256" r:id="rId20"/>
-    <p:sldId id="1261" r:id="rId21"/>
-    <p:sldId id="1269" r:id="rId22"/>
-    <p:sldId id="1267" r:id="rId23"/>
-    <p:sldId id="1279" r:id="rId24"/>
-    <p:sldId id="1278" r:id="rId25"/>
-    <p:sldId id="1272" r:id="rId26"/>
-    <p:sldId id="1268" r:id="rId27"/>
-    <p:sldId id="1270" r:id="rId28"/>
-    <p:sldId id="1280" r:id="rId29"/>
-    <p:sldId id="1271" r:id="rId30"/>
+    <p:sldId id="1251" r:id="rId17"/>
+    <p:sldId id="1255" r:id="rId18"/>
+    <p:sldId id="1256" r:id="rId19"/>
+    <p:sldId id="1261" r:id="rId20"/>
+    <p:sldId id="1269" r:id="rId21"/>
+    <p:sldId id="1281" r:id="rId22"/>
+    <p:sldId id="1282" r:id="rId23"/>
+    <p:sldId id="1267" r:id="rId24"/>
+    <p:sldId id="1279" r:id="rId25"/>
+    <p:sldId id="1278" r:id="rId26"/>
+    <p:sldId id="1272" r:id="rId27"/>
+    <p:sldId id="1268" r:id="rId28"/>
+    <p:sldId id="1270" r:id="rId29"/>
+    <p:sldId id="1280" r:id="rId30"/>
+    <p:sldId id="1271" r:id="rId31"/>
   </p:sldIdLst>
   <p:sldSz cx="9144000" cy="6858000" type="screen4x3"/>
   <p:notesSz cx="6858000" cy="9144000"/>
   <p:custDataLst>
-    <p:tags r:id="rId32"/>
+    <p:tags r:id="rId33"/>
   </p:custDataLst>
   <p:defaultTextStyle>
     <a:defPPr>
@@ -176,6 +177,324 @@
 </p:presentation>
 </file>
 
+<file path=ppt/revisionInfo.xml><?xml version="1.0" encoding="utf-8"?>
+<p1510:revInfo xmlns:a="http://schemas.openxmlformats.org/drawingml/2006/main" xmlns:r="http://schemas.openxmlformats.org/officeDocument/2006/relationships" xmlns:p1510="http://schemas.microsoft.com/office/powerpoint/2015/10/main">
+  <p1510:revLst>
+    <p1510:client id="{F036F2B0-46A3-47F7-ABCB-EA920492A5BB}" v="64" dt="2023-11-06T16:47:43.028"/>
+  </p1510:revLst>
+</p1510:revInfo>
+</file>
+
+<file path=ppt/changesInfos/changesInfo1.xml><?xml version="1.0" encoding="utf-8"?>
+<pc:chgInfo xmlns:a="http://schemas.openxmlformats.org/drawingml/2006/main" xmlns:r="http://schemas.openxmlformats.org/officeDocument/2006/relationships" xmlns:ac="http://schemas.microsoft.com/office/drawing/2013/main/command" xmlns:pc="http://schemas.microsoft.com/office/powerpoint/2013/main/command">
+  <pc:docChgLst>
+    <pc:chgData name="Mikko Lipasti" userId="59edab2b-9e55-4687-8461-a95d33afd23d" providerId="ADAL" clId="{F036F2B0-46A3-47F7-ABCB-EA920492A5BB}"/>
+    <pc:docChg chg="custSel addSld modSld">
+      <pc:chgData name="Mikko Lipasti" userId="59edab2b-9e55-4687-8461-a95d33afd23d" providerId="ADAL" clId="{F036F2B0-46A3-47F7-ABCB-EA920492A5BB}" dt="2023-11-06T16:49:56.887" v="1138" actId="11529"/>
+      <pc:docMkLst>
+        <pc:docMk/>
+      </pc:docMkLst>
+      <pc:sldChg chg="modSp mod modNotesTx">
+        <pc:chgData name="Mikko Lipasti" userId="59edab2b-9e55-4687-8461-a95d33afd23d" providerId="ADAL" clId="{F036F2B0-46A3-47F7-ABCB-EA920492A5BB}" dt="2023-11-06T16:18:52.986" v="366" actId="20577"/>
+        <pc:sldMkLst>
+          <pc:docMk/>
+          <pc:sldMk cId="1580041223" sldId="1256"/>
+        </pc:sldMkLst>
+        <pc:spChg chg="mod">
+          <ac:chgData name="Mikko Lipasti" userId="59edab2b-9e55-4687-8461-a95d33afd23d" providerId="ADAL" clId="{F036F2B0-46A3-47F7-ABCB-EA920492A5BB}" dt="2023-11-06T16:18:40.049" v="351" actId="6549"/>
+          <ac:spMkLst>
+            <pc:docMk/>
+            <pc:sldMk cId="1580041223" sldId="1256"/>
+            <ac:spMk id="3" creationId="{00000000-0000-0000-0000-000000000000}"/>
+          </ac:spMkLst>
+        </pc:spChg>
+      </pc:sldChg>
+      <pc:sldChg chg="modSp mod">
+        <pc:chgData name="Mikko Lipasti" userId="59edab2b-9e55-4687-8461-a95d33afd23d" providerId="ADAL" clId="{F036F2B0-46A3-47F7-ABCB-EA920492A5BB}" dt="2023-11-06T16:07:26.111" v="16" actId="20577"/>
+        <pc:sldMkLst>
+          <pc:docMk/>
+          <pc:sldMk cId="3661968017" sldId="1262"/>
+        </pc:sldMkLst>
+        <pc:spChg chg="mod">
+          <ac:chgData name="Mikko Lipasti" userId="59edab2b-9e55-4687-8461-a95d33afd23d" providerId="ADAL" clId="{F036F2B0-46A3-47F7-ABCB-EA920492A5BB}" dt="2023-11-06T16:07:26.111" v="16" actId="20577"/>
+          <ac:spMkLst>
+            <pc:docMk/>
+            <pc:sldMk cId="3661968017" sldId="1262"/>
+            <ac:spMk id="2" creationId="{29923B2C-708A-4E03-92A6-D0D62E1AFE93}"/>
+          </ac:spMkLst>
+        </pc:spChg>
+      </pc:sldChg>
+      <pc:sldChg chg="modSp mod">
+        <pc:chgData name="Mikko Lipasti" userId="59edab2b-9e55-4687-8461-a95d33afd23d" providerId="ADAL" clId="{F036F2B0-46A3-47F7-ABCB-EA920492A5BB}" dt="2023-11-06T16:12:47.189" v="41" actId="20577"/>
+        <pc:sldMkLst>
+          <pc:docMk/>
+          <pc:sldMk cId="87770107" sldId="1268"/>
+        </pc:sldMkLst>
+        <pc:spChg chg="mod">
+          <ac:chgData name="Mikko Lipasti" userId="59edab2b-9e55-4687-8461-a95d33afd23d" providerId="ADAL" clId="{F036F2B0-46A3-47F7-ABCB-EA920492A5BB}" dt="2023-11-06T16:12:47.189" v="41" actId="20577"/>
+          <ac:spMkLst>
+            <pc:docMk/>
+            <pc:sldMk cId="87770107" sldId="1268"/>
+            <ac:spMk id="3" creationId="{CAFDD1D9-49A1-4559-8148-CC057C0C1B09}"/>
+          </ac:spMkLst>
+        </pc:spChg>
+      </pc:sldChg>
+      <pc:sldChg chg="modSp mod">
+        <pc:chgData name="Mikko Lipasti" userId="59edab2b-9e55-4687-8461-a95d33afd23d" providerId="ADAL" clId="{F036F2B0-46A3-47F7-ABCB-EA920492A5BB}" dt="2023-11-06T16:12:14.189" v="39" actId="20577"/>
+        <pc:sldMkLst>
+          <pc:docMk/>
+          <pc:sldMk cId="3839671848" sldId="1271"/>
+        </pc:sldMkLst>
+        <pc:spChg chg="mod">
+          <ac:chgData name="Mikko Lipasti" userId="59edab2b-9e55-4687-8461-a95d33afd23d" providerId="ADAL" clId="{F036F2B0-46A3-47F7-ABCB-EA920492A5BB}" dt="2023-11-06T16:12:14.189" v="39" actId="20577"/>
+          <ac:spMkLst>
+            <pc:docMk/>
+            <pc:sldMk cId="3839671848" sldId="1271"/>
+            <ac:spMk id="3" creationId="{88ABA8B6-2950-4C5A-A3BA-A537C684A0E5}"/>
+          </ac:spMkLst>
+        </pc:spChg>
+      </pc:sldChg>
+      <pc:sldChg chg="addSp delSp modSp mod modNotesTx">
+        <pc:chgData name="Mikko Lipasti" userId="59edab2b-9e55-4687-8461-a95d33afd23d" providerId="ADAL" clId="{F036F2B0-46A3-47F7-ABCB-EA920492A5BB}" dt="2023-11-06T16:49:56.887" v="1138" actId="11529"/>
+        <pc:sldMkLst>
+          <pc:docMk/>
+          <pc:sldMk cId="2704794761" sldId="1278"/>
+        </pc:sldMkLst>
+        <pc:spChg chg="mod">
+          <ac:chgData name="Mikko Lipasti" userId="59edab2b-9e55-4687-8461-a95d33afd23d" providerId="ADAL" clId="{F036F2B0-46A3-47F7-ABCB-EA920492A5BB}" dt="2023-11-06T16:49:17.216" v="1136" actId="20577"/>
+          <ac:spMkLst>
+            <pc:docMk/>
+            <pc:sldMk cId="2704794761" sldId="1278"/>
+            <ac:spMk id="10" creationId="{75328710-B782-4B93-8E8A-E1AAB98B1616}"/>
+          </ac:spMkLst>
+        </pc:spChg>
+        <pc:spChg chg="mod">
+          <ac:chgData name="Mikko Lipasti" userId="59edab2b-9e55-4687-8461-a95d33afd23d" providerId="ADAL" clId="{F036F2B0-46A3-47F7-ABCB-EA920492A5BB}" dt="2023-11-06T16:46:27.686" v="1064" actId="1076"/>
+          <ac:spMkLst>
+            <pc:docMk/>
+            <pc:sldMk cId="2704794761" sldId="1278"/>
+            <ac:spMk id="11" creationId="{9FA07850-C71A-4098-93C1-3F8DF617AE1F}"/>
+          </ac:spMkLst>
+        </pc:spChg>
+        <pc:spChg chg="mod">
+          <ac:chgData name="Mikko Lipasti" userId="59edab2b-9e55-4687-8461-a95d33afd23d" providerId="ADAL" clId="{F036F2B0-46A3-47F7-ABCB-EA920492A5BB}" dt="2023-11-06T16:46:31.637" v="1065" actId="1076"/>
+          <ac:spMkLst>
+            <pc:docMk/>
+            <pc:sldMk cId="2704794761" sldId="1278"/>
+            <ac:spMk id="26" creationId="{CADD4802-EA18-40BA-9ADF-2FD309558FF1}"/>
+          </ac:spMkLst>
+        </pc:spChg>
+        <pc:spChg chg="mod">
+          <ac:chgData name="Mikko Lipasti" userId="59edab2b-9e55-4687-8461-a95d33afd23d" providerId="ADAL" clId="{F036F2B0-46A3-47F7-ABCB-EA920492A5BB}" dt="2023-11-06T16:48:53.075" v="1109" actId="1036"/>
+          <ac:spMkLst>
+            <pc:docMk/>
+            <pc:sldMk cId="2704794761" sldId="1278"/>
+            <ac:spMk id="27" creationId="{2A566007-65E1-48BC-BB87-A1F344C54253}"/>
+          </ac:spMkLst>
+        </pc:spChg>
+        <pc:spChg chg="add mod">
+          <ac:chgData name="Mikko Lipasti" userId="59edab2b-9e55-4687-8461-a95d33afd23d" providerId="ADAL" clId="{F036F2B0-46A3-47F7-ABCB-EA920492A5BB}" dt="2023-11-06T16:47:14.993" v="1077" actId="20577"/>
+          <ac:spMkLst>
+            <pc:docMk/>
+            <pc:sldMk cId="2704794761" sldId="1278"/>
+            <ac:spMk id="32" creationId="{9E948D04-F617-CB12-888C-F3D2841BDA78}"/>
+          </ac:spMkLst>
+        </pc:spChg>
+        <pc:picChg chg="mod">
+          <ac:chgData name="Mikko Lipasti" userId="59edab2b-9e55-4687-8461-a95d33afd23d" providerId="ADAL" clId="{F036F2B0-46A3-47F7-ABCB-EA920492A5BB}" dt="2023-11-06T16:45:34.253" v="1061" actId="1076"/>
+          <ac:picMkLst>
+            <pc:docMk/>
+            <pc:sldMk cId="2704794761" sldId="1278"/>
+            <ac:picMk id="12" creationId="{5B9E0611-4374-42FD-A09B-A92DF64A911C}"/>
+          </ac:picMkLst>
+        </pc:picChg>
+        <pc:cxnChg chg="mod">
+          <ac:chgData name="Mikko Lipasti" userId="59edab2b-9e55-4687-8461-a95d33afd23d" providerId="ADAL" clId="{F036F2B0-46A3-47F7-ABCB-EA920492A5BB}" dt="2023-11-06T16:47:09.811" v="1068" actId="14100"/>
+          <ac:cxnSpMkLst>
+            <pc:docMk/>
+            <pc:sldMk cId="2704794761" sldId="1278"/>
+            <ac:cxnSpMk id="22" creationId="{9DC0D439-6748-4B62-865B-1AAE637C6D9B}"/>
+          </ac:cxnSpMkLst>
+        </pc:cxnChg>
+        <pc:cxnChg chg="mod">
+          <ac:chgData name="Mikko Lipasti" userId="59edab2b-9e55-4687-8461-a95d33afd23d" providerId="ADAL" clId="{F036F2B0-46A3-47F7-ABCB-EA920492A5BB}" dt="2023-11-06T16:48:53.075" v="1109" actId="1036"/>
+          <ac:cxnSpMkLst>
+            <pc:docMk/>
+            <pc:sldMk cId="2704794761" sldId="1278"/>
+            <ac:cxnSpMk id="28" creationId="{D0DD23CA-35A6-4B96-9427-1B1AEFC56C77}"/>
+          </ac:cxnSpMkLst>
+        </pc:cxnChg>
+        <pc:cxnChg chg="del mod">
+          <ac:chgData name="Mikko Lipasti" userId="59edab2b-9e55-4687-8461-a95d33afd23d" providerId="ADAL" clId="{F036F2B0-46A3-47F7-ABCB-EA920492A5BB}" dt="2023-11-06T16:49:25.292" v="1137" actId="478"/>
+          <ac:cxnSpMkLst>
+            <pc:docMk/>
+            <pc:sldMk cId="2704794761" sldId="1278"/>
+            <ac:cxnSpMk id="33" creationId="{A21686B6-7DDA-42E9-B850-AC42C8CA1B79}"/>
+          </ac:cxnSpMkLst>
+        </pc:cxnChg>
+        <pc:cxnChg chg="add mod">
+          <ac:chgData name="Mikko Lipasti" userId="59edab2b-9e55-4687-8461-a95d33afd23d" providerId="ADAL" clId="{F036F2B0-46A3-47F7-ABCB-EA920492A5BB}" dt="2023-11-06T16:47:30.309" v="1080" actId="14100"/>
+          <ac:cxnSpMkLst>
+            <pc:docMk/>
+            <pc:sldMk cId="2704794761" sldId="1278"/>
+            <ac:cxnSpMk id="35" creationId="{5852A270-1F6F-532B-8447-F59098D2863C}"/>
+          </ac:cxnSpMkLst>
+        </pc:cxnChg>
+        <pc:cxnChg chg="mod">
+          <ac:chgData name="Mikko Lipasti" userId="59edab2b-9e55-4687-8461-a95d33afd23d" providerId="ADAL" clId="{F036F2B0-46A3-47F7-ABCB-EA920492A5BB}" dt="2023-11-06T16:46:27.686" v="1064" actId="1076"/>
+          <ac:cxnSpMkLst>
+            <pc:docMk/>
+            <pc:sldMk cId="2704794761" sldId="1278"/>
+            <ac:cxnSpMk id="38" creationId="{D1DDFC4A-7861-4D4E-BA76-488A87C2E4AF}"/>
+          </ac:cxnSpMkLst>
+        </pc:cxnChg>
+        <pc:cxnChg chg="add mod">
+          <ac:chgData name="Mikko Lipasti" userId="59edab2b-9e55-4687-8461-a95d33afd23d" providerId="ADAL" clId="{F036F2B0-46A3-47F7-ABCB-EA920492A5BB}" dt="2023-11-06T16:47:56.237" v="1083" actId="14100"/>
+          <ac:cxnSpMkLst>
+            <pc:docMk/>
+            <pc:sldMk cId="2704794761" sldId="1278"/>
+            <ac:cxnSpMk id="40" creationId="{C48C091D-E4AF-5681-E2C4-F25FFE11436C}"/>
+          </ac:cxnSpMkLst>
+        </pc:cxnChg>
+        <pc:cxnChg chg="mod">
+          <ac:chgData name="Mikko Lipasti" userId="59edab2b-9e55-4687-8461-a95d33afd23d" providerId="ADAL" clId="{F036F2B0-46A3-47F7-ABCB-EA920492A5BB}" dt="2023-11-06T16:46:27.686" v="1064" actId="1076"/>
+          <ac:cxnSpMkLst>
+            <pc:docMk/>
+            <pc:sldMk cId="2704794761" sldId="1278"/>
+            <ac:cxnSpMk id="41" creationId="{57CB5912-EA38-4785-B5ED-C0E7E46FB02F}"/>
+          </ac:cxnSpMkLst>
+        </pc:cxnChg>
+        <pc:cxnChg chg="add">
+          <ac:chgData name="Mikko Lipasti" userId="59edab2b-9e55-4687-8461-a95d33afd23d" providerId="ADAL" clId="{F036F2B0-46A3-47F7-ABCB-EA920492A5BB}" dt="2023-11-06T16:49:56.887" v="1138" actId="11529"/>
+          <ac:cxnSpMkLst>
+            <pc:docMk/>
+            <pc:sldMk cId="2704794761" sldId="1278"/>
+            <ac:cxnSpMk id="49" creationId="{CF39DC82-6941-61FB-64B0-17A9EBD350E4}"/>
+          </ac:cxnSpMkLst>
+        </pc:cxnChg>
+        <pc:cxnChg chg="mod">
+          <ac:chgData name="Mikko Lipasti" userId="59edab2b-9e55-4687-8461-a95d33afd23d" providerId="ADAL" clId="{F036F2B0-46A3-47F7-ABCB-EA920492A5BB}" dt="2023-11-06T16:46:31.637" v="1065" actId="1076"/>
+          <ac:cxnSpMkLst>
+            <pc:docMk/>
+            <pc:sldMk cId="2704794761" sldId="1278"/>
+            <ac:cxnSpMk id="53" creationId="{A90D4B7B-4522-4182-B719-58E54BE5CC62}"/>
+          </ac:cxnSpMkLst>
+        </pc:cxnChg>
+      </pc:sldChg>
+      <pc:sldChg chg="addSp modSp mod modNotesTx">
+        <pc:chgData name="Mikko Lipasti" userId="59edab2b-9e55-4687-8461-a95d33afd23d" providerId="ADAL" clId="{F036F2B0-46A3-47F7-ABCB-EA920492A5BB}" dt="2023-11-06T16:17:10.804" v="202" actId="20577"/>
+        <pc:sldMkLst>
+          <pc:docMk/>
+          <pc:sldMk cId="2307276841" sldId="1280"/>
+        </pc:sldMkLst>
+        <pc:spChg chg="mod">
+          <ac:chgData name="Mikko Lipasti" userId="59edab2b-9e55-4687-8461-a95d33afd23d" providerId="ADAL" clId="{F036F2B0-46A3-47F7-ABCB-EA920492A5BB}" dt="2023-11-06T16:15:22.369" v="105" actId="14100"/>
+          <ac:spMkLst>
+            <pc:docMk/>
+            <pc:sldMk cId="2307276841" sldId="1280"/>
+            <ac:spMk id="2" creationId="{C4B03B1A-EB95-49A7-9BE1-FE87C9631151}"/>
+          </ac:spMkLst>
+        </pc:spChg>
+        <pc:spChg chg="add mod">
+          <ac:chgData name="Mikko Lipasti" userId="59edab2b-9e55-4687-8461-a95d33afd23d" providerId="ADAL" clId="{F036F2B0-46A3-47F7-ABCB-EA920492A5BB}" dt="2023-11-06T16:16:34.454" v="185" actId="20577"/>
+          <ac:spMkLst>
+            <pc:docMk/>
+            <pc:sldMk cId="2307276841" sldId="1280"/>
+            <ac:spMk id="10" creationId="{F61C9A53-CDDE-96C7-58AD-37E50A3F0FA0}"/>
+          </ac:spMkLst>
+        </pc:spChg>
+        <pc:spChg chg="mod">
+          <ac:chgData name="Mikko Lipasti" userId="59edab2b-9e55-4687-8461-a95d33afd23d" providerId="ADAL" clId="{F036F2B0-46A3-47F7-ABCB-EA920492A5BB}" dt="2023-11-06T16:14:44.741" v="101" actId="1036"/>
+          <ac:spMkLst>
+            <pc:docMk/>
+            <pc:sldMk cId="2307276841" sldId="1280"/>
+            <ac:spMk id="15" creationId="{3AA96E49-166A-43AD-B495-591A810BB3F8}"/>
+          </ac:spMkLst>
+        </pc:spChg>
+        <pc:spChg chg="mod">
+          <ac:chgData name="Mikko Lipasti" userId="59edab2b-9e55-4687-8461-a95d33afd23d" providerId="ADAL" clId="{F036F2B0-46A3-47F7-ABCB-EA920492A5BB}" dt="2023-11-06T16:14:44.741" v="101" actId="1036"/>
+          <ac:spMkLst>
+            <pc:docMk/>
+            <pc:sldMk cId="2307276841" sldId="1280"/>
+            <ac:spMk id="16" creationId="{6520B02D-5CB4-496A-99CB-23B0596B20A4}"/>
+          </ac:spMkLst>
+        </pc:spChg>
+        <pc:picChg chg="mod">
+          <ac:chgData name="Mikko Lipasti" userId="59edab2b-9e55-4687-8461-a95d33afd23d" providerId="ADAL" clId="{F036F2B0-46A3-47F7-ABCB-EA920492A5BB}" dt="2023-11-06T16:14:44.741" v="101" actId="1036"/>
+          <ac:picMkLst>
+            <pc:docMk/>
+            <pc:sldMk cId="2307276841" sldId="1280"/>
+            <ac:picMk id="7" creationId="{CBDD7941-9092-42AB-9797-74777E4B9585}"/>
+          </ac:picMkLst>
+        </pc:picChg>
+        <pc:picChg chg="add mod">
+          <ac:chgData name="Mikko Lipasti" userId="59edab2b-9e55-4687-8461-a95d33afd23d" providerId="ADAL" clId="{F036F2B0-46A3-47F7-ABCB-EA920492A5BB}" dt="2023-11-06T16:15:19.282" v="104" actId="14100"/>
+          <ac:picMkLst>
+            <pc:docMk/>
+            <pc:sldMk cId="2307276841" sldId="1280"/>
+            <ac:picMk id="9" creationId="{178DA2B8-A1B8-F969-3AEF-474334C6FFB7}"/>
+          </ac:picMkLst>
+        </pc:picChg>
+        <pc:picChg chg="mod">
+          <ac:chgData name="Mikko Lipasti" userId="59edab2b-9e55-4687-8461-a95d33afd23d" providerId="ADAL" clId="{F036F2B0-46A3-47F7-ABCB-EA920492A5BB}" dt="2023-11-06T16:14:44.741" v="101" actId="1036"/>
+          <ac:picMkLst>
+            <pc:docMk/>
+            <pc:sldMk cId="2307276841" sldId="1280"/>
+            <ac:picMk id="3076" creationId="{716D985F-F48E-4F33-8B34-F8E18F6EA9FA}"/>
+          </ac:picMkLst>
+        </pc:picChg>
+      </pc:sldChg>
+      <pc:sldChg chg="modSp new mod modNotesTx">
+        <pc:chgData name="Mikko Lipasti" userId="59edab2b-9e55-4687-8461-a95d33afd23d" providerId="ADAL" clId="{F036F2B0-46A3-47F7-ABCB-EA920492A5BB}" dt="2023-11-06T16:35:14.624" v="725" actId="20577"/>
+        <pc:sldMkLst>
+          <pc:docMk/>
+          <pc:sldMk cId="365402494" sldId="1281"/>
+        </pc:sldMkLst>
+        <pc:spChg chg="mod">
+          <ac:chgData name="Mikko Lipasti" userId="59edab2b-9e55-4687-8461-a95d33afd23d" providerId="ADAL" clId="{F036F2B0-46A3-47F7-ABCB-EA920492A5BB}" dt="2023-11-06T16:19:28.121" v="387" actId="20577"/>
+          <ac:spMkLst>
+            <pc:docMk/>
+            <pc:sldMk cId="365402494" sldId="1281"/>
+            <ac:spMk id="2" creationId="{EA1D5E74-EA32-2F02-856F-65D9C20E5968}"/>
+          </ac:spMkLst>
+        </pc:spChg>
+        <pc:spChg chg="mod">
+          <ac:chgData name="Mikko Lipasti" userId="59edab2b-9e55-4687-8461-a95d33afd23d" providerId="ADAL" clId="{F036F2B0-46A3-47F7-ABCB-EA920492A5BB}" dt="2023-11-06T16:20:52.366" v="686" actId="20577"/>
+          <ac:spMkLst>
+            <pc:docMk/>
+            <pc:sldMk cId="365402494" sldId="1281"/>
+            <ac:spMk id="3" creationId="{11499F84-07CD-D0B9-79BC-72835257A110}"/>
+          </ac:spMkLst>
+        </pc:spChg>
+      </pc:sldChg>
+      <pc:sldChg chg="modSp new mod">
+        <pc:chgData name="Mikko Lipasti" userId="59edab2b-9e55-4687-8461-a95d33afd23d" providerId="ADAL" clId="{F036F2B0-46A3-47F7-ABCB-EA920492A5BB}" dt="2023-11-06T16:36:50.421" v="1060" actId="20577"/>
+        <pc:sldMkLst>
+          <pc:docMk/>
+          <pc:sldMk cId="3390261012" sldId="1282"/>
+        </pc:sldMkLst>
+        <pc:spChg chg="mod">
+          <ac:chgData name="Mikko Lipasti" userId="59edab2b-9e55-4687-8461-a95d33afd23d" providerId="ADAL" clId="{F036F2B0-46A3-47F7-ABCB-EA920492A5BB}" dt="2023-11-06T16:35:35.715" v="744" actId="20577"/>
+          <ac:spMkLst>
+            <pc:docMk/>
+            <pc:sldMk cId="3390261012" sldId="1282"/>
+            <ac:spMk id="2" creationId="{913CEDE8-9B6C-39B6-F963-FF17A2D58E41}"/>
+          </ac:spMkLst>
+        </pc:spChg>
+        <pc:spChg chg="mod">
+          <ac:chgData name="Mikko Lipasti" userId="59edab2b-9e55-4687-8461-a95d33afd23d" providerId="ADAL" clId="{F036F2B0-46A3-47F7-ABCB-EA920492A5BB}" dt="2023-11-06T16:36:50.421" v="1060" actId="20577"/>
+          <ac:spMkLst>
+            <pc:docMk/>
+            <pc:sldMk cId="3390261012" sldId="1282"/>
+            <ac:spMk id="3" creationId="{815DC187-08D6-3D69-671D-7D304B949E70}"/>
+          </ac:spMkLst>
+        </pc:spChg>
+      </pc:sldChg>
+    </pc:docChg>
+  </pc:docChgLst>
+</pc:chgInfo>
+</file>
+
 <file path=ppt/notesMasters/notesMaster1.xml><?xml version="1.0" encoding="utf-8"?>
 <p:notesMaster xmlns:a="http://schemas.openxmlformats.org/drawingml/2006/main" xmlns:r="http://schemas.openxmlformats.org/officeDocument/2006/relationships" xmlns:p="http://schemas.openxmlformats.org/presentationml/2006/main">
   <p:cSld>
@@ -258,7 +577,7 @@
           <a:p>
             <a:fld id="{45F82A5B-70B1-4A6A-BBE9-FD39C4C98885}" type="datetimeFigureOut">
               <a:rPr lang="en-US" smtClean="0"/>
-              <a:t>4/29/2022</a:t>
+              <a:t>11/6/2023</a:t>
             </a:fld>
             <a:endParaRPr lang="en-US"/>
           </a:p>
@@ -711,6 +1030,345 @@
 </p:notes>
 </file>
 
+<file path=ppt/notesSlides/notesSlide3.xml><?xml version="1.0" encoding="utf-8"?>
+<p:notes xmlns:a="http://schemas.openxmlformats.org/drawingml/2006/main" xmlns:r="http://schemas.openxmlformats.org/officeDocument/2006/relationships" xmlns:p="http://schemas.openxmlformats.org/presentationml/2006/main">
+  <p:cSld>
+    <p:spTree>
+      <p:nvGrpSpPr>
+        <p:cNvPr id="1" name=""/>
+        <p:cNvGrpSpPr/>
+        <p:nvPr/>
+      </p:nvGrpSpPr>
+      <p:grpSpPr>
+        <a:xfrm>
+          <a:off x="0" y="0"/>
+          <a:ext cx="0" cy="0"/>
+          <a:chOff x="0" y="0"/>
+          <a:chExt cx="0" cy="0"/>
+        </a:xfrm>
+      </p:grpSpPr>
+      <p:sp>
+        <p:nvSpPr>
+          <p:cNvPr id="2" name="Slide Image Placeholder 1"/>
+          <p:cNvSpPr>
+            <a:spLocks noGrp="1" noRot="1" noChangeAspect="1"/>
+          </p:cNvSpPr>
+          <p:nvPr>
+            <p:ph type="sldImg"/>
+          </p:nvPr>
+        </p:nvSpPr>
+        <p:spPr/>
+      </p:sp>
+      <p:sp>
+        <p:nvSpPr>
+          <p:cNvPr id="3" name="Notes Placeholder 2"/>
+          <p:cNvSpPr>
+            <a:spLocks noGrp="1"/>
+          </p:cNvSpPr>
+          <p:nvPr>
+            <p:ph type="body" idx="1"/>
+          </p:nvPr>
+        </p:nvSpPr>
+        <p:spPr/>
+        <p:txBody>
+          <a:bodyPr/>
+          <a:lstStyle/>
+          <a:p>
+            <a:r>
+              <a:rPr lang="en-US" dirty="0"/>
+              <a:t>FIXME; rerecord</a:t>
+            </a:r>
+          </a:p>
+        </p:txBody>
+      </p:sp>
+      <p:sp>
+        <p:nvSpPr>
+          <p:cNvPr id="4" name="Slide Number Placeholder 3"/>
+          <p:cNvSpPr>
+            <a:spLocks noGrp="1"/>
+          </p:cNvSpPr>
+          <p:nvPr>
+            <p:ph type="sldNum" sz="quarter" idx="5"/>
+          </p:nvPr>
+        </p:nvSpPr>
+        <p:spPr/>
+        <p:txBody>
+          <a:bodyPr/>
+          <a:lstStyle/>
+          <a:p>
+            <a:fld id="{8FDD7027-F664-4D25-A606-F6DF81D0C59F}" type="slidenum">
+              <a:rPr lang="en-US" smtClean="0"/>
+              <a:t>17</a:t>
+            </a:fld>
+            <a:endParaRPr lang="en-US"/>
+          </a:p>
+        </p:txBody>
+      </p:sp>
+    </p:spTree>
+    <p:extLst>
+      <p:ext uri="{BB962C8B-B14F-4D97-AF65-F5344CB8AC3E}">
+        <p14:creationId xmlns:p14="http://schemas.microsoft.com/office/powerpoint/2010/main" val="3278089012"/>
+      </p:ext>
+    </p:extLst>
+  </p:cSld>
+  <p:clrMapOvr>
+    <a:masterClrMapping/>
+  </p:clrMapOvr>
+</p:notes>
+</file>
+
+<file path=ppt/notesSlides/notesSlide4.xml><?xml version="1.0" encoding="utf-8"?>
+<p:notes xmlns:a="http://schemas.openxmlformats.org/drawingml/2006/main" xmlns:r="http://schemas.openxmlformats.org/officeDocument/2006/relationships" xmlns:p="http://schemas.openxmlformats.org/presentationml/2006/main">
+  <p:cSld>
+    <p:spTree>
+      <p:nvGrpSpPr>
+        <p:cNvPr id="1" name=""/>
+        <p:cNvGrpSpPr/>
+        <p:nvPr/>
+      </p:nvGrpSpPr>
+      <p:grpSpPr>
+        <a:xfrm>
+          <a:off x="0" y="0"/>
+          <a:ext cx="0" cy="0"/>
+          <a:chOff x="0" y="0"/>
+          <a:chExt cx="0" cy="0"/>
+        </a:xfrm>
+      </p:grpSpPr>
+      <p:sp>
+        <p:nvSpPr>
+          <p:cNvPr id="2" name="Slide Image Placeholder 1"/>
+          <p:cNvSpPr>
+            <a:spLocks noGrp="1" noRot="1" noChangeAspect="1"/>
+          </p:cNvSpPr>
+          <p:nvPr>
+            <p:ph type="sldImg"/>
+          </p:nvPr>
+        </p:nvSpPr>
+        <p:spPr/>
+      </p:sp>
+      <p:sp>
+        <p:nvSpPr>
+          <p:cNvPr id="3" name="Notes Placeholder 2"/>
+          <p:cNvSpPr>
+            <a:spLocks noGrp="1"/>
+          </p:cNvSpPr>
+          <p:nvPr>
+            <p:ph type="body" idx="1"/>
+          </p:nvPr>
+        </p:nvSpPr>
+        <p:spPr/>
+        <p:txBody>
+          <a:bodyPr/>
+          <a:lstStyle/>
+          <a:p>
+            <a:endParaRPr lang="en-US" dirty="0"/>
+          </a:p>
+        </p:txBody>
+      </p:sp>
+      <p:sp>
+        <p:nvSpPr>
+          <p:cNvPr id="4" name="Slide Number Placeholder 3"/>
+          <p:cNvSpPr>
+            <a:spLocks noGrp="1"/>
+          </p:cNvSpPr>
+          <p:nvPr>
+            <p:ph type="sldNum" sz="quarter" idx="5"/>
+          </p:nvPr>
+        </p:nvSpPr>
+        <p:spPr/>
+        <p:txBody>
+          <a:bodyPr/>
+          <a:lstStyle/>
+          <a:p>
+            <a:fld id="{8FDD7027-F664-4D25-A606-F6DF81D0C59F}" type="slidenum">
+              <a:rPr lang="en-US" smtClean="0"/>
+              <a:t>20</a:t>
+            </a:fld>
+            <a:endParaRPr lang="en-US"/>
+          </a:p>
+        </p:txBody>
+      </p:sp>
+    </p:spTree>
+    <p:extLst>
+      <p:ext uri="{BB962C8B-B14F-4D97-AF65-F5344CB8AC3E}">
+        <p14:creationId xmlns:p14="http://schemas.microsoft.com/office/powerpoint/2010/main" val="1941132129"/>
+      </p:ext>
+    </p:extLst>
+  </p:cSld>
+  <p:clrMapOvr>
+    <a:masterClrMapping/>
+  </p:clrMapOvr>
+</p:notes>
+</file>
+
+<file path=ppt/notesSlides/notesSlide5.xml><?xml version="1.0" encoding="utf-8"?>
+<p:notes xmlns:a="http://schemas.openxmlformats.org/drawingml/2006/main" xmlns:r="http://schemas.openxmlformats.org/officeDocument/2006/relationships" xmlns:p="http://schemas.openxmlformats.org/presentationml/2006/main">
+  <p:cSld>
+    <p:spTree>
+      <p:nvGrpSpPr>
+        <p:cNvPr id="1" name=""/>
+        <p:cNvGrpSpPr/>
+        <p:nvPr/>
+      </p:nvGrpSpPr>
+      <p:grpSpPr>
+        <a:xfrm>
+          <a:off x="0" y="0"/>
+          <a:ext cx="0" cy="0"/>
+          <a:chOff x="0" y="0"/>
+          <a:chExt cx="0" cy="0"/>
+        </a:xfrm>
+      </p:grpSpPr>
+      <p:sp>
+        <p:nvSpPr>
+          <p:cNvPr id="2" name="Slide Image Placeholder 1"/>
+          <p:cNvSpPr>
+            <a:spLocks noGrp="1" noRot="1" noChangeAspect="1"/>
+          </p:cNvSpPr>
+          <p:nvPr>
+            <p:ph type="sldImg"/>
+          </p:nvPr>
+        </p:nvSpPr>
+        <p:spPr/>
+      </p:sp>
+      <p:sp>
+        <p:nvSpPr>
+          <p:cNvPr id="3" name="Notes Placeholder 2"/>
+          <p:cNvSpPr>
+            <a:spLocks noGrp="1"/>
+          </p:cNvSpPr>
+          <p:nvPr>
+            <p:ph type="body" idx="1"/>
+          </p:nvPr>
+        </p:nvSpPr>
+        <p:spPr/>
+        <p:txBody>
+          <a:bodyPr/>
+          <a:lstStyle/>
+          <a:p>
+            <a:endParaRPr lang="en-US" dirty="0"/>
+          </a:p>
+        </p:txBody>
+      </p:sp>
+      <p:sp>
+        <p:nvSpPr>
+          <p:cNvPr id="4" name="Slide Number Placeholder 3"/>
+          <p:cNvSpPr>
+            <a:spLocks noGrp="1"/>
+          </p:cNvSpPr>
+          <p:nvPr>
+            <p:ph type="sldNum" sz="quarter" idx="5"/>
+          </p:nvPr>
+        </p:nvSpPr>
+        <p:spPr/>
+        <p:txBody>
+          <a:bodyPr/>
+          <a:lstStyle/>
+          <a:p>
+            <a:fld id="{8FDD7027-F664-4D25-A606-F6DF81D0C59F}" type="slidenum">
+              <a:rPr lang="en-US" smtClean="0"/>
+              <a:t>24</a:t>
+            </a:fld>
+            <a:endParaRPr lang="en-US"/>
+          </a:p>
+        </p:txBody>
+      </p:sp>
+    </p:spTree>
+    <p:extLst>
+      <p:ext uri="{BB962C8B-B14F-4D97-AF65-F5344CB8AC3E}">
+        <p14:creationId xmlns:p14="http://schemas.microsoft.com/office/powerpoint/2010/main" val="10412056"/>
+      </p:ext>
+    </p:extLst>
+  </p:cSld>
+  <p:clrMapOvr>
+    <a:masterClrMapping/>
+  </p:clrMapOvr>
+</p:notes>
+</file>
+
+<file path=ppt/notesSlides/notesSlide6.xml><?xml version="1.0" encoding="utf-8"?>
+<p:notes xmlns:a="http://schemas.openxmlformats.org/drawingml/2006/main" xmlns:r="http://schemas.openxmlformats.org/officeDocument/2006/relationships" xmlns:p="http://schemas.openxmlformats.org/presentationml/2006/main">
+  <p:cSld>
+    <p:spTree>
+      <p:nvGrpSpPr>
+        <p:cNvPr id="1" name=""/>
+        <p:cNvGrpSpPr/>
+        <p:nvPr/>
+      </p:nvGrpSpPr>
+      <p:grpSpPr>
+        <a:xfrm>
+          <a:off x="0" y="0"/>
+          <a:ext cx="0" cy="0"/>
+          <a:chOff x="0" y="0"/>
+          <a:chExt cx="0" cy="0"/>
+        </a:xfrm>
+      </p:grpSpPr>
+      <p:sp>
+        <p:nvSpPr>
+          <p:cNvPr id="2" name="Slide Image Placeholder 1"/>
+          <p:cNvSpPr>
+            <a:spLocks noGrp="1" noRot="1" noChangeAspect="1"/>
+          </p:cNvSpPr>
+          <p:nvPr>
+            <p:ph type="sldImg"/>
+          </p:nvPr>
+        </p:nvSpPr>
+        <p:spPr/>
+      </p:sp>
+      <p:sp>
+        <p:nvSpPr>
+          <p:cNvPr id="3" name="Notes Placeholder 2"/>
+          <p:cNvSpPr>
+            <a:spLocks noGrp="1"/>
+          </p:cNvSpPr>
+          <p:nvPr>
+            <p:ph type="body" idx="1"/>
+          </p:nvPr>
+        </p:nvSpPr>
+        <p:spPr/>
+        <p:txBody>
+          <a:bodyPr/>
+          <a:lstStyle/>
+          <a:p>
+            <a:endParaRPr lang="en-US" dirty="0"/>
+          </a:p>
+        </p:txBody>
+      </p:sp>
+      <p:sp>
+        <p:nvSpPr>
+          <p:cNvPr id="4" name="Slide Number Placeholder 3"/>
+          <p:cNvSpPr>
+            <a:spLocks noGrp="1"/>
+          </p:cNvSpPr>
+          <p:nvPr>
+            <p:ph type="sldNum" sz="quarter" idx="5"/>
+          </p:nvPr>
+        </p:nvSpPr>
+        <p:spPr/>
+        <p:txBody>
+          <a:bodyPr/>
+          <a:lstStyle/>
+          <a:p>
+            <a:fld id="{8FDD7027-F664-4D25-A606-F6DF81D0C59F}" type="slidenum">
+              <a:rPr lang="en-US" smtClean="0"/>
+              <a:t>28</a:t>
+            </a:fld>
+            <a:endParaRPr lang="en-US"/>
+          </a:p>
+        </p:txBody>
+      </p:sp>
+    </p:spTree>
+    <p:extLst>
+      <p:ext uri="{BB962C8B-B14F-4D97-AF65-F5344CB8AC3E}">
+        <p14:creationId xmlns:p14="http://schemas.microsoft.com/office/powerpoint/2010/main" val="153738556"/>
+      </p:ext>
+    </p:extLst>
+  </p:cSld>
+  <p:clrMapOvr>
+    <a:masterClrMapping/>
+  </p:clrMapOvr>
+</p:notes>
+</file>
+
 <file path=ppt/slideLayouts/slideLayout1.xml><?xml version="1.0" encoding="utf-8"?>
 <p:sldLayout xmlns:a="http://schemas.openxmlformats.org/drawingml/2006/main" xmlns:r="http://schemas.openxmlformats.org/officeDocument/2006/relationships" xmlns:p="http://schemas.openxmlformats.org/presentationml/2006/main" type="title" preserve="1">
   <p:cSld name="Title Slide">
@@ -1011,7 +1669,7 @@
           <a:p>
             <a:fld id="{AEBD5612-3B10-47AD-88C7-67664F98BF31}" type="datetime1">
               <a:rPr lang="en-US" smtClean="0"/>
-              <a:t>4/29/2022</a:t>
+              <a:t>11/6/2023</a:t>
             </a:fld>
             <a:endParaRPr lang="en-US"/>
           </a:p>
@@ -1320,7 +1978,7 @@
           <a:p>
             <a:fld id="{5BEF7D7D-894A-4862-9AB7-D02890D5B60E}" type="datetime1">
               <a:rPr lang="en-US" smtClean="0"/>
-              <a:t>4/29/2022</a:t>
+              <a:t>11/6/2023</a:t>
             </a:fld>
             <a:endParaRPr lang="en-US"/>
           </a:p>
@@ -1606,7 +2264,7 @@
                 </a:solidFill>
                 <a:latin typeface="Tahoma" pitchFamily="34" charset="0"/>
               </a:rPr>
-              <a:t>4/29/2022</a:t>
+              <a:t>11/6/2023</a:t>
             </a:fld>
             <a:endParaRPr lang="en-US">
               <a:solidFill>
@@ -1889,7 +2547,7 @@
                 </a:solidFill>
                 <a:latin typeface="Tahoma" pitchFamily="34" charset="0"/>
               </a:rPr>
-              <a:t>4/29/2022</a:t>
+              <a:t>11/6/2023</a:t>
             </a:fld>
             <a:endParaRPr lang="en-US">
               <a:solidFill>
@@ -2091,7 +2749,7 @@
                 </a:solidFill>
                 <a:latin typeface="Tahoma" pitchFamily="34" charset="0"/>
               </a:rPr>
-              <a:t>4/29/2022</a:t>
+              <a:t>11/6/2023</a:t>
             </a:fld>
             <a:endParaRPr lang="en-US">
               <a:solidFill>
@@ -2410,7 +3068,7 @@
                 </a:solidFill>
                 <a:latin typeface="Tahoma" pitchFamily="34" charset="0"/>
               </a:rPr>
-              <a:t>4/29/2022</a:t>
+              <a:t>11/6/2023</a:t>
             </a:fld>
             <a:endParaRPr lang="en-US">
               <a:solidFill>
@@ -2747,7 +3405,7 @@
           <a:p>
             <a:fld id="{9D994472-0F45-4DF2-B7F0-CCBD0E601B10}" type="datetime1">
               <a:rPr lang="en-US" smtClean="0"/>
-              <a:t>4/29/2022</a:t>
+              <a:t>11/6/2023</a:t>
             </a:fld>
             <a:endParaRPr lang="en-US"/>
           </a:p>
@@ -3948,7 +4606,7 @@
             </a:br>
             <a:r>
               <a:rPr lang="en-US" sz="3200" dirty="0"/>
-              <a:t>4/30 – 5/7/2022</a:t>
+              <a:t>11/12 – 11/26/2023</a:t>
             </a:r>
           </a:p>
         </p:txBody>
@@ -4053,7 +4711,7 @@
   <p:clrMapOvr>
     <a:masterClrMapping/>
   </p:clrMapOvr>
-  <p:transition/>
+  <p:transition advTm="27184"/>
 </p:sld>
 </file>
 
@@ -5573,8 +6231,8 @@
           </a:p>
         </p:txBody>
       </p:sp>
-      <mc:AlternateContent xmlns:mc="http://schemas.openxmlformats.org/markup-compatibility/2006">
-        <mc:Choice xmlns:a14="http://schemas.microsoft.com/office/drawing/2010/main" Requires="a14">
+      <mc:AlternateContent xmlns:mc="http://schemas.openxmlformats.org/markup-compatibility/2006" xmlns:a14="http://schemas.microsoft.com/office/drawing/2010/main">
+        <mc:Choice Requires="a14">
           <p:sp>
             <p:nvSpPr>
               <p:cNvPr id="33" name="TextBox 32">
@@ -5603,6 +6261,7 @@
               </a:bodyPr>
               <a:lstStyle/>
               <a:p>
+                <a:pPr/>
                 <a14:m>
                   <m:oMathPara xmlns:m="http://schemas.openxmlformats.org/officeDocument/2006/math">
                     <m:oMathParaPr>
@@ -5857,7 +6516,7 @@
             </p:txBody>
           </p:sp>
         </mc:Choice>
-        <mc:Fallback>
+        <mc:Fallback xmlns="">
           <p:sp>
             <p:nvSpPr>
               <p:cNvPr id="33" name="TextBox 32">
@@ -5881,7 +6540,7 @@
                 <a:avLst/>
               </a:prstGeom>
               <a:blipFill>
-                <a:blip r:embed="rId2"/>
+                <a:blip r:embed="rId4"/>
                 <a:stretch>
                   <a:fillRect/>
                 </a:stretch>
@@ -6938,7 +7597,7 @@
   <p:clrMapOvr>
     <a:masterClrMapping/>
   </p:clrMapOvr>
-  <p:transition/>
+  <p:transition advTm="274167"/>
 </p:sld>
 </file>
 
@@ -8432,8 +9091,8 @@
           </a:p>
         </p:txBody>
       </p:sp>
-      <mc:AlternateContent xmlns:mc="http://schemas.openxmlformats.org/markup-compatibility/2006">
-        <mc:Choice xmlns:a14="http://schemas.microsoft.com/office/drawing/2010/main" Requires="a14">
+      <mc:AlternateContent xmlns:mc="http://schemas.openxmlformats.org/markup-compatibility/2006" xmlns:a14="http://schemas.microsoft.com/office/drawing/2010/main">
+        <mc:Choice Requires="a14">
           <p:sp>
             <p:nvSpPr>
               <p:cNvPr id="33" name="TextBox 32">
@@ -8462,7 +9121,6 @@
               </a:bodyPr>
               <a:lstStyle/>
               <a:p>
-                <a:pPr/>
                 <a14:m>
                   <m:oMath xmlns:m="http://schemas.openxmlformats.org/officeDocument/2006/math">
                     <m:sSub>
@@ -8478,13 +9136,7 @@
                           <a:rPr lang="en-US" sz="1800" b="0" i="1" smtClean="0">
                             <a:latin typeface="Cambria Math" panose="02040503050406030204" pitchFamily="18" charset="0"/>
                           </a:rPr>
-                          <m:t>𝑦</m:t>
-                        </m:r>
-                        <m:r>
-                          <a:rPr lang="en-US" sz="1800" b="0" i="1" smtClean="0">
-                            <a:latin typeface="Cambria Math" panose="02040503050406030204" pitchFamily="18" charset="0"/>
-                          </a:rPr>
-                          <m:t>𝑦</m:t>
+                          <m:t>𝑦𝑦</m:t>
                         </m:r>
                       </m:e>
                       <m:sub>
@@ -8689,7 +9341,7 @@
             </p:txBody>
           </p:sp>
         </mc:Choice>
-        <mc:Fallback>
+        <mc:Fallback xmlns="">
           <p:sp>
             <p:nvSpPr>
               <p:cNvPr id="33" name="TextBox 32">
@@ -8713,7 +9365,7 @@
                 <a:avLst/>
               </a:prstGeom>
               <a:blipFill>
-                <a:blip r:embed="rId2"/>
+                <a:blip r:embed="rId4"/>
                 <a:stretch>
                   <a:fillRect l="-2357" t="-160000" b="-232000"/>
                 </a:stretch>
@@ -9352,8 +10004,8 @@
           </a:fontRef>
         </p:style>
       </p:cxnSp>
-      <mc:AlternateContent xmlns:mc="http://schemas.openxmlformats.org/markup-compatibility/2006">
-        <mc:Choice xmlns:a14="http://schemas.microsoft.com/office/drawing/2010/main" Requires="a14">
+      <mc:AlternateContent xmlns:mc="http://schemas.openxmlformats.org/markup-compatibility/2006" xmlns:a14="http://schemas.microsoft.com/office/drawing/2010/main">
+        <mc:Choice Requires="a14">
           <p:sp>
             <p:nvSpPr>
               <p:cNvPr id="61" name="TextBox 60">
@@ -9382,7 +10034,6 @@
               </a:bodyPr>
               <a:lstStyle/>
               <a:p>
-                <a:pPr/>
                 <a14:m>
                   <m:oMath xmlns:m="http://schemas.openxmlformats.org/officeDocument/2006/math">
                     <m:sSub>
@@ -9398,13 +10049,7 @@
                           <a:rPr lang="en-US" sz="1800" b="0" i="1" smtClean="0">
                             <a:latin typeface="Cambria Math" panose="02040503050406030204" pitchFamily="18" charset="0"/>
                           </a:rPr>
-                          <m:t>𝑦</m:t>
-                        </m:r>
-                        <m:r>
-                          <a:rPr lang="en-US" sz="1800" b="0" i="1" smtClean="0">
-                            <a:latin typeface="Cambria Math" panose="02040503050406030204" pitchFamily="18" charset="0"/>
-                          </a:rPr>
-                          <m:t>𝑦</m:t>
+                          <m:t>𝑦𝑦</m:t>
                         </m:r>
                       </m:e>
                       <m:sub>
@@ -9609,7 +10254,7 @@
             </p:txBody>
           </p:sp>
         </mc:Choice>
-        <mc:Fallback>
+        <mc:Fallback xmlns="">
           <p:sp>
             <p:nvSpPr>
               <p:cNvPr id="61" name="TextBox 60">
@@ -9633,7 +10278,7 @@
                 <a:avLst/>
               </a:prstGeom>
               <a:blipFill>
-                <a:blip r:embed="rId3"/>
+                <a:blip r:embed="rId5"/>
                 <a:stretch>
                   <a:fillRect l="-2357" t="-156863" b="-225490"/>
                 </a:stretch>
@@ -9654,8 +10299,8 @@
           </p:sp>
         </mc:Fallback>
       </mc:AlternateContent>
-      <mc:AlternateContent xmlns:mc="http://schemas.openxmlformats.org/markup-compatibility/2006">
-        <mc:Choice xmlns:a14="http://schemas.microsoft.com/office/drawing/2010/main" Requires="a14">
+      <mc:AlternateContent xmlns:mc="http://schemas.openxmlformats.org/markup-compatibility/2006" xmlns:a14="http://schemas.microsoft.com/office/drawing/2010/main">
+        <mc:Choice Requires="a14">
           <p:sp>
             <p:nvSpPr>
               <p:cNvPr id="62" name="TextBox 61">
@@ -9684,7 +10329,6 @@
               </a:bodyPr>
               <a:lstStyle/>
               <a:p>
-                <a:pPr/>
                 <a14:m>
                   <m:oMath xmlns:m="http://schemas.openxmlformats.org/officeDocument/2006/math">
                     <m:sSub>
@@ -9700,13 +10344,7 @@
                           <a:rPr lang="en-US" sz="1800" b="0" i="1" smtClean="0">
                             <a:latin typeface="Cambria Math" panose="02040503050406030204" pitchFamily="18" charset="0"/>
                           </a:rPr>
-                          <m:t>𝑦</m:t>
-                        </m:r>
-                        <m:r>
-                          <a:rPr lang="en-US" sz="1800" b="0" i="1" smtClean="0">
-                            <a:latin typeface="Cambria Math" panose="02040503050406030204" pitchFamily="18" charset="0"/>
-                          </a:rPr>
-                          <m:t>𝑦</m:t>
+                          <m:t>𝑦𝑦</m:t>
                         </m:r>
                       </m:e>
                       <m:sub>
@@ -9911,7 +10549,7 @@
             </p:txBody>
           </p:sp>
         </mc:Choice>
-        <mc:Fallback>
+        <mc:Fallback xmlns="">
           <p:sp>
             <p:nvSpPr>
               <p:cNvPr id="62" name="TextBox 61">
@@ -9935,7 +10573,7 @@
                 <a:avLst/>
               </a:prstGeom>
               <a:blipFill>
-                <a:blip r:embed="rId4"/>
+                <a:blip r:embed="rId6"/>
                 <a:stretch>
                   <a:fillRect l="-2357" t="-154902" b="-227451"/>
                 </a:stretch>
@@ -10175,8 +10813,8 @@
           </a:p>
         </p:txBody>
       </p:sp>
-      <mc:AlternateContent xmlns:mc="http://schemas.openxmlformats.org/markup-compatibility/2006">
-        <mc:Choice xmlns:a14="http://schemas.microsoft.com/office/drawing/2010/main" Requires="a14">
+      <mc:AlternateContent xmlns:mc="http://schemas.openxmlformats.org/markup-compatibility/2006" xmlns:a14="http://schemas.microsoft.com/office/drawing/2010/main">
+        <mc:Choice Requires="a14">
           <p:sp>
             <p:nvSpPr>
               <p:cNvPr id="70" name="TextBox 69">
@@ -10383,7 +11021,7 @@
             </p:txBody>
           </p:sp>
         </mc:Choice>
-        <mc:Fallback>
+        <mc:Fallback xmlns="">
           <p:sp>
             <p:nvSpPr>
               <p:cNvPr id="70" name="TextBox 69">
@@ -10407,7 +11045,7 @@
                 <a:avLst/>
               </a:prstGeom>
               <a:blipFill>
-                <a:blip r:embed="rId5"/>
+                <a:blip r:embed="rId7"/>
                 <a:stretch>
                   <a:fillRect/>
                 </a:stretch>
@@ -10950,7 +11588,7 @@
   <p:clrMapOvr>
     <a:masterClrMapping/>
   </p:clrMapOvr>
-  <p:transition/>
+  <p:transition advTm="136566"/>
 </p:sld>
 </file>
 
@@ -11050,14 +11688,18 @@
             <a:pPr lvl="1"/>
             <a:r>
               <a:rPr lang="en-US" dirty="0"/>
-              <a:t>8b weights &amp; activations [</a:t>
-            </a:r>
-            <a:r>
-              <a:rPr lang="en-US" dirty="0" err="1"/>
+              <a:t>8b weights &amp; activations </a:t>
+            </a:r>
+            <a:r>
+              <a:rPr lang="en-US" sz="2000" dirty="0"/>
+              <a:t>[</a:t>
+            </a:r>
+            <a:r>
+              <a:rPr lang="en-US" sz="2000" dirty="0" err="1"/>
               <a:t>VanHoucke</a:t>
             </a:r>
             <a:r>
-              <a:rPr lang="en-US" dirty="0"/>
+              <a:rPr lang="en-US" sz="2000" dirty="0"/>
               <a:t> 2011]</a:t>
             </a:r>
           </a:p>
@@ -11849,6 +12491,9 @@
         </p:txBody>
       </p:sp>
     </p:spTree>
+    <p:custDataLst>
+      <p:tags r:id="rId1"/>
+    </p:custDataLst>
     <p:extLst>
       <p:ext uri="{BB962C8B-B14F-4D97-AF65-F5344CB8AC3E}">
         <p14:creationId xmlns:p14="http://schemas.microsoft.com/office/powerpoint/2010/main" val="2182046838"/>
@@ -11858,7 +12503,7 @@
   <p:clrMapOvr>
     <a:masterClrMapping/>
   </p:clrMapOvr>
-  <p:transition/>
+  <p:transition advTm="98578"/>
   <p:timing>
     <p:tnLst>
       <p:par>
@@ -12477,7 +13122,7 @@
   <p:clrMapOvr>
     <a:masterClrMapping/>
   </p:clrMapOvr>
-  <p:transition/>
+  <p:transition advTm="61862"/>
 </p:sld>
 </file>
 
@@ -12684,244 +13329,11 @@
   <p:clrMapOvr>
     <a:masterClrMapping/>
   </p:clrMapOvr>
-  <p:transition/>
+  <p:transition advTm="45196"/>
 </p:sld>
 </file>
 
 <file path=ppt/slides/slide15.xml><?xml version="1.0" encoding="utf-8"?>
-<p:sld xmlns:a="http://schemas.openxmlformats.org/drawingml/2006/main" xmlns:r="http://schemas.openxmlformats.org/officeDocument/2006/relationships" xmlns:p="http://schemas.openxmlformats.org/presentationml/2006/main" show="0">
-  <p:cSld>
-    <p:spTree>
-      <p:nvGrpSpPr>
-        <p:cNvPr id="1" name=""/>
-        <p:cNvGrpSpPr/>
-        <p:nvPr/>
-      </p:nvGrpSpPr>
-      <p:grpSpPr>
-        <a:xfrm>
-          <a:off x="0" y="0"/>
-          <a:ext cx="0" cy="0"/>
-          <a:chOff x="0" y="0"/>
-          <a:chExt cx="0" cy="0"/>
-        </a:xfrm>
-      </p:grpSpPr>
-      <p:sp>
-        <p:nvSpPr>
-          <p:cNvPr id="2" name="Title 1"/>
-          <p:cNvSpPr>
-            <a:spLocks noGrp="1"/>
-          </p:cNvSpPr>
-          <p:nvPr>
-            <p:ph type="title"/>
-          </p:nvPr>
-        </p:nvSpPr>
-        <p:spPr>
-          <a:xfrm>
-            <a:off x="457200" y="274638"/>
-            <a:ext cx="7467600" cy="1096962"/>
-          </a:xfrm>
-        </p:spPr>
-        <p:txBody>
-          <a:bodyPr/>
-          <a:lstStyle/>
-          <a:p>
-            <a:r>
-              <a:rPr lang="en-US" dirty="0"/>
-              <a:t>Pulse Density Modulation</a:t>
-            </a:r>
-          </a:p>
-        </p:txBody>
-      </p:sp>
-      <p:sp>
-        <p:nvSpPr>
-          <p:cNvPr id="3" name="Content Placeholder 2"/>
-          <p:cNvSpPr>
-            <a:spLocks noGrp="1"/>
-          </p:cNvSpPr>
-          <p:nvPr>
-            <p:ph idx="1"/>
-          </p:nvPr>
-        </p:nvSpPr>
-        <p:spPr>
-          <a:xfrm>
-            <a:off x="457200" y="4630737"/>
-            <a:ext cx="8229600" cy="1495426"/>
-          </a:xfrm>
-        </p:spPr>
-        <p:txBody>
-          <a:bodyPr>
-            <a:normAutofit fontScale="92500" lnSpcReduction="20000"/>
-          </a:bodyPr>
-          <a:lstStyle/>
-          <a:p>
-            <a:r>
-              <a:rPr lang="en-US" sz="2800" dirty="0"/>
-              <a:t>Sigma-delta modulator quantizes to single bit</a:t>
-            </a:r>
-          </a:p>
-          <a:p>
-            <a:pPr lvl="1"/>
-            <a:r>
-              <a:rPr lang="en-US" sz="2400" dirty="0"/>
-              <a:t>Highly oversampled</a:t>
-            </a:r>
-          </a:p>
-          <a:p>
-            <a:pPr lvl="1"/>
-            <a:r>
-              <a:rPr lang="en-US" sz="2400" dirty="0"/>
-              <a:t>Cost-preferred solution for audio (SDM, signal integrity)</a:t>
-            </a:r>
-          </a:p>
-          <a:p>
-            <a:r>
-              <a:rPr lang="en-US" sz="2800" dirty="0"/>
-              <a:t>DSPs convert to PCM for filters, etc.</a:t>
-            </a:r>
-          </a:p>
-        </p:txBody>
-      </p:sp>
-      <p:sp>
-        <p:nvSpPr>
-          <p:cNvPr id="4" name="Footer Placeholder 3"/>
-          <p:cNvSpPr>
-            <a:spLocks noGrp="1"/>
-          </p:cNvSpPr>
-          <p:nvPr>
-            <p:ph type="ftr" sz="quarter" idx="11"/>
-          </p:nvPr>
-        </p:nvSpPr>
-        <p:spPr/>
-        <p:txBody>
-          <a:bodyPr/>
-          <a:lstStyle/>
-          <a:p>
-            <a:pPr>
-              <a:defRPr/>
-            </a:pPr>
-            <a:r>
-              <a:rPr lang="en-US"/>
-              <a:t>Bitstream Computing Hackathon @ UW</a:t>
-            </a:r>
-            <a:endParaRPr lang="en-US" dirty="0"/>
-          </a:p>
-        </p:txBody>
-      </p:sp>
-      <p:sp>
-        <p:nvSpPr>
-          <p:cNvPr id="7" name="Slide Number Placeholder 6"/>
-          <p:cNvSpPr>
-            <a:spLocks noGrp="1"/>
-          </p:cNvSpPr>
-          <p:nvPr>
-            <p:ph type="sldNum" sz="quarter" idx="12"/>
-          </p:nvPr>
-        </p:nvSpPr>
-        <p:spPr/>
-        <p:txBody>
-          <a:bodyPr/>
-          <a:lstStyle/>
-          <a:p>
-            <a:pPr lvl="1">
-              <a:defRPr/>
-            </a:pPr>
-            <a:fld id="{F7BDFE20-CE3C-4DC1-877A-19CD0F462E70}" type="slidenum">
-              <a:rPr lang="en-US" smtClean="0"/>
-              <a:pPr lvl="1">
-                <a:defRPr/>
-              </a:pPr>
-              <a:t>15</a:t>
-            </a:fld>
-            <a:endParaRPr lang="en-US">
-              <a:latin typeface="+mn-lt"/>
-            </a:endParaRPr>
-          </a:p>
-        </p:txBody>
-      </p:sp>
-      <p:sp>
-        <p:nvSpPr>
-          <p:cNvPr id="6" name="TextBox 5"/>
-          <p:cNvSpPr txBox="1"/>
-          <p:nvPr/>
-        </p:nvSpPr>
-        <p:spPr>
-          <a:xfrm>
-            <a:off x="5140966" y="4353738"/>
-            <a:ext cx="2638158" cy="276999"/>
-          </a:xfrm>
-          <a:prstGeom prst="rect">
-            <a:avLst/>
-          </a:prstGeom>
-          <a:noFill/>
-        </p:spPr>
-        <p:txBody>
-          <a:bodyPr wrap="none" rtlCol="0">
-            <a:spAutoFit/>
-          </a:bodyPr>
-          <a:lstStyle/>
-          <a:p>
-            <a:r>
-              <a:rPr lang="en-US" sz="1200" dirty="0"/>
-              <a:t>From: https://www.embedded.com/</a:t>
-            </a:r>
-          </a:p>
-        </p:txBody>
-      </p:sp>
-      <p:pic>
-        <p:nvPicPr>
-          <p:cNvPr id="3074" name="Picture 2" descr="https://m.eet.com/media/1178577/freescale%20-%20basics%20of%20sigma%20delta%20adcs%20-%206xx.jpg"/>
-          <p:cNvPicPr>
-            <a:picLocks noChangeAspect="1" noChangeArrowheads="1"/>
-          </p:cNvPicPr>
-          <p:nvPr/>
-        </p:nvPicPr>
-        <p:blipFill>
-          <a:blip r:embed="rId2">
-            <a:extLst>
-              <a:ext uri="{28A0092B-C50C-407E-A947-70E740481C1C}">
-                <a14:useLocalDpi xmlns:a14="http://schemas.microsoft.com/office/drawing/2010/main" val="0"/>
-              </a:ext>
-            </a:extLst>
-          </a:blip>
-          <a:srcRect/>
-          <a:stretch>
-            <a:fillRect/>
-          </a:stretch>
-        </p:blipFill>
-        <p:spPr bwMode="auto">
-          <a:xfrm>
-            <a:off x="1670797" y="1066800"/>
-            <a:ext cx="5962650" cy="3333750"/>
-          </a:xfrm>
-          <a:prstGeom prst="rect">
-            <a:avLst/>
-          </a:prstGeom>
-          <a:noFill/>
-          <a:extLst>
-            <a:ext uri="{909E8E84-426E-40DD-AFC4-6F175D3DCCD1}">
-              <a14:hiddenFill xmlns:a14="http://schemas.microsoft.com/office/drawing/2010/main">
-                <a:solidFill>
-                  <a:srgbClr val="FFFFFF"/>
-                </a:solidFill>
-              </a14:hiddenFill>
-            </a:ext>
-          </a:extLst>
-        </p:spPr>
-      </p:pic>
-    </p:spTree>
-    <p:extLst>
-      <p:ext uri="{BB962C8B-B14F-4D97-AF65-F5344CB8AC3E}">
-        <p14:creationId xmlns:p14="http://schemas.microsoft.com/office/powerpoint/2010/main" val="3046501802"/>
-      </p:ext>
-    </p:extLst>
-  </p:cSld>
-  <p:clrMapOvr>
-    <a:masterClrMapping/>
-  </p:clrMapOvr>
-</p:sld>
-</file>
-
-<file path=ppt/slides/slide16.xml><?xml version="1.0" encoding="utf-8"?>
 <p:sld xmlns:a="http://schemas.openxmlformats.org/drawingml/2006/main" xmlns:r="http://schemas.openxmlformats.org/officeDocument/2006/relationships" xmlns:p="http://schemas.openxmlformats.org/presentationml/2006/main">
   <p:cSld>
     <p:spTree>
@@ -13061,7 +13473,7 @@
               <a:pPr lvl="1">
                 <a:defRPr/>
               </a:pPr>
-              <a:t>16</a:t>
+              <a:t>15</a:t>
             </a:fld>
             <a:endParaRPr lang="en-US">
               <a:latin typeface="+mn-lt"/>
@@ -13309,7 +13721,185 @@
   <p:clrMapOvr>
     <a:masterClrMapping/>
   </p:clrMapOvr>
-  <p:transition/>
+  <p:transition advTm="110438"/>
+</p:sld>
+</file>
+
+<file path=ppt/slides/slide16.xml><?xml version="1.0" encoding="utf-8"?>
+<p:sld xmlns:a="http://schemas.openxmlformats.org/drawingml/2006/main" xmlns:r="http://schemas.openxmlformats.org/officeDocument/2006/relationships" xmlns:p="http://schemas.openxmlformats.org/presentationml/2006/main">
+  <p:cSld>
+    <p:spTree>
+      <p:nvGrpSpPr>
+        <p:cNvPr id="1" name=""/>
+        <p:cNvGrpSpPr/>
+        <p:nvPr/>
+      </p:nvGrpSpPr>
+      <p:grpSpPr>
+        <a:xfrm>
+          <a:off x="0" y="0"/>
+          <a:ext cx="0" cy="0"/>
+          <a:chOff x="0" y="0"/>
+          <a:chExt cx="0" cy="0"/>
+        </a:xfrm>
+      </p:grpSpPr>
+      <p:sp>
+        <p:nvSpPr>
+          <p:cNvPr id="2" name="Title 1"/>
+          <p:cNvSpPr>
+            <a:spLocks noGrp="1"/>
+          </p:cNvSpPr>
+          <p:nvPr>
+            <p:ph type="title"/>
+          </p:nvPr>
+        </p:nvSpPr>
+        <p:spPr/>
+        <p:txBody>
+          <a:bodyPr/>
+          <a:lstStyle/>
+          <a:p>
+            <a:r>
+              <a:rPr lang="en-US" dirty="0"/>
+              <a:t>Why </a:t>
+            </a:r>
+            <a:r>
+              <a:rPr lang="en-US" dirty="0" err="1"/>
+              <a:t>Bitstreams</a:t>
+            </a:r>
+            <a:r>
+              <a:rPr lang="en-US" dirty="0"/>
+              <a:t>?</a:t>
+            </a:r>
+          </a:p>
+        </p:txBody>
+      </p:sp>
+      <p:sp>
+        <p:nvSpPr>
+          <p:cNvPr id="3" name="Content Placeholder 2"/>
+          <p:cNvSpPr>
+            <a:spLocks noGrp="1"/>
+          </p:cNvSpPr>
+          <p:nvPr>
+            <p:ph idx="1"/>
+          </p:nvPr>
+        </p:nvSpPr>
+        <p:spPr/>
+        <p:txBody>
+          <a:bodyPr/>
+          <a:lstStyle/>
+          <a:p>
+            <a:r>
+              <a:rPr lang="en-US" dirty="0"/>
+              <a:t>Flexible representation</a:t>
+            </a:r>
+          </a:p>
+          <a:p>
+            <a:r>
+              <a:rPr lang="en-US" dirty="0"/>
+              <a:t>Very low cost </a:t>
+            </a:r>
+            <a:r>
+              <a:rPr lang="en-US" dirty="0" err="1"/>
+              <a:t>datapaths</a:t>
+            </a:r>
+            <a:endParaRPr lang="en-US" dirty="0"/>
+          </a:p>
+          <a:p>
+            <a:r>
+              <a:rPr lang="en-US" dirty="0"/>
+              <a:t>Preferred representation for sensors, actuators</a:t>
+            </a:r>
+          </a:p>
+          <a:p>
+            <a:pPr lvl="1"/>
+            <a:r>
+              <a:rPr lang="en-US" dirty="0"/>
+              <a:t>Audio: PDM microphones, class D amplifiers</a:t>
+            </a:r>
+          </a:p>
+          <a:p>
+            <a:pPr lvl="1"/>
+            <a:r>
+              <a:rPr lang="en-US" dirty="0"/>
+              <a:t>Other sensing modalities: multi-bit ADC an expensive component; single-bit SDM preferred</a:t>
+            </a:r>
+          </a:p>
+          <a:p>
+            <a:pPr lvl="1"/>
+            <a:r>
+              <a:rPr lang="en-US" dirty="0"/>
+              <a:t>PWM for motor, actuator control</a:t>
+            </a:r>
+          </a:p>
+        </p:txBody>
+      </p:sp>
+      <p:sp>
+        <p:nvSpPr>
+          <p:cNvPr id="4" name="Footer Placeholder 3"/>
+          <p:cNvSpPr>
+            <a:spLocks noGrp="1"/>
+          </p:cNvSpPr>
+          <p:nvPr>
+            <p:ph type="ftr" sz="quarter" idx="11"/>
+          </p:nvPr>
+        </p:nvSpPr>
+        <p:spPr/>
+        <p:txBody>
+          <a:bodyPr/>
+          <a:lstStyle/>
+          <a:p>
+            <a:pPr>
+              <a:defRPr/>
+            </a:pPr>
+            <a:r>
+              <a:rPr lang="en-US"/>
+              <a:t>Bitstream Computing Hackathon @ UW</a:t>
+            </a:r>
+            <a:endParaRPr lang="en-US" dirty="0"/>
+          </a:p>
+        </p:txBody>
+      </p:sp>
+      <p:sp>
+        <p:nvSpPr>
+          <p:cNvPr id="6" name="Slide Number Placeholder 5"/>
+          <p:cNvSpPr>
+            <a:spLocks noGrp="1"/>
+          </p:cNvSpPr>
+          <p:nvPr>
+            <p:ph type="sldNum" sz="quarter" idx="12"/>
+          </p:nvPr>
+        </p:nvSpPr>
+        <p:spPr/>
+        <p:txBody>
+          <a:bodyPr/>
+          <a:lstStyle/>
+          <a:p>
+            <a:pPr lvl="1">
+              <a:defRPr/>
+            </a:pPr>
+            <a:fld id="{F7BDFE20-CE3C-4DC1-877A-19CD0F462E70}" type="slidenum">
+              <a:rPr lang="en-US" smtClean="0"/>
+              <a:pPr lvl="1">
+                <a:defRPr/>
+              </a:pPr>
+              <a:t>16</a:t>
+            </a:fld>
+            <a:endParaRPr lang="en-US">
+              <a:latin typeface="+mn-lt"/>
+            </a:endParaRPr>
+          </a:p>
+        </p:txBody>
+      </p:sp>
+    </p:spTree>
+    <p:extLst>
+      <p:ext uri="{BB962C8B-B14F-4D97-AF65-F5344CB8AC3E}">
+        <p14:creationId xmlns:p14="http://schemas.microsoft.com/office/powerpoint/2010/main" val="3991338093"/>
+      </p:ext>
+    </p:extLst>
+  </p:cSld>
+  <p:clrMapOvr>
+    <a:masterClrMapping/>
+  </p:clrMapOvr>
+  <p:transition advTm="38360"/>
 </p:sld>
 </file>
 
@@ -13347,7 +13937,7 @@
           <a:p>
             <a:r>
               <a:rPr lang="en-US" dirty="0"/>
-              <a:t>Why </a:t>
+              <a:t>Why Not </a:t>
             </a:r>
             <a:r>
               <a:rPr lang="en-US" dirty="0" err="1"/>
@@ -13370,53 +13960,90 @@
             <p:ph idx="1"/>
           </p:nvPr>
         </p:nvSpPr>
-        <p:spPr/>
+        <p:spPr>
+          <a:xfrm>
+            <a:off x="457200" y="1295400"/>
+            <a:ext cx="8229600" cy="4830763"/>
+          </a:xfrm>
+        </p:spPr>
         <p:txBody>
           <a:bodyPr/>
           <a:lstStyle/>
           <a:p>
             <a:r>
-              <a:rPr lang="en-US" dirty="0"/>
-              <a:t>Flexible representation</a:t>
-            </a:r>
-          </a:p>
-          <a:p>
-            <a:r>
-              <a:rPr lang="en-US" dirty="0"/>
-              <a:t>Very low cost </a:t>
-            </a:r>
-            <a:r>
-              <a:rPr lang="en-US" dirty="0" err="1"/>
-              <a:t>datapaths</a:t>
-            </a:r>
-            <a:endParaRPr lang="en-US" dirty="0"/>
-          </a:p>
-          <a:p>
-            <a:r>
-              <a:rPr lang="en-US" dirty="0"/>
-              <a:t>Preferred representation for sensors, actuators</a:t>
+              <a:rPr lang="en-US" sz="2400" dirty="0"/>
+              <a:t>Inefficient representation: linear vs. logarithmic</a:t>
+            </a:r>
+          </a:p>
+          <a:p>
+            <a:r>
+              <a:rPr lang="en-US" sz="2400" dirty="0"/>
+              <a:t>Inefficient computation (in time)</a:t>
+            </a:r>
+          </a:p>
+          <a:p>
+            <a:r>
+              <a:rPr lang="en-US" sz="2400" dirty="0"/>
+              <a:t>Algorithmic issues</a:t>
             </a:r>
           </a:p>
           <a:p>
             <a:pPr lvl="1"/>
             <a:r>
-              <a:rPr lang="en-US" dirty="0"/>
-              <a:t>Audio: PDM microphones, class D amplifiers</a:t>
+              <a:rPr lang="en-US" sz="2000" dirty="0"/>
+              <a:t>Not all operators available/known</a:t>
             </a:r>
           </a:p>
           <a:p>
             <a:pPr lvl="1"/>
             <a:r>
-              <a:rPr lang="en-US" dirty="0"/>
-              <a:t>Other sensing modalities: multi-bit ADC an expensive component; single-bit SDM preferred</a:t>
+              <a:rPr lang="en-US" sz="2000" dirty="0"/>
+              <a:t>Pipelined/streaming computations serialized for unknown operations</a:t>
             </a:r>
           </a:p>
           <a:p>
             <a:pPr lvl="1"/>
             <a:r>
-              <a:rPr lang="en-US" dirty="0"/>
-              <a:t>PWM for motor, actuator control</a:t>
-            </a:r>
+              <a:rPr lang="en-US" sz="2000" dirty="0"/>
+              <a:t>Analytical tools (e.g. z-domain analysis) may not work</a:t>
+            </a:r>
+          </a:p>
+          <a:p>
+            <a:pPr lvl="1"/>
+            <a:r>
+              <a:rPr lang="en-US" sz="2000" dirty="0"/>
+              <a:t>Range, precision, scaling are tricky [Shukla, </a:t>
+            </a:r>
+            <a:r>
+              <a:rPr lang="en-US" sz="2000" dirty="0" err="1"/>
+              <a:t>FoNS</a:t>
+            </a:r>
+            <a:r>
+              <a:rPr lang="en-US" sz="2000" dirty="0"/>
+              <a:t>, 2018]</a:t>
+            </a:r>
+          </a:p>
+          <a:p>
+            <a:r>
+              <a:rPr lang="en-US" sz="2400" dirty="0"/>
+              <a:t>Practical issues</a:t>
+            </a:r>
+          </a:p>
+          <a:p>
+            <a:pPr lvl="1"/>
+            <a:r>
+              <a:rPr lang="en-US" sz="2000" dirty="0"/>
+              <a:t>Previously, limited software tools</a:t>
+            </a:r>
+          </a:p>
+          <a:p>
+            <a:endParaRPr lang="en-US" sz="2400" dirty="0"/>
+          </a:p>
+          <a:p>
+            <a:pPr marL="0" indent="0">
+              <a:buNone/>
+            </a:pPr>
+            <a:endParaRPr lang="en-US" sz="2400" dirty="0"/>
           </a:p>
         </p:txBody>
       </p:sp>
@@ -13480,14 +14107,14 @@
     </p:spTree>
     <p:extLst>
       <p:ext uri="{BB962C8B-B14F-4D97-AF65-F5344CB8AC3E}">
-        <p14:creationId xmlns:p14="http://schemas.microsoft.com/office/powerpoint/2010/main" val="3991338093"/>
+        <p14:creationId xmlns:p14="http://schemas.microsoft.com/office/powerpoint/2010/main" val="1580041223"/>
       </p:ext>
     </p:extLst>
   </p:cSld>
   <p:clrMapOvr>
     <a:masterClrMapping/>
   </p:clrMapOvr>
-  <p:transition/>
+  <p:transition advTm="88954"/>
 </p:sld>
 </file>
 
@@ -13525,15 +14152,7 @@
           <a:p>
             <a:r>
               <a:rPr lang="en-US" dirty="0"/>
-              <a:t>Why Not </a:t>
-            </a:r>
-            <a:r>
-              <a:rPr lang="en-US" dirty="0" err="1"/>
-              <a:t>Bitstreams</a:t>
-            </a:r>
-            <a:r>
-              <a:rPr lang="en-US" dirty="0"/>
-              <a:t>?</a:t>
+              <a:t>Development Tools</a:t>
             </a:r>
           </a:p>
         </p:txBody>
@@ -13550,8 +14169,8 @@
         </p:nvSpPr>
         <p:spPr>
           <a:xfrm>
-            <a:off x="457200" y="1295400"/>
-            <a:ext cx="8229600" cy="4830763"/>
+            <a:off x="4450757" y="1219200"/>
+            <a:ext cx="4617043" cy="4906963"/>
           </a:xfrm>
         </p:spPr>
         <p:txBody>
@@ -13559,79 +14178,64 @@
           <a:lstStyle/>
           <a:p>
             <a:r>
+              <a:rPr lang="en-US" sz="2800" dirty="0"/>
+              <a:t>Julia-based DSL</a:t>
+            </a:r>
+          </a:p>
+          <a:p>
+            <a:r>
+              <a:rPr lang="en-US" sz="2800" dirty="0"/>
+              <a:t>Support for a broad variety of bitstream constructs</a:t>
+            </a:r>
+          </a:p>
+          <a:p>
+            <a:pPr lvl="1"/>
+            <a:r>
               <a:rPr lang="en-US" sz="2400" dirty="0"/>
-              <a:t>Inefficient representation: linear vs. logarithmic</a:t>
-            </a:r>
-          </a:p>
-          <a:p>
+              <a:t>Algorithm development in FP</a:t>
+            </a:r>
+          </a:p>
+          <a:p>
+            <a:pPr lvl="1"/>
             <a:r>
               <a:rPr lang="en-US" sz="2400" dirty="0"/>
-              <a:t>Inefficient computation (in time)</a:t>
-            </a:r>
-          </a:p>
-          <a:p>
+              <a:t>Validation in emulated </a:t>
+            </a:r>
+            <a:r>
+              <a:rPr lang="en-US" sz="2400" dirty="0" err="1"/>
+              <a:t>bitstream</a:t>
+            </a:r>
             <a:r>
               <a:rPr lang="en-US" sz="2400" dirty="0"/>
-              <a:t>Algorithmic issues</a:t>
+              <a:t> mode</a:t>
             </a:r>
           </a:p>
           <a:p>
             <a:pPr lvl="1"/>
             <a:r>
-              <a:rPr lang="en-US" sz="2000" dirty="0"/>
-              <a:t>Not all operators available/known</a:t>
-            </a:r>
-          </a:p>
-          <a:p>
-            <a:pPr lvl="1"/>
-            <a:r>
-              <a:rPr lang="en-US" sz="2000" dirty="0"/>
-              <a:t>Pipelined/streaming computations serialized for unknown operations</a:t>
-            </a:r>
-          </a:p>
-          <a:p>
-            <a:pPr lvl="1"/>
-            <a:r>
-              <a:rPr lang="en-US" sz="2000" dirty="0"/>
-              <a:t>Analytical tools (e.g. z-domain analysis) may not work</a:t>
-            </a:r>
-          </a:p>
-          <a:p>
-            <a:pPr lvl="1"/>
-            <a:r>
-              <a:rPr lang="en-US" sz="2000" dirty="0"/>
-              <a:t>Range, precision, scaling are tricky [Shukla, </a:t>
-            </a:r>
-            <a:r>
-              <a:rPr lang="en-US" sz="2000" dirty="0" err="1"/>
-              <a:t>FoNS</a:t>
-            </a:r>
-            <a:r>
-              <a:rPr lang="en-US" sz="2000" dirty="0"/>
-              <a:t>, 2018]</a:t>
-            </a:r>
-          </a:p>
-          <a:p>
-            <a:r>
               <a:rPr lang="en-US" sz="2400" dirty="0"/>
-              <a:t>Practical issues</a:t>
-            </a:r>
-          </a:p>
-          <a:p>
-            <a:pPr lvl="1"/>
-            <a:r>
-              <a:rPr lang="en-US" sz="2000" dirty="0"/>
-              <a:t>No software tools, languages, compilers</a:t>
-            </a:r>
-          </a:p>
-          <a:p>
-            <a:endParaRPr lang="en-US" sz="2400" dirty="0"/>
-          </a:p>
-          <a:p>
-            <a:pPr marL="0" indent="0">
-              <a:buNone/>
-            </a:pPr>
-            <a:endParaRPr lang="en-US" sz="2400" dirty="0"/>
+              <a:t>Automatic synthesis of bitstream </a:t>
+            </a:r>
+            <a:r>
+              <a:rPr lang="en-US" sz="2400" dirty="0" err="1"/>
+              <a:t>datapath</a:t>
+            </a:r>
+            <a:r>
+              <a:rPr lang="en-US" sz="2400" dirty="0"/>
+              <a:t> in Verilog</a:t>
+            </a:r>
+          </a:p>
+          <a:p>
+            <a:r>
+              <a:rPr lang="en-US" sz="2800" dirty="0">
+                <a:hlinkClick r:id="rId2"/>
+              </a:rPr>
+              <a:t>https://github.com/UW-PHARM/BitSAD.jl</a:t>
+            </a:r>
+            <a:r>
+              <a:rPr lang="en-US" sz="2800" dirty="0"/>
+              <a:t> </a:t>
+            </a:r>
           </a:p>
         </p:txBody>
       </p:sp>
@@ -13663,7 +14267,7 @@
       </p:sp>
       <p:sp>
         <p:nvSpPr>
-          <p:cNvPr id="6" name="Slide Number Placeholder 5"/>
+          <p:cNvPr id="8" name="Slide Number Placeholder 7"/>
           <p:cNvSpPr>
             <a:spLocks noGrp="1"/>
           </p:cNvSpPr>
@@ -13686,23 +14290,142 @@
               </a:pPr>
               <a:t>18</a:t>
             </a:fld>
-            <a:endParaRPr lang="en-US">
+            <a:endParaRPr lang="en-US" dirty="0">
               <a:latin typeface="+mn-lt"/>
             </a:endParaRPr>
+          </a:p>
+        </p:txBody>
+      </p:sp>
+      <p:pic>
+        <p:nvPicPr>
+          <p:cNvPr id="6" name="Picture 5" descr="Text&#10;&#10;Description automatically generated">
+            <a:extLst>
+              <a:ext uri="{FF2B5EF4-FFF2-40B4-BE49-F238E27FC236}">
+                <a16:creationId xmlns:a16="http://schemas.microsoft.com/office/drawing/2014/main" id="{A15DC89A-0DB4-3042-9843-176350C061F8}"/>
+              </a:ext>
+            </a:extLst>
+          </p:cNvPr>
+          <p:cNvPicPr>
+            <a:picLocks noChangeAspect="1"/>
+          </p:cNvPicPr>
+          <p:nvPr/>
+        </p:nvPicPr>
+        <p:blipFill rotWithShape="1">
+          <a:blip r:embed="rId3">
+            <a:extLst>
+              <a:ext uri="{28A0092B-C50C-407E-A947-70E740481C1C}">
+                <a14:useLocalDpi xmlns:a14="http://schemas.microsoft.com/office/drawing/2010/main" val="0"/>
+              </a:ext>
+            </a:extLst>
+          </a:blip>
+          <a:srcRect b="65830"/>
+          <a:stretch/>
+        </p:blipFill>
+        <p:spPr>
+          <a:xfrm>
+            <a:off x="178539" y="1174873"/>
+            <a:ext cx="4236043" cy="2527053"/>
+          </a:xfrm>
+          <a:prstGeom prst="rect">
+            <a:avLst/>
+          </a:prstGeom>
+        </p:spPr>
+      </p:pic>
+      <p:pic>
+        <p:nvPicPr>
+          <p:cNvPr id="10" name="Picture 9" descr="Text&#10;&#10;Description automatically generated">
+            <a:extLst>
+              <a:ext uri="{FF2B5EF4-FFF2-40B4-BE49-F238E27FC236}">
+                <a16:creationId xmlns:a16="http://schemas.microsoft.com/office/drawing/2014/main" id="{3518E43D-16BE-8A4F-A518-0C84847726B8}"/>
+              </a:ext>
+            </a:extLst>
+          </p:cNvPr>
+          <p:cNvPicPr>
+            <a:picLocks noChangeAspect="1"/>
+          </p:cNvPicPr>
+          <p:nvPr/>
+        </p:nvPicPr>
+        <p:blipFill rotWithShape="1">
+          <a:blip r:embed="rId4" cstate="print">
+            <a:extLst>
+              <a:ext uri="{28A0092B-C50C-407E-A947-70E740481C1C}">
+                <a14:useLocalDpi xmlns:a14="http://schemas.microsoft.com/office/drawing/2010/main" val="0"/>
+              </a:ext>
+            </a:extLst>
+          </a:blip>
+          <a:srcRect t="35555"/>
+          <a:stretch/>
+        </p:blipFill>
+        <p:spPr>
+          <a:xfrm>
+            <a:off x="178539" y="3771900"/>
+            <a:ext cx="2742920" cy="3086100"/>
+          </a:xfrm>
+          <a:prstGeom prst="rect">
+            <a:avLst/>
+          </a:prstGeom>
+        </p:spPr>
+      </p:pic>
+      <p:sp>
+        <p:nvSpPr>
+          <p:cNvPr id="9" name="TextBox 8">
+            <a:extLst>
+              <a:ext uri="{FF2B5EF4-FFF2-40B4-BE49-F238E27FC236}">
+                <a16:creationId xmlns:a16="http://schemas.microsoft.com/office/drawing/2014/main" id="{F12A9AD3-A73C-49F5-BC96-1B2C1C443FE7}"/>
+              </a:ext>
+            </a:extLst>
+          </p:cNvPr>
+          <p:cNvSpPr txBox="1"/>
+          <p:nvPr/>
+        </p:nvSpPr>
+        <p:spPr>
+          <a:xfrm>
+            <a:off x="2590800" y="309066"/>
+            <a:ext cx="4252703" cy="307777"/>
+          </a:xfrm>
+          <a:prstGeom prst="rect">
+            <a:avLst/>
+          </a:prstGeom>
+          <a:noFill/>
+        </p:spPr>
+        <p:txBody>
+          <a:bodyPr wrap="square" rtlCol="0">
+            <a:spAutoFit/>
+          </a:bodyPr>
+          <a:lstStyle/>
+          <a:p>
+            <a:r>
+              <a:rPr lang="en-US" sz="1400" dirty="0">
+                <a:latin typeface="+mn-lt"/>
+              </a:rPr>
+              <a:t>[Kyle Daruwalla, Rohit Shukla, Heng </a:t>
+            </a:r>
+            <a:r>
+              <a:rPr lang="en-US" sz="1400" dirty="0" err="1">
+                <a:latin typeface="+mn-lt"/>
+              </a:rPr>
+              <a:t>Zhuo</a:t>
+            </a:r>
+            <a:r>
+              <a:rPr lang="en-US" sz="1400" dirty="0">
+                <a:latin typeface="+mn-lt"/>
+              </a:rPr>
+              <a:t>]</a:t>
+            </a:r>
           </a:p>
         </p:txBody>
       </p:sp>
     </p:spTree>
     <p:extLst>
       <p:ext uri="{BB962C8B-B14F-4D97-AF65-F5344CB8AC3E}">
-        <p14:creationId xmlns:p14="http://schemas.microsoft.com/office/powerpoint/2010/main" val="1580041223"/>
+        <p14:creationId xmlns:p14="http://schemas.microsoft.com/office/powerpoint/2010/main" val="3929585909"/>
       </p:ext>
     </p:extLst>
   </p:cSld>
   <p:clrMapOvr>
     <a:masterClrMapping/>
   </p:clrMapOvr>
-  <p:transition/>
+  <p:transition advTm="46960"/>
 </p:sld>
 </file>
 
@@ -13725,7 +14448,13 @@
       </p:grpSpPr>
       <p:sp>
         <p:nvSpPr>
-          <p:cNvPr id="2" name="Title 1"/>
+          <p:cNvPr id="2" name="Title 1">
+            <a:extLst>
+              <a:ext uri="{FF2B5EF4-FFF2-40B4-BE49-F238E27FC236}">
+                <a16:creationId xmlns:a16="http://schemas.microsoft.com/office/drawing/2014/main" id="{BAAE0A03-A01A-467F-9C13-B5CA6368E6B5}"/>
+              </a:ext>
+            </a:extLst>
+          </p:cNvPr>
           <p:cNvSpPr>
             <a:spLocks noGrp="1"/>
           </p:cNvSpPr>
@@ -13740,14 +14469,20 @@
           <a:p>
             <a:r>
               <a:rPr lang="en-US" dirty="0"/>
-              <a:t>Development Tools</a:t>
-            </a:r>
-          </a:p>
-        </p:txBody>
-      </p:sp>
-      <p:sp>
-        <p:nvSpPr>
-          <p:cNvPr id="3" name="Content Placeholder 2"/>
+              <a:t>Bitstream Dot Product</a:t>
+            </a:r>
+          </a:p>
+        </p:txBody>
+      </p:sp>
+      <p:sp>
+        <p:nvSpPr>
+          <p:cNvPr id="3" name="Content Placeholder 2">
+            <a:extLst>
+              <a:ext uri="{FF2B5EF4-FFF2-40B4-BE49-F238E27FC236}">
+                <a16:creationId xmlns:a16="http://schemas.microsoft.com/office/drawing/2014/main" id="{7920F742-10A6-45F2-AC84-EF593A6E6DF0}"/>
+              </a:ext>
+            </a:extLst>
+          </p:cNvPr>
           <p:cNvSpPr>
             <a:spLocks noGrp="1"/>
           </p:cNvSpPr>
@@ -13757,8 +14492,8 @@
         </p:nvSpPr>
         <p:spPr>
           <a:xfrm>
-            <a:off x="4450757" y="1219200"/>
-            <a:ext cx="4617043" cy="4906963"/>
+            <a:off x="457200" y="3063091"/>
+            <a:ext cx="8229600" cy="3313900"/>
           </a:xfrm>
         </p:spPr>
         <p:txBody>
@@ -13766,70 +14501,52 @@
           <a:lstStyle/>
           <a:p>
             <a:r>
-              <a:rPr lang="en-US" sz="2800" dirty="0"/>
-              <a:t>Julia-based DSL</a:t>
-            </a:r>
-          </a:p>
-          <a:p>
-            <a:r>
-              <a:rPr lang="en-US" sz="2800" dirty="0"/>
-              <a:t>Support for a broad variety of bitstream constructs</a:t>
+              <a:rPr lang="en-US" dirty="0"/>
+              <a:t>Input and weight encoding: SNG (LFSR)</a:t>
             </a:r>
           </a:p>
           <a:p>
             <a:pPr lvl="1"/>
             <a:r>
-              <a:rPr lang="en-US" sz="2400" dirty="0"/>
-              <a:t>Algorithm development in FP</a:t>
-            </a:r>
-          </a:p>
-          <a:p>
-            <a:pPr lvl="1"/>
-            <a:r>
-              <a:rPr lang="en-US" sz="2400" dirty="0"/>
-              <a:t>Validation in emulated </a:t>
-            </a:r>
-            <a:r>
-              <a:rPr lang="en-US" sz="2400" dirty="0" err="1"/>
-              <a:t>bitstream</a:t>
-            </a:r>
-            <a:r>
-              <a:rPr lang="en-US" sz="2400" dirty="0"/>
-              <a:t> mode</a:t>
-            </a:r>
-          </a:p>
-          <a:p>
-            <a:pPr lvl="1"/>
-            <a:r>
-              <a:rPr lang="en-US" sz="2400" dirty="0"/>
-              <a:t>Automatic synthesis of bitstream </a:t>
-            </a:r>
-            <a:r>
-              <a:rPr lang="en-US" sz="2400" dirty="0" err="1"/>
-              <a:t>datapath</a:t>
-            </a:r>
-            <a:r>
-              <a:rPr lang="en-US" sz="2400" dirty="0"/>
-              <a:t> in Verilog</a:t>
-            </a:r>
-          </a:p>
-          <a:p>
-            <a:r>
-              <a:rPr lang="en-US" sz="2800" dirty="0">
-                <a:hlinkClick r:id="rId2"/>
-              </a:rPr>
-              <a:t>https://github.com/UW-PHARM/BitSAD.jl</a:t>
-            </a:r>
-            <a:r>
-              <a:rPr lang="en-US" sz="2800" dirty="0"/>
-              <a:t> </a:t>
-            </a:r>
-          </a:p>
-        </p:txBody>
-      </p:sp>
-      <p:sp>
-        <p:nvSpPr>
-          <p:cNvPr id="4" name="Footer Placeholder 3"/>
+              <a:rPr lang="en-US" dirty="0"/>
+              <a:t>Stochastic number generator</a:t>
+            </a:r>
+          </a:p>
+          <a:p>
+            <a:r>
+              <a:rPr lang="en-US" dirty="0"/>
+              <a:t>Multiply: AND gate</a:t>
+            </a:r>
+          </a:p>
+          <a:p>
+            <a:r>
+              <a:rPr lang="en-US" dirty="0"/>
+              <a:t>Add: bit count circuit</a:t>
+            </a:r>
+          </a:p>
+          <a:p>
+            <a:r>
+              <a:rPr lang="en-US" dirty="0"/>
+              <a:t>Replicate for each layer, channel, x-y location</a:t>
+            </a:r>
+          </a:p>
+          <a:p>
+            <a:r>
+              <a:rPr lang="en-US" b="1" dirty="0"/>
+              <a:t>Length of bitstream ~ accuracy</a:t>
+            </a:r>
+          </a:p>
+        </p:txBody>
+      </p:sp>
+      <p:sp>
+        <p:nvSpPr>
+          <p:cNvPr id="4" name="Footer Placeholder 3">
+            <a:extLst>
+              <a:ext uri="{FF2B5EF4-FFF2-40B4-BE49-F238E27FC236}">
+                <a16:creationId xmlns:a16="http://schemas.microsoft.com/office/drawing/2014/main" id="{A334DC98-F1C3-48ED-9578-C6D47C4763CF}"/>
+              </a:ext>
+            </a:extLst>
+          </p:cNvPr>
           <p:cNvSpPr>
             <a:spLocks noGrp="1"/>
           </p:cNvSpPr>
@@ -13842,20 +14559,22 @@
           <a:bodyPr/>
           <a:lstStyle/>
           <a:p>
-            <a:pPr>
-              <a:defRPr/>
-            </a:pPr>
             <a:r>
               <a:rPr lang="en-US"/>
               <a:t>Bitstream Computing Hackathon @ UW</a:t>
             </a:r>
-            <a:endParaRPr lang="en-US" dirty="0"/>
-          </a:p>
-        </p:txBody>
-      </p:sp>
-      <p:sp>
-        <p:nvSpPr>
-          <p:cNvPr id="8" name="Slide Number Placeholder 7"/>
+          </a:p>
+        </p:txBody>
+      </p:sp>
+      <p:sp>
+        <p:nvSpPr>
+          <p:cNvPr id="5" name="Slide Number Placeholder 4">
+            <a:extLst>
+              <a:ext uri="{FF2B5EF4-FFF2-40B4-BE49-F238E27FC236}">
+                <a16:creationId xmlns:a16="http://schemas.microsoft.com/office/drawing/2014/main" id="{FF8C21F0-C02B-42DF-B27F-793AA33164D8}"/>
+              </a:ext>
+            </a:extLst>
+          </p:cNvPr>
           <p:cNvSpPr>
             <a:spLocks noGrp="1"/>
           </p:cNvSpPr>
@@ -13868,137 +14587,609 @@
           <a:bodyPr/>
           <a:lstStyle/>
           <a:p>
-            <a:pPr lvl="1">
-              <a:defRPr/>
-            </a:pPr>
-            <a:fld id="{F7BDFE20-CE3C-4DC1-877A-19CD0F462E70}" type="slidenum">
+            <a:fld id="{6CD1140A-C91D-4727-B1C6-F64D20B33EED}" type="slidenum">
               <a:rPr lang="en-US" smtClean="0"/>
-              <a:pPr lvl="1">
-                <a:defRPr/>
-              </a:pPr>
               <a:t>19</a:t>
             </a:fld>
-            <a:endParaRPr lang="en-US" dirty="0">
-              <a:latin typeface="+mn-lt"/>
-            </a:endParaRPr>
-          </a:p>
-        </p:txBody>
-      </p:sp>
-      <p:pic>
-        <p:nvPicPr>
-          <p:cNvPr id="6" name="Picture 5" descr="Text&#10;&#10;Description automatically generated">
-            <a:extLst>
-              <a:ext uri="{FF2B5EF4-FFF2-40B4-BE49-F238E27FC236}">
-                <a16:creationId xmlns:a16="http://schemas.microsoft.com/office/drawing/2014/main" id="{A15DC89A-0DB4-3042-9843-176350C061F8}"/>
-              </a:ext>
-            </a:extLst>
-          </p:cNvPr>
-          <p:cNvPicPr>
-            <a:picLocks noChangeAspect="1"/>
-          </p:cNvPicPr>
-          <p:nvPr/>
-        </p:nvPicPr>
-        <p:blipFill rotWithShape="1">
-          <a:blip r:embed="rId3">
-            <a:extLst>
-              <a:ext uri="{28A0092B-C50C-407E-A947-70E740481C1C}">
-                <a14:useLocalDpi xmlns:a14="http://schemas.microsoft.com/office/drawing/2010/main" val="0"/>
-              </a:ext>
-            </a:extLst>
-          </a:blip>
-          <a:srcRect b="65830"/>
-          <a:stretch/>
-        </p:blipFill>
-        <p:spPr>
-          <a:xfrm>
-            <a:off x="178539" y="1174873"/>
-            <a:ext cx="4236043" cy="2527053"/>
+            <a:endParaRPr lang="en-US"/>
+          </a:p>
+        </p:txBody>
+      </p:sp>
+      <p:sp>
+        <p:nvSpPr>
+          <p:cNvPr id="11" name="Rectangle 10">
+            <a:extLst>
+              <a:ext uri="{FF2B5EF4-FFF2-40B4-BE49-F238E27FC236}">
+                <a16:creationId xmlns:a16="http://schemas.microsoft.com/office/drawing/2014/main" id="{A5E0E497-644F-4551-B58B-22C166819CC5}"/>
+              </a:ext>
+            </a:extLst>
+          </p:cNvPr>
+          <p:cNvSpPr/>
+          <p:nvPr/>
+        </p:nvSpPr>
+        <p:spPr>
+          <a:xfrm>
+            <a:off x="5334000" y="1687530"/>
+            <a:ext cx="685800" cy="465130"/>
           </a:xfrm>
           <a:prstGeom prst="rect">
             <a:avLst/>
           </a:prstGeom>
-        </p:spPr>
-      </p:pic>
-      <p:pic>
-        <p:nvPicPr>
-          <p:cNvPr id="10" name="Picture 9" descr="Text&#10;&#10;Description automatically generated">
-            <a:extLst>
-              <a:ext uri="{FF2B5EF4-FFF2-40B4-BE49-F238E27FC236}">
-                <a16:creationId xmlns:a16="http://schemas.microsoft.com/office/drawing/2014/main" id="{3518E43D-16BE-8A4F-A518-0C84847726B8}"/>
-              </a:ext>
-            </a:extLst>
-          </p:cNvPr>
-          <p:cNvPicPr>
-            <a:picLocks noChangeAspect="1"/>
-          </p:cNvPicPr>
-          <p:nvPr/>
-        </p:nvPicPr>
-        <p:blipFill rotWithShape="1">
-          <a:blip r:embed="rId4" cstate="print">
-            <a:extLst>
-              <a:ext uri="{28A0092B-C50C-407E-A947-70E740481C1C}">
-                <a14:useLocalDpi xmlns:a14="http://schemas.microsoft.com/office/drawing/2010/main" val="0"/>
-              </a:ext>
-            </a:extLst>
-          </a:blip>
-          <a:srcRect t="35555"/>
-          <a:stretch/>
-        </p:blipFill>
-        <p:spPr>
-          <a:xfrm>
-            <a:off x="178539" y="3771900"/>
-            <a:ext cx="2742920" cy="3086100"/>
+          <a:noFill/>
+        </p:spPr>
+        <p:style>
+          <a:lnRef idx="2">
+            <a:schemeClr val="accent1">
+              <a:shade val="50000"/>
+            </a:schemeClr>
+          </a:lnRef>
+          <a:fillRef idx="1">
+            <a:schemeClr val="accent1"/>
+          </a:fillRef>
+          <a:effectRef idx="0">
+            <a:schemeClr val="accent1"/>
+          </a:effectRef>
+          <a:fontRef idx="minor">
+            <a:schemeClr val="lt1"/>
+          </a:fontRef>
+        </p:style>
+        <p:txBody>
+          <a:bodyPr rtlCol="0" anchor="ctr"/>
+          <a:lstStyle/>
+          <a:p>
+            <a:pPr algn="ctr"/>
+            <a:r>
+              <a:rPr lang="en-US" dirty="0">
+                <a:solidFill>
+                  <a:schemeClr val="tx1"/>
+                </a:solidFill>
+              </a:rPr>
+              <a:t>Add</a:t>
+            </a:r>
+          </a:p>
+        </p:txBody>
+      </p:sp>
+      <p:sp>
+        <p:nvSpPr>
+          <p:cNvPr id="22" name="Flowchart: Delay 21">
+            <a:extLst>
+              <a:ext uri="{FF2B5EF4-FFF2-40B4-BE49-F238E27FC236}">
+                <a16:creationId xmlns:a16="http://schemas.microsoft.com/office/drawing/2014/main" id="{18947504-8D66-41D3-98E6-79231FFB7628}"/>
+              </a:ext>
+            </a:extLst>
+          </p:cNvPr>
+          <p:cNvSpPr/>
+          <p:nvPr/>
+        </p:nvSpPr>
+        <p:spPr>
+          <a:xfrm>
+            <a:off x="4483100" y="1463684"/>
+            <a:ext cx="203200" cy="271462"/>
+          </a:xfrm>
+          <a:prstGeom prst="flowChartDelay">
+            <a:avLst/>
+          </a:prstGeom>
+        </p:spPr>
+        <p:style>
+          <a:lnRef idx="2">
+            <a:schemeClr val="accent1">
+              <a:shade val="50000"/>
+            </a:schemeClr>
+          </a:lnRef>
+          <a:fillRef idx="1">
+            <a:schemeClr val="accent1"/>
+          </a:fillRef>
+          <a:effectRef idx="0">
+            <a:schemeClr val="accent1"/>
+          </a:effectRef>
+          <a:fontRef idx="minor">
+            <a:schemeClr val="lt1"/>
+          </a:fontRef>
+        </p:style>
+        <p:txBody>
+          <a:bodyPr rtlCol="0" anchor="ctr"/>
+          <a:lstStyle/>
+          <a:p>
+            <a:pPr algn="ctr"/>
+            <a:endParaRPr lang="en-US"/>
+          </a:p>
+        </p:txBody>
+      </p:sp>
+      <p:sp>
+        <p:nvSpPr>
+          <p:cNvPr id="23" name="Flowchart: Delay 22">
+            <a:extLst>
+              <a:ext uri="{FF2B5EF4-FFF2-40B4-BE49-F238E27FC236}">
+                <a16:creationId xmlns:a16="http://schemas.microsoft.com/office/drawing/2014/main" id="{DBBA6B69-75D1-4EA1-ABAD-A72267F0AF1D}"/>
+              </a:ext>
+            </a:extLst>
+          </p:cNvPr>
+          <p:cNvSpPr/>
+          <p:nvPr/>
+        </p:nvSpPr>
+        <p:spPr>
+          <a:xfrm>
+            <a:off x="4483100" y="1866909"/>
+            <a:ext cx="203200" cy="271462"/>
+          </a:xfrm>
+          <a:prstGeom prst="flowChartDelay">
+            <a:avLst/>
+          </a:prstGeom>
+        </p:spPr>
+        <p:style>
+          <a:lnRef idx="2">
+            <a:schemeClr val="accent1">
+              <a:shade val="50000"/>
+            </a:schemeClr>
+          </a:lnRef>
+          <a:fillRef idx="1">
+            <a:schemeClr val="accent1"/>
+          </a:fillRef>
+          <a:effectRef idx="0">
+            <a:schemeClr val="accent1"/>
+          </a:effectRef>
+          <a:fontRef idx="minor">
+            <a:schemeClr val="lt1"/>
+          </a:fontRef>
+        </p:style>
+        <p:txBody>
+          <a:bodyPr rtlCol="0" anchor="ctr"/>
+          <a:lstStyle/>
+          <a:p>
+            <a:pPr algn="ctr"/>
+            <a:endParaRPr lang="en-US"/>
+          </a:p>
+        </p:txBody>
+      </p:sp>
+      <p:sp>
+        <p:nvSpPr>
+          <p:cNvPr id="24" name="Flowchart: Delay 23">
+            <a:extLst>
+              <a:ext uri="{FF2B5EF4-FFF2-40B4-BE49-F238E27FC236}">
+                <a16:creationId xmlns:a16="http://schemas.microsoft.com/office/drawing/2014/main" id="{DD09745F-F573-431E-818D-F1112AA01E73}"/>
+              </a:ext>
+            </a:extLst>
+          </p:cNvPr>
+          <p:cNvSpPr/>
+          <p:nvPr/>
+        </p:nvSpPr>
+        <p:spPr>
+          <a:xfrm>
+            <a:off x="4483100" y="2416184"/>
+            <a:ext cx="203200" cy="271462"/>
+          </a:xfrm>
+          <a:prstGeom prst="flowChartDelay">
+            <a:avLst/>
+          </a:prstGeom>
+        </p:spPr>
+        <p:style>
+          <a:lnRef idx="2">
+            <a:schemeClr val="accent1">
+              <a:shade val="50000"/>
+            </a:schemeClr>
+          </a:lnRef>
+          <a:fillRef idx="1">
+            <a:schemeClr val="accent1"/>
+          </a:fillRef>
+          <a:effectRef idx="0">
+            <a:schemeClr val="accent1"/>
+          </a:effectRef>
+          <a:fontRef idx="minor">
+            <a:schemeClr val="lt1"/>
+          </a:fontRef>
+        </p:style>
+        <p:txBody>
+          <a:bodyPr rtlCol="0" anchor="ctr"/>
+          <a:lstStyle/>
+          <a:p>
+            <a:pPr algn="ctr"/>
+            <a:endParaRPr lang="en-US"/>
+          </a:p>
+        </p:txBody>
+      </p:sp>
+      <p:cxnSp>
+        <p:nvCxnSpPr>
+          <p:cNvPr id="26" name="Connector: Elbow 25">
+            <a:extLst>
+              <a:ext uri="{FF2B5EF4-FFF2-40B4-BE49-F238E27FC236}">
+                <a16:creationId xmlns:a16="http://schemas.microsoft.com/office/drawing/2014/main" id="{61171790-D511-4F70-819C-4428DDAADE4F}"/>
+              </a:ext>
+            </a:extLst>
+          </p:cNvPr>
+          <p:cNvCxnSpPr>
+            <a:cxnSpLocks/>
+            <a:stCxn id="22" idx="3"/>
+            <a:endCxn id="11" idx="1"/>
+          </p:cNvCxnSpPr>
+          <p:nvPr/>
+        </p:nvCxnSpPr>
+        <p:spPr>
+          <a:xfrm>
+            <a:off x="4686300" y="1599415"/>
+            <a:ext cx="647700" cy="320680"/>
+          </a:xfrm>
+          <a:prstGeom prst="bentConnector3">
+            <a:avLst>
+              <a:gd name="adj1" fmla="val 50000"/>
+            </a:avLst>
+          </a:prstGeom>
+          <a:ln>
+            <a:tailEnd type="triangle"/>
+          </a:ln>
+        </p:spPr>
+        <p:style>
+          <a:lnRef idx="1">
+            <a:schemeClr val="accent1"/>
+          </a:lnRef>
+          <a:fillRef idx="0">
+            <a:schemeClr val="accent1"/>
+          </a:fillRef>
+          <a:effectRef idx="0">
+            <a:schemeClr val="accent1"/>
+          </a:effectRef>
+          <a:fontRef idx="minor">
+            <a:schemeClr val="tx1"/>
+          </a:fontRef>
+        </p:style>
+      </p:cxnSp>
+      <p:cxnSp>
+        <p:nvCxnSpPr>
+          <p:cNvPr id="28" name="Connector: Elbow 27">
+            <a:extLst>
+              <a:ext uri="{FF2B5EF4-FFF2-40B4-BE49-F238E27FC236}">
+                <a16:creationId xmlns:a16="http://schemas.microsoft.com/office/drawing/2014/main" id="{B59E64A3-2A0B-42F2-BEA2-31DA61F61C9D}"/>
+              </a:ext>
+            </a:extLst>
+          </p:cNvPr>
+          <p:cNvCxnSpPr>
+            <a:cxnSpLocks/>
+            <a:stCxn id="23" idx="3"/>
+            <a:endCxn id="11" idx="1"/>
+          </p:cNvCxnSpPr>
+          <p:nvPr/>
+        </p:nvCxnSpPr>
+        <p:spPr>
+          <a:xfrm flipV="1">
+            <a:off x="4686300" y="1920095"/>
+            <a:ext cx="647700" cy="82545"/>
+          </a:xfrm>
+          <a:prstGeom prst="bentConnector3">
+            <a:avLst/>
+          </a:prstGeom>
+          <a:ln>
+            <a:tailEnd type="triangle"/>
+          </a:ln>
+        </p:spPr>
+        <p:style>
+          <a:lnRef idx="1">
+            <a:schemeClr val="accent1"/>
+          </a:lnRef>
+          <a:fillRef idx="0">
+            <a:schemeClr val="accent1"/>
+          </a:fillRef>
+          <a:effectRef idx="0">
+            <a:schemeClr val="accent1"/>
+          </a:effectRef>
+          <a:fontRef idx="minor">
+            <a:schemeClr val="tx1"/>
+          </a:fontRef>
+        </p:style>
+      </p:cxnSp>
+      <p:cxnSp>
+        <p:nvCxnSpPr>
+          <p:cNvPr id="30" name="Connector: Elbow 29">
+            <a:extLst>
+              <a:ext uri="{FF2B5EF4-FFF2-40B4-BE49-F238E27FC236}">
+                <a16:creationId xmlns:a16="http://schemas.microsoft.com/office/drawing/2014/main" id="{F2B5A95D-7878-49CC-9FE0-98C4743498AB}"/>
+              </a:ext>
+            </a:extLst>
+          </p:cNvPr>
+          <p:cNvCxnSpPr>
+            <a:cxnSpLocks/>
+            <a:stCxn id="24" idx="3"/>
+            <a:endCxn id="11" idx="1"/>
+          </p:cNvCxnSpPr>
+          <p:nvPr/>
+        </p:nvCxnSpPr>
+        <p:spPr>
+          <a:xfrm flipV="1">
+            <a:off x="4686300" y="1920095"/>
+            <a:ext cx="647700" cy="631820"/>
+          </a:xfrm>
+          <a:prstGeom prst="bentConnector3">
+            <a:avLst/>
+          </a:prstGeom>
+          <a:ln>
+            <a:tailEnd type="triangle"/>
+          </a:ln>
+        </p:spPr>
+        <p:style>
+          <a:lnRef idx="1">
+            <a:schemeClr val="accent1"/>
+          </a:lnRef>
+          <a:fillRef idx="0">
+            <a:schemeClr val="accent1"/>
+          </a:fillRef>
+          <a:effectRef idx="0">
+            <a:schemeClr val="accent1"/>
+          </a:effectRef>
+          <a:fontRef idx="minor">
+            <a:schemeClr val="tx1"/>
+          </a:fontRef>
+        </p:style>
+      </p:cxnSp>
+      <p:sp>
+        <p:nvSpPr>
+          <p:cNvPr id="37" name="TextBox 36">
+            <a:extLst>
+              <a:ext uri="{FF2B5EF4-FFF2-40B4-BE49-F238E27FC236}">
+                <a16:creationId xmlns:a16="http://schemas.microsoft.com/office/drawing/2014/main" id="{056EB01A-D6F3-4B4F-ADFD-33ACD18997BD}"/>
+              </a:ext>
+            </a:extLst>
+          </p:cNvPr>
+          <p:cNvSpPr txBox="1"/>
+          <p:nvPr/>
+        </p:nvSpPr>
+        <p:spPr>
+          <a:xfrm rot="16200000">
+            <a:off x="4300999" y="2123389"/>
+            <a:ext cx="364202" cy="307777"/>
           </a:xfrm>
           <a:prstGeom prst="rect">
             <a:avLst/>
           </a:prstGeom>
-        </p:spPr>
-      </p:pic>
-      <p:sp>
-        <p:nvSpPr>
-          <p:cNvPr id="9" name="TextBox 8">
-            <a:extLst>
-              <a:ext uri="{FF2B5EF4-FFF2-40B4-BE49-F238E27FC236}">
-                <a16:creationId xmlns:a16="http://schemas.microsoft.com/office/drawing/2014/main" id="{F12A9AD3-A73C-49F5-BC96-1B2C1C443FE7}"/>
-              </a:ext>
-            </a:extLst>
-          </p:cNvPr>
-          <p:cNvSpPr txBox="1"/>
-          <p:nvPr/>
-        </p:nvSpPr>
-        <p:spPr>
-          <a:xfrm>
-            <a:off x="2590800" y="309066"/>
-            <a:ext cx="4252703" cy="307777"/>
-          </a:xfrm>
-          <a:prstGeom prst="rect">
-            <a:avLst/>
-          </a:prstGeom>
           <a:noFill/>
         </p:spPr>
         <p:txBody>
-          <a:bodyPr wrap="square" rtlCol="0">
+          <a:bodyPr wrap="none" rtlCol="0">
             <a:spAutoFit/>
           </a:bodyPr>
           <a:lstStyle/>
           <a:p>
             <a:r>
-              <a:rPr lang="en-US" sz="1400" dirty="0">
-                <a:latin typeface="+mn-lt"/>
+              <a:rPr lang="en-US" sz="1400" dirty="0"/>
+              <a:t>…</a:t>
+            </a:r>
+          </a:p>
+        </p:txBody>
+      </p:sp>
+      <p:sp>
+        <p:nvSpPr>
+          <p:cNvPr id="44" name="Rectangle 43">
+            <a:extLst>
+              <a:ext uri="{FF2B5EF4-FFF2-40B4-BE49-F238E27FC236}">
+                <a16:creationId xmlns:a16="http://schemas.microsoft.com/office/drawing/2014/main" id="{7ACE5926-FA7F-4377-8577-A7C3C6547891}"/>
+              </a:ext>
+            </a:extLst>
+          </p:cNvPr>
+          <p:cNvSpPr/>
+          <p:nvPr/>
+        </p:nvSpPr>
+        <p:spPr>
+          <a:xfrm>
+            <a:off x="3105150" y="1200167"/>
+            <a:ext cx="838200" cy="465130"/>
+          </a:xfrm>
+          <a:prstGeom prst="rect">
+            <a:avLst/>
+          </a:prstGeom>
+          <a:noFill/>
+        </p:spPr>
+        <p:style>
+          <a:lnRef idx="2">
+            <a:schemeClr val="accent1">
+              <a:shade val="50000"/>
+            </a:schemeClr>
+          </a:lnRef>
+          <a:fillRef idx="1">
+            <a:schemeClr val="accent1"/>
+          </a:fillRef>
+          <a:effectRef idx="0">
+            <a:schemeClr val="accent1"/>
+          </a:effectRef>
+          <a:fontRef idx="minor">
+            <a:schemeClr val="lt1"/>
+          </a:fontRef>
+        </p:style>
+        <p:txBody>
+          <a:bodyPr rtlCol="0" anchor="ctr"/>
+          <a:lstStyle/>
+          <a:p>
+            <a:pPr algn="ctr"/>
+            <a:r>
+              <a:rPr lang="en-US" dirty="0">
+                <a:solidFill>
+                  <a:schemeClr val="tx1"/>
+                </a:solidFill>
               </a:rPr>
-              <a:t>[Kyle Daruwalla, Rohit Shukla, Heng </a:t>
-            </a:r>
-            <a:r>
-              <a:rPr lang="en-US" sz="1400" dirty="0" err="1">
-                <a:latin typeface="+mn-lt"/>
+              <a:t>SNG</a:t>
+            </a:r>
+          </a:p>
+        </p:txBody>
+      </p:sp>
+      <p:sp>
+        <p:nvSpPr>
+          <p:cNvPr id="45" name="Rectangle 44">
+            <a:extLst>
+              <a:ext uri="{FF2B5EF4-FFF2-40B4-BE49-F238E27FC236}">
+                <a16:creationId xmlns:a16="http://schemas.microsoft.com/office/drawing/2014/main" id="{B153906F-7315-43BE-93AA-51C579C76D63}"/>
+              </a:ext>
+            </a:extLst>
+          </p:cNvPr>
+          <p:cNvSpPr/>
+          <p:nvPr/>
+        </p:nvSpPr>
+        <p:spPr>
+          <a:xfrm>
+            <a:off x="3092450" y="1785555"/>
+            <a:ext cx="838200" cy="465130"/>
+          </a:xfrm>
+          <a:prstGeom prst="rect">
+            <a:avLst/>
+          </a:prstGeom>
+          <a:noFill/>
+        </p:spPr>
+        <p:style>
+          <a:lnRef idx="2">
+            <a:schemeClr val="accent1">
+              <a:shade val="50000"/>
+            </a:schemeClr>
+          </a:lnRef>
+          <a:fillRef idx="1">
+            <a:schemeClr val="accent1"/>
+          </a:fillRef>
+          <a:effectRef idx="0">
+            <a:schemeClr val="accent1"/>
+          </a:effectRef>
+          <a:fontRef idx="minor">
+            <a:schemeClr val="lt1"/>
+          </a:fontRef>
+        </p:style>
+        <p:txBody>
+          <a:bodyPr rtlCol="0" anchor="ctr"/>
+          <a:lstStyle/>
+          <a:p>
+            <a:pPr algn="ctr"/>
+            <a:r>
+              <a:rPr lang="en-US" dirty="0">
+                <a:solidFill>
+                  <a:schemeClr val="tx1"/>
+                </a:solidFill>
               </a:rPr>
-              <a:t>Zhuo</a:t>
-            </a:r>
-            <a:r>
-              <a:rPr lang="en-US" sz="1400" dirty="0">
-                <a:latin typeface="+mn-lt"/>
+              <a:t>SNG</a:t>
+            </a:r>
+          </a:p>
+        </p:txBody>
+      </p:sp>
+      <p:sp>
+        <p:nvSpPr>
+          <p:cNvPr id="46" name="Rectangle 45">
+            <a:extLst>
+              <a:ext uri="{FF2B5EF4-FFF2-40B4-BE49-F238E27FC236}">
+                <a16:creationId xmlns:a16="http://schemas.microsoft.com/office/drawing/2014/main" id="{C397FFEC-0E6F-4C00-AF26-2469A051C6FF}"/>
+              </a:ext>
+            </a:extLst>
+          </p:cNvPr>
+          <p:cNvSpPr/>
+          <p:nvPr/>
+        </p:nvSpPr>
+        <p:spPr>
+          <a:xfrm>
+            <a:off x="3105150" y="2551915"/>
+            <a:ext cx="838200" cy="465130"/>
+          </a:xfrm>
+          <a:prstGeom prst="rect">
+            <a:avLst/>
+          </a:prstGeom>
+          <a:noFill/>
+        </p:spPr>
+        <p:style>
+          <a:lnRef idx="2">
+            <a:schemeClr val="accent1">
+              <a:shade val="50000"/>
+            </a:schemeClr>
+          </a:lnRef>
+          <a:fillRef idx="1">
+            <a:schemeClr val="accent1"/>
+          </a:fillRef>
+          <a:effectRef idx="0">
+            <a:schemeClr val="accent1"/>
+          </a:effectRef>
+          <a:fontRef idx="minor">
+            <a:schemeClr val="lt1"/>
+          </a:fontRef>
+        </p:style>
+        <p:txBody>
+          <a:bodyPr rtlCol="0" anchor="ctr"/>
+          <a:lstStyle/>
+          <a:p>
+            <a:pPr algn="ctr"/>
+            <a:r>
+              <a:rPr lang="en-US" dirty="0">
+                <a:solidFill>
+                  <a:schemeClr val="tx1"/>
+                </a:solidFill>
               </a:rPr>
-              <a:t>]</a:t>
+              <a:t>SNG</a:t>
+            </a:r>
+          </a:p>
+        </p:txBody>
+      </p:sp>
+      <p:sp>
+        <p:nvSpPr>
+          <p:cNvPr id="47" name="Right Brace 46">
+            <a:extLst>
+              <a:ext uri="{FF2B5EF4-FFF2-40B4-BE49-F238E27FC236}">
+                <a16:creationId xmlns:a16="http://schemas.microsoft.com/office/drawing/2014/main" id="{D7668B18-FCBD-4632-9FD9-A8B261899218}"/>
+              </a:ext>
+            </a:extLst>
+          </p:cNvPr>
+          <p:cNvSpPr/>
+          <p:nvPr/>
+        </p:nvSpPr>
+        <p:spPr>
+          <a:xfrm>
+            <a:off x="4051299" y="1300170"/>
+            <a:ext cx="277911" cy="1716875"/>
+          </a:xfrm>
+          <a:prstGeom prst="rightBrace">
+            <a:avLst/>
+          </a:prstGeom>
+        </p:spPr>
+        <p:style>
+          <a:lnRef idx="1">
+            <a:schemeClr val="accent1"/>
+          </a:lnRef>
+          <a:fillRef idx="0">
+            <a:schemeClr val="accent1"/>
+          </a:fillRef>
+          <a:effectRef idx="0">
+            <a:schemeClr val="accent1"/>
+          </a:effectRef>
+          <a:fontRef idx="minor">
+            <a:schemeClr val="tx1"/>
+          </a:fontRef>
+        </p:style>
+        <p:txBody>
+          <a:bodyPr rtlCol="0" anchor="ctr"/>
+          <a:lstStyle/>
+          <a:p>
+            <a:pPr algn="ctr"/>
+            <a:endParaRPr lang="en-US"/>
+          </a:p>
+        </p:txBody>
+      </p:sp>
+      <p:sp>
+        <p:nvSpPr>
+          <p:cNvPr id="48" name="TextBox 47">
+            <a:extLst>
+              <a:ext uri="{FF2B5EF4-FFF2-40B4-BE49-F238E27FC236}">
+                <a16:creationId xmlns:a16="http://schemas.microsoft.com/office/drawing/2014/main" id="{DD9ACE8C-8C78-4AF8-B205-BEC0BD7C3583}"/>
+              </a:ext>
+            </a:extLst>
+          </p:cNvPr>
+          <p:cNvSpPr txBox="1"/>
+          <p:nvPr/>
+        </p:nvSpPr>
+        <p:spPr>
+          <a:xfrm rot="16200000">
+            <a:off x="3270811" y="2236566"/>
+            <a:ext cx="364202" cy="307777"/>
+          </a:xfrm>
+          <a:prstGeom prst="rect">
+            <a:avLst/>
+          </a:prstGeom>
+          <a:noFill/>
+        </p:spPr>
+        <p:txBody>
+          <a:bodyPr wrap="none" rtlCol="0">
+            <a:spAutoFit/>
+          </a:bodyPr>
+          <a:lstStyle/>
+          <a:p>
+            <a:r>
+              <a:rPr lang="en-US" sz="1400" dirty="0"/>
+              <a:t>…</a:t>
             </a:r>
           </a:p>
         </p:txBody>
@@ -14006,14 +15197,14 @@
     </p:spTree>
     <p:extLst>
       <p:ext uri="{BB962C8B-B14F-4D97-AF65-F5344CB8AC3E}">
-        <p14:creationId xmlns:p14="http://schemas.microsoft.com/office/powerpoint/2010/main" val="3929585909"/>
+        <p14:creationId xmlns:p14="http://schemas.microsoft.com/office/powerpoint/2010/main" val="1428744471"/>
       </p:ext>
     </p:extLst>
   </p:cSld>
   <p:clrMapOvr>
     <a:masterClrMapping/>
   </p:clrMapOvr>
-  <p:transition/>
+  <p:transition advTm="119272"/>
 </p:sld>
 </file>
 
@@ -14175,7 +15366,7 @@
           <p:nvPr/>
         </p:nvPicPr>
         <p:blipFill>
-          <a:blip r:embed="rId2">
+          <a:blip r:embed="rId3">
             <a:extLst>
               <a:ext uri="{28A0092B-C50C-407E-A947-70E740481C1C}">
                 <a14:useLocalDpi xmlns:a14="http://schemas.microsoft.com/office/drawing/2010/main" val="0"/>
@@ -14334,7 +15525,7 @@
           <p:nvPr/>
         </p:nvPicPr>
         <p:blipFill>
-          <a:blip r:embed="rId3">
+          <a:blip r:embed="rId4">
             <a:extLst>
               <a:ext uri="{28A0092B-C50C-407E-A947-70E740481C1C}">
                 <a14:useLocalDpi xmlns:a14="http://schemas.microsoft.com/office/drawing/2010/main" val="0"/>
@@ -14381,13 +15572,13 @@
           <p:nvPr/>
         </p:nvPicPr>
         <p:blipFill>
-          <a:blip r:embed="rId4">
+          <a:blip r:embed="rId5">
             <a:extLst>
               <a:ext uri="{28A0092B-C50C-407E-A947-70E740481C1C}">
                 <a14:useLocalDpi xmlns:a14="http://schemas.microsoft.com/office/drawing/2010/main" val="0"/>
               </a:ext>
               <a:ext uri="{96DAC541-7B7A-43D3-8B79-37D633B846F1}">
-                <asvg:svgBlip xmlns:asvg="http://schemas.microsoft.com/office/drawing/2016/SVG/main" r:embed="rId5"/>
+                <asvg:svgBlip xmlns:asvg="http://schemas.microsoft.com/office/drawing/2016/SVG/main" r:embed="rId6"/>
               </a:ext>
             </a:extLst>
           </a:blip>
@@ -14406,6 +15597,9 @@
         </p:spPr>
       </p:pic>
     </p:spTree>
+    <p:custDataLst>
+      <p:tags r:id="rId1"/>
+    </p:custDataLst>
     <p:extLst>
       <p:ext uri="{BB962C8B-B14F-4D97-AF65-F5344CB8AC3E}">
         <p14:creationId xmlns:p14="http://schemas.microsoft.com/office/powerpoint/2010/main" val="3213555836"/>
@@ -14415,7 +15609,7 @@
   <p:clrMapOvr>
     <a:masterClrMapping/>
   </p:clrMapOvr>
-  <p:transition/>
+  <p:transition advTm="76958"/>
   <p:timing>
     <p:tnLst>
       <p:par>
@@ -14574,10 +15768,76 @@
       </p:grpSpPr>
       <p:sp>
         <p:nvSpPr>
+          <p:cNvPr id="3" name="Content Placeholder 2">
+            <a:extLst>
+              <a:ext uri="{FF2B5EF4-FFF2-40B4-BE49-F238E27FC236}">
+                <a16:creationId xmlns:a16="http://schemas.microsoft.com/office/drawing/2014/main" id="{11499F84-07CD-D0B9-79BC-72835257A110}"/>
+              </a:ext>
+            </a:extLst>
+          </p:cNvPr>
+          <p:cNvSpPr>
+            <a:spLocks noGrp="1"/>
+          </p:cNvSpPr>
+          <p:nvPr>
+            <p:ph idx="1"/>
+          </p:nvPr>
+        </p:nvSpPr>
+        <p:spPr>
+          <a:xfrm>
+            <a:off x="457200" y="2729204"/>
+            <a:ext cx="8229600" cy="3545633"/>
+          </a:xfrm>
+        </p:spPr>
+        <p:txBody>
+          <a:bodyPr/>
+          <a:lstStyle/>
+          <a:p>
+            <a:r>
+              <a:rPr lang="en-US" dirty="0"/>
+              <a:t>Bitstream range limited to [-1,+1]</a:t>
+            </a:r>
+          </a:p>
+          <a:p>
+            <a:r>
+              <a:rPr lang="en-US" dirty="0"/>
+              <a:t>Popular activation functions (e.g. </a:t>
+            </a:r>
+            <a:r>
+              <a:rPr lang="en-US" dirty="0" err="1"/>
+              <a:t>ReLU</a:t>
+            </a:r>
+            <a:r>
+              <a:rPr lang="en-US" dirty="0"/>
+              <a:t>) exceed this range</a:t>
+            </a:r>
+          </a:p>
+          <a:p>
+            <a:r>
+              <a:rPr lang="en-US" dirty="0"/>
+              <a:t>Traditional tanh function is a good fit</a:t>
+            </a:r>
+          </a:p>
+          <a:p>
+            <a:pPr lvl="1"/>
+            <a:r>
+              <a:rPr lang="en-US" dirty="0"/>
+              <a:t>Hardware cost of tanh is high: arithmetic approximation or lookup table</a:t>
+            </a:r>
+          </a:p>
+          <a:p>
+            <a:r>
+              <a:rPr lang="en-US" dirty="0"/>
+              <a:t>Hard tanh is a very good fit for bitstreams</a:t>
+            </a:r>
+          </a:p>
+        </p:txBody>
+      </p:sp>
+      <p:sp>
+        <p:nvSpPr>
           <p:cNvPr id="2" name="Title 1">
             <a:extLst>
               <a:ext uri="{FF2B5EF4-FFF2-40B4-BE49-F238E27FC236}">
-                <a16:creationId xmlns:a16="http://schemas.microsoft.com/office/drawing/2014/main" id="{BAAE0A03-A01A-467F-9C13-B5CA6368E6B5}"/>
+                <a16:creationId xmlns:a16="http://schemas.microsoft.com/office/drawing/2014/main" id="{EA1D5E74-EA32-2F02-856F-65D9C20E5968}"/>
               </a:ext>
             </a:extLst>
           </p:cNvPr>
@@ -14595,71 +15855,7 @@
           <a:p>
             <a:r>
               <a:rPr lang="en-US" dirty="0"/>
-              <a:t>Bitstream Dot Product</a:t>
-            </a:r>
-          </a:p>
-        </p:txBody>
-      </p:sp>
-      <p:sp>
-        <p:nvSpPr>
-          <p:cNvPr id="3" name="Content Placeholder 2">
-            <a:extLst>
-              <a:ext uri="{FF2B5EF4-FFF2-40B4-BE49-F238E27FC236}">
-                <a16:creationId xmlns:a16="http://schemas.microsoft.com/office/drawing/2014/main" id="{7920F742-10A6-45F2-AC84-EF593A6E6DF0}"/>
-              </a:ext>
-            </a:extLst>
-          </p:cNvPr>
-          <p:cNvSpPr>
-            <a:spLocks noGrp="1"/>
-          </p:cNvSpPr>
-          <p:nvPr>
-            <p:ph idx="1"/>
-          </p:nvPr>
-        </p:nvSpPr>
-        <p:spPr>
-          <a:xfrm>
-            <a:off x="457200" y="3063091"/>
-            <a:ext cx="8229600" cy="3313900"/>
-          </a:xfrm>
-        </p:spPr>
-        <p:txBody>
-          <a:bodyPr/>
-          <a:lstStyle/>
-          <a:p>
-            <a:r>
-              <a:rPr lang="en-US" dirty="0"/>
-              <a:t>Input and weight encoding: SNG (LFSR)</a:t>
-            </a:r>
-          </a:p>
-          <a:p>
-            <a:pPr lvl="1"/>
-            <a:r>
-              <a:rPr lang="en-US" dirty="0"/>
-              <a:t>Stochastic number generator</a:t>
-            </a:r>
-          </a:p>
-          <a:p>
-            <a:r>
-              <a:rPr lang="en-US" dirty="0"/>
-              <a:t>Multiply: AND gate</a:t>
-            </a:r>
-          </a:p>
-          <a:p>
-            <a:r>
-              <a:rPr lang="en-US" dirty="0"/>
-              <a:t>Add: bit count circuit</a:t>
-            </a:r>
-          </a:p>
-          <a:p>
-            <a:r>
-              <a:rPr lang="en-US" dirty="0"/>
-              <a:t>Replicate for each layer, channel, x-y location</a:t>
-            </a:r>
-          </a:p>
-          <a:p>
-            <a:r>
-              <a:rPr lang="en-US" b="1" dirty="0"/>
-              <a:t>Length of bitstream ~ accuracy</a:t>
+              <a:t>Activation Function</a:t>
             </a:r>
           </a:p>
         </p:txBody>
@@ -14669,7 +15865,7 @@
           <p:cNvPr id="4" name="Footer Placeholder 3">
             <a:extLst>
               <a:ext uri="{FF2B5EF4-FFF2-40B4-BE49-F238E27FC236}">
-                <a16:creationId xmlns:a16="http://schemas.microsoft.com/office/drawing/2014/main" id="{A334DC98-F1C3-48ED-9578-C6D47C4763CF}"/>
+                <a16:creationId xmlns:a16="http://schemas.microsoft.com/office/drawing/2014/main" id="{4719B623-C6AA-095D-BCB2-BB97C0B1A995}"/>
               </a:ext>
             </a:extLst>
           </p:cNvPr>
@@ -14697,7 +15893,7 @@
           <p:cNvPr id="5" name="Slide Number Placeholder 4">
             <a:extLst>
               <a:ext uri="{FF2B5EF4-FFF2-40B4-BE49-F238E27FC236}">
-                <a16:creationId xmlns:a16="http://schemas.microsoft.com/office/drawing/2014/main" id="{FF8C21F0-C02B-42DF-B27F-793AA33164D8}"/>
+                <a16:creationId xmlns:a16="http://schemas.microsoft.com/office/drawing/2014/main" id="{73C6286A-71E8-F3AE-A43E-70DB200EE4EF}"/>
               </a:ext>
             </a:extLst>
           </p:cNvPr>
@@ -14721,616 +15917,77 @@
           </a:p>
         </p:txBody>
       </p:sp>
-      <p:sp>
-        <p:nvSpPr>
-          <p:cNvPr id="11" name="Rectangle 10">
-            <a:extLst>
-              <a:ext uri="{FF2B5EF4-FFF2-40B4-BE49-F238E27FC236}">
-                <a16:creationId xmlns:a16="http://schemas.microsoft.com/office/drawing/2014/main" id="{A5E0E497-644F-4551-B58B-22C166819CC5}"/>
-              </a:ext>
-            </a:extLst>
-          </p:cNvPr>
-          <p:cNvSpPr/>
-          <p:nvPr/>
-        </p:nvSpPr>
-        <p:spPr>
-          <a:xfrm>
-            <a:off x="5334000" y="1687530"/>
-            <a:ext cx="685800" cy="465130"/>
+      <p:pic>
+        <p:nvPicPr>
+          <p:cNvPr id="7" name="Picture 6">
+            <a:extLst>
+              <a:ext uri="{FF2B5EF4-FFF2-40B4-BE49-F238E27FC236}">
+                <a16:creationId xmlns:a16="http://schemas.microsoft.com/office/drawing/2014/main" id="{8621E191-E684-B8BB-2EE6-E437BD039DF7}"/>
+              </a:ext>
+            </a:extLst>
+          </p:cNvPr>
+          <p:cNvPicPr>
+            <a:picLocks noChangeAspect="1"/>
+          </p:cNvPicPr>
+          <p:nvPr/>
+        </p:nvPicPr>
+        <p:blipFill>
+          <a:blip r:embed="rId3"/>
+          <a:stretch>
+            <a:fillRect/>
+          </a:stretch>
+        </p:blipFill>
+        <p:spPr>
+          <a:xfrm>
+            <a:off x="4473987" y="1161253"/>
+            <a:ext cx="3575669" cy="1605274"/>
           </a:xfrm>
           <a:prstGeom prst="rect">
             <a:avLst/>
           </a:prstGeom>
-          <a:noFill/>
-        </p:spPr>
-        <p:style>
-          <a:lnRef idx="2">
-            <a:schemeClr val="accent1">
-              <a:shade val="50000"/>
-            </a:schemeClr>
-          </a:lnRef>
-          <a:fillRef idx="1">
-            <a:schemeClr val="accent1"/>
-          </a:fillRef>
-          <a:effectRef idx="0">
-            <a:schemeClr val="accent1"/>
-          </a:effectRef>
-          <a:fontRef idx="minor">
-            <a:schemeClr val="lt1"/>
-          </a:fontRef>
-        </p:style>
-        <p:txBody>
-          <a:bodyPr rtlCol="0" anchor="ctr"/>
-          <a:lstStyle/>
-          <a:p>
-            <a:pPr algn="ctr"/>
-            <a:r>
-              <a:rPr lang="en-US" dirty="0">
-                <a:solidFill>
-                  <a:schemeClr val="tx1"/>
-                </a:solidFill>
-              </a:rPr>
-              <a:t>Add</a:t>
-            </a:r>
-          </a:p>
-        </p:txBody>
-      </p:sp>
-      <p:sp>
-        <p:nvSpPr>
-          <p:cNvPr id="22" name="Flowchart: Delay 21">
-            <a:extLst>
-              <a:ext uri="{FF2B5EF4-FFF2-40B4-BE49-F238E27FC236}">
-                <a16:creationId xmlns:a16="http://schemas.microsoft.com/office/drawing/2014/main" id="{18947504-8D66-41D3-98E6-79231FFB7628}"/>
-              </a:ext>
-            </a:extLst>
-          </p:cNvPr>
-          <p:cNvSpPr/>
-          <p:nvPr/>
-        </p:nvSpPr>
-        <p:spPr>
-          <a:xfrm>
-            <a:off x="4483100" y="1463684"/>
-            <a:ext cx="203200" cy="271462"/>
-          </a:xfrm>
-          <a:prstGeom prst="flowChartDelay">
-            <a:avLst/>
-          </a:prstGeom>
-        </p:spPr>
-        <p:style>
-          <a:lnRef idx="2">
-            <a:schemeClr val="accent1">
-              <a:shade val="50000"/>
-            </a:schemeClr>
-          </a:lnRef>
-          <a:fillRef idx="1">
-            <a:schemeClr val="accent1"/>
-          </a:fillRef>
-          <a:effectRef idx="0">
-            <a:schemeClr val="accent1"/>
-          </a:effectRef>
-          <a:fontRef idx="minor">
-            <a:schemeClr val="lt1"/>
-          </a:fontRef>
-        </p:style>
-        <p:txBody>
-          <a:bodyPr rtlCol="0" anchor="ctr"/>
-          <a:lstStyle/>
-          <a:p>
-            <a:pPr algn="ctr"/>
-            <a:endParaRPr lang="en-US"/>
-          </a:p>
-        </p:txBody>
-      </p:sp>
-      <p:sp>
-        <p:nvSpPr>
-          <p:cNvPr id="23" name="Flowchart: Delay 22">
-            <a:extLst>
-              <a:ext uri="{FF2B5EF4-FFF2-40B4-BE49-F238E27FC236}">
-                <a16:creationId xmlns:a16="http://schemas.microsoft.com/office/drawing/2014/main" id="{DBBA6B69-75D1-4EA1-ABAD-A72267F0AF1D}"/>
-              </a:ext>
-            </a:extLst>
-          </p:cNvPr>
-          <p:cNvSpPr/>
-          <p:nvPr/>
-        </p:nvSpPr>
-        <p:spPr>
-          <a:xfrm>
-            <a:off x="4483100" y="1866909"/>
-            <a:ext cx="203200" cy="271462"/>
-          </a:xfrm>
-          <a:prstGeom prst="flowChartDelay">
-            <a:avLst/>
-          </a:prstGeom>
-        </p:spPr>
-        <p:style>
-          <a:lnRef idx="2">
-            <a:schemeClr val="accent1">
-              <a:shade val="50000"/>
-            </a:schemeClr>
-          </a:lnRef>
-          <a:fillRef idx="1">
-            <a:schemeClr val="accent1"/>
-          </a:fillRef>
-          <a:effectRef idx="0">
-            <a:schemeClr val="accent1"/>
-          </a:effectRef>
-          <a:fontRef idx="minor">
-            <a:schemeClr val="lt1"/>
-          </a:fontRef>
-        </p:style>
-        <p:txBody>
-          <a:bodyPr rtlCol="0" anchor="ctr"/>
-          <a:lstStyle/>
-          <a:p>
-            <a:pPr algn="ctr"/>
-            <a:endParaRPr lang="en-US"/>
-          </a:p>
-        </p:txBody>
-      </p:sp>
-      <p:sp>
-        <p:nvSpPr>
-          <p:cNvPr id="24" name="Flowchart: Delay 23">
-            <a:extLst>
-              <a:ext uri="{FF2B5EF4-FFF2-40B4-BE49-F238E27FC236}">
-                <a16:creationId xmlns:a16="http://schemas.microsoft.com/office/drawing/2014/main" id="{DD09745F-F573-431E-818D-F1112AA01E73}"/>
-              </a:ext>
-            </a:extLst>
-          </p:cNvPr>
-          <p:cNvSpPr/>
-          <p:nvPr/>
-        </p:nvSpPr>
-        <p:spPr>
-          <a:xfrm>
-            <a:off x="4483100" y="2416184"/>
-            <a:ext cx="203200" cy="271462"/>
-          </a:xfrm>
-          <a:prstGeom prst="flowChartDelay">
-            <a:avLst/>
-          </a:prstGeom>
-        </p:spPr>
-        <p:style>
-          <a:lnRef idx="2">
-            <a:schemeClr val="accent1">
-              <a:shade val="50000"/>
-            </a:schemeClr>
-          </a:lnRef>
-          <a:fillRef idx="1">
-            <a:schemeClr val="accent1"/>
-          </a:fillRef>
-          <a:effectRef idx="0">
-            <a:schemeClr val="accent1"/>
-          </a:effectRef>
-          <a:fontRef idx="minor">
-            <a:schemeClr val="lt1"/>
-          </a:fontRef>
-        </p:style>
-        <p:txBody>
-          <a:bodyPr rtlCol="0" anchor="ctr"/>
-          <a:lstStyle/>
-          <a:p>
-            <a:pPr algn="ctr"/>
-            <a:endParaRPr lang="en-US"/>
-          </a:p>
-        </p:txBody>
-      </p:sp>
-      <p:cxnSp>
-        <p:nvCxnSpPr>
-          <p:cNvPr id="26" name="Connector: Elbow 25">
-            <a:extLst>
-              <a:ext uri="{FF2B5EF4-FFF2-40B4-BE49-F238E27FC236}">
-                <a16:creationId xmlns:a16="http://schemas.microsoft.com/office/drawing/2014/main" id="{61171790-D511-4F70-819C-4428DDAADE4F}"/>
-              </a:ext>
-            </a:extLst>
-          </p:cNvPr>
-          <p:cNvCxnSpPr>
-            <a:cxnSpLocks/>
-            <a:stCxn id="22" idx="3"/>
-            <a:endCxn id="11" idx="1"/>
-          </p:cNvCxnSpPr>
-          <p:nvPr/>
-        </p:nvCxnSpPr>
-        <p:spPr>
-          <a:xfrm>
-            <a:off x="4686300" y="1599415"/>
-            <a:ext cx="647700" cy="320680"/>
-          </a:xfrm>
-          <a:prstGeom prst="bentConnector3">
-            <a:avLst>
-              <a:gd name="adj1" fmla="val 50000"/>
-            </a:avLst>
-          </a:prstGeom>
-          <a:ln>
-            <a:tailEnd type="triangle"/>
-          </a:ln>
-        </p:spPr>
-        <p:style>
-          <a:lnRef idx="1">
-            <a:schemeClr val="accent1"/>
-          </a:lnRef>
-          <a:fillRef idx="0">
-            <a:schemeClr val="accent1"/>
-          </a:fillRef>
-          <a:effectRef idx="0">
-            <a:schemeClr val="accent1"/>
-          </a:effectRef>
-          <a:fontRef idx="minor">
-            <a:schemeClr val="tx1"/>
-          </a:fontRef>
-        </p:style>
-      </p:cxnSp>
-      <p:cxnSp>
-        <p:nvCxnSpPr>
-          <p:cNvPr id="28" name="Connector: Elbow 27">
-            <a:extLst>
-              <a:ext uri="{FF2B5EF4-FFF2-40B4-BE49-F238E27FC236}">
-                <a16:creationId xmlns:a16="http://schemas.microsoft.com/office/drawing/2014/main" id="{B59E64A3-2A0B-42F2-BEA2-31DA61F61C9D}"/>
-              </a:ext>
-            </a:extLst>
-          </p:cNvPr>
-          <p:cNvCxnSpPr>
-            <a:cxnSpLocks/>
-            <a:stCxn id="23" idx="3"/>
-            <a:endCxn id="11" idx="1"/>
-          </p:cNvCxnSpPr>
-          <p:nvPr/>
-        </p:nvCxnSpPr>
-        <p:spPr>
-          <a:xfrm flipV="1">
-            <a:off x="4686300" y="1920095"/>
-            <a:ext cx="647700" cy="82545"/>
-          </a:xfrm>
-          <a:prstGeom prst="bentConnector3">
-            <a:avLst/>
-          </a:prstGeom>
-          <a:ln>
-            <a:tailEnd type="triangle"/>
-          </a:ln>
-        </p:spPr>
-        <p:style>
-          <a:lnRef idx="1">
-            <a:schemeClr val="accent1"/>
-          </a:lnRef>
-          <a:fillRef idx="0">
-            <a:schemeClr val="accent1"/>
-          </a:fillRef>
-          <a:effectRef idx="0">
-            <a:schemeClr val="accent1"/>
-          </a:effectRef>
-          <a:fontRef idx="minor">
-            <a:schemeClr val="tx1"/>
-          </a:fontRef>
-        </p:style>
-      </p:cxnSp>
-      <p:cxnSp>
-        <p:nvCxnSpPr>
-          <p:cNvPr id="30" name="Connector: Elbow 29">
-            <a:extLst>
-              <a:ext uri="{FF2B5EF4-FFF2-40B4-BE49-F238E27FC236}">
-                <a16:creationId xmlns:a16="http://schemas.microsoft.com/office/drawing/2014/main" id="{F2B5A95D-7878-49CC-9FE0-98C4743498AB}"/>
-              </a:ext>
-            </a:extLst>
-          </p:cNvPr>
-          <p:cNvCxnSpPr>
-            <a:cxnSpLocks/>
-            <a:stCxn id="24" idx="3"/>
-            <a:endCxn id="11" idx="1"/>
-          </p:cNvCxnSpPr>
-          <p:nvPr/>
-        </p:nvCxnSpPr>
-        <p:spPr>
-          <a:xfrm flipV="1">
-            <a:off x="4686300" y="1920095"/>
-            <a:ext cx="647700" cy="631820"/>
-          </a:xfrm>
-          <a:prstGeom prst="bentConnector3">
-            <a:avLst/>
-          </a:prstGeom>
-          <a:ln>
-            <a:tailEnd type="triangle"/>
-          </a:ln>
-        </p:spPr>
-        <p:style>
-          <a:lnRef idx="1">
-            <a:schemeClr val="accent1"/>
-          </a:lnRef>
-          <a:fillRef idx="0">
-            <a:schemeClr val="accent1"/>
-          </a:fillRef>
-          <a:effectRef idx="0">
-            <a:schemeClr val="accent1"/>
-          </a:effectRef>
-          <a:fontRef idx="minor">
-            <a:schemeClr val="tx1"/>
-          </a:fontRef>
-        </p:style>
-      </p:cxnSp>
-      <p:sp>
-        <p:nvSpPr>
-          <p:cNvPr id="37" name="TextBox 36">
-            <a:extLst>
-              <a:ext uri="{FF2B5EF4-FFF2-40B4-BE49-F238E27FC236}">
-                <a16:creationId xmlns:a16="http://schemas.microsoft.com/office/drawing/2014/main" id="{056EB01A-D6F3-4B4F-ADFD-33ACD18997BD}"/>
-              </a:ext>
-            </a:extLst>
-          </p:cNvPr>
-          <p:cNvSpPr txBox="1"/>
-          <p:nvPr/>
-        </p:nvSpPr>
-        <p:spPr>
-          <a:xfrm rot="16200000">
-            <a:off x="4300999" y="2123389"/>
-            <a:ext cx="364202" cy="307777"/>
+        </p:spPr>
+      </p:pic>
+      <p:pic>
+        <p:nvPicPr>
+          <p:cNvPr id="9" name="Picture 8">
+            <a:extLst>
+              <a:ext uri="{FF2B5EF4-FFF2-40B4-BE49-F238E27FC236}">
+                <a16:creationId xmlns:a16="http://schemas.microsoft.com/office/drawing/2014/main" id="{2FD6720E-231F-28A1-F236-3172B57213D1}"/>
+              </a:ext>
+            </a:extLst>
+          </p:cNvPr>
+          <p:cNvPicPr>
+            <a:picLocks noChangeAspect="1"/>
+          </p:cNvPicPr>
+          <p:nvPr/>
+        </p:nvPicPr>
+        <p:blipFill>
+          <a:blip r:embed="rId4"/>
+          <a:stretch>
+            <a:fillRect/>
+          </a:stretch>
+        </p:blipFill>
+        <p:spPr>
+          <a:xfrm>
+            <a:off x="583119" y="1161253"/>
+            <a:ext cx="3793157" cy="1605274"/>
           </a:xfrm>
           <a:prstGeom prst="rect">
             <a:avLst/>
           </a:prstGeom>
-          <a:noFill/>
-        </p:spPr>
-        <p:txBody>
-          <a:bodyPr wrap="none" rtlCol="0">
-            <a:spAutoFit/>
-          </a:bodyPr>
-          <a:lstStyle/>
-          <a:p>
-            <a:r>
-              <a:rPr lang="en-US" sz="1400" dirty="0"/>
-              <a:t>…</a:t>
-            </a:r>
-          </a:p>
-        </p:txBody>
-      </p:sp>
-      <p:sp>
-        <p:nvSpPr>
-          <p:cNvPr id="44" name="Rectangle 43">
-            <a:extLst>
-              <a:ext uri="{FF2B5EF4-FFF2-40B4-BE49-F238E27FC236}">
-                <a16:creationId xmlns:a16="http://schemas.microsoft.com/office/drawing/2014/main" id="{7ACE5926-FA7F-4377-8577-A7C3C6547891}"/>
-              </a:ext>
-            </a:extLst>
-          </p:cNvPr>
-          <p:cNvSpPr/>
-          <p:nvPr/>
-        </p:nvSpPr>
-        <p:spPr>
-          <a:xfrm>
-            <a:off x="3105150" y="1200167"/>
-            <a:ext cx="838200" cy="465130"/>
-          </a:xfrm>
-          <a:prstGeom prst="rect">
-            <a:avLst/>
-          </a:prstGeom>
-          <a:noFill/>
-        </p:spPr>
-        <p:style>
-          <a:lnRef idx="2">
-            <a:schemeClr val="accent1">
-              <a:shade val="50000"/>
-            </a:schemeClr>
-          </a:lnRef>
-          <a:fillRef idx="1">
-            <a:schemeClr val="accent1"/>
-          </a:fillRef>
-          <a:effectRef idx="0">
-            <a:schemeClr val="accent1"/>
-          </a:effectRef>
-          <a:fontRef idx="minor">
-            <a:schemeClr val="lt1"/>
-          </a:fontRef>
-        </p:style>
-        <p:txBody>
-          <a:bodyPr rtlCol="0" anchor="ctr"/>
-          <a:lstStyle/>
-          <a:p>
-            <a:pPr algn="ctr"/>
-            <a:r>
-              <a:rPr lang="en-US" dirty="0">
-                <a:solidFill>
-                  <a:schemeClr val="tx1"/>
-                </a:solidFill>
-              </a:rPr>
-              <a:t>SNG</a:t>
-            </a:r>
-          </a:p>
-        </p:txBody>
-      </p:sp>
-      <p:sp>
-        <p:nvSpPr>
-          <p:cNvPr id="45" name="Rectangle 44">
-            <a:extLst>
-              <a:ext uri="{FF2B5EF4-FFF2-40B4-BE49-F238E27FC236}">
-                <a16:creationId xmlns:a16="http://schemas.microsoft.com/office/drawing/2014/main" id="{B153906F-7315-43BE-93AA-51C579C76D63}"/>
-              </a:ext>
-            </a:extLst>
-          </p:cNvPr>
-          <p:cNvSpPr/>
-          <p:nvPr/>
-        </p:nvSpPr>
-        <p:spPr>
-          <a:xfrm>
-            <a:off x="3092450" y="1785555"/>
-            <a:ext cx="838200" cy="465130"/>
-          </a:xfrm>
-          <a:prstGeom prst="rect">
-            <a:avLst/>
-          </a:prstGeom>
-          <a:noFill/>
-        </p:spPr>
-        <p:style>
-          <a:lnRef idx="2">
-            <a:schemeClr val="accent1">
-              <a:shade val="50000"/>
-            </a:schemeClr>
-          </a:lnRef>
-          <a:fillRef idx="1">
-            <a:schemeClr val="accent1"/>
-          </a:fillRef>
-          <a:effectRef idx="0">
-            <a:schemeClr val="accent1"/>
-          </a:effectRef>
-          <a:fontRef idx="minor">
-            <a:schemeClr val="lt1"/>
-          </a:fontRef>
-        </p:style>
-        <p:txBody>
-          <a:bodyPr rtlCol="0" anchor="ctr"/>
-          <a:lstStyle/>
-          <a:p>
-            <a:pPr algn="ctr"/>
-            <a:r>
-              <a:rPr lang="en-US" dirty="0">
-                <a:solidFill>
-                  <a:schemeClr val="tx1"/>
-                </a:solidFill>
-              </a:rPr>
-              <a:t>SNG</a:t>
-            </a:r>
-          </a:p>
-        </p:txBody>
-      </p:sp>
-      <p:sp>
-        <p:nvSpPr>
-          <p:cNvPr id="46" name="Rectangle 45">
-            <a:extLst>
-              <a:ext uri="{FF2B5EF4-FFF2-40B4-BE49-F238E27FC236}">
-                <a16:creationId xmlns:a16="http://schemas.microsoft.com/office/drawing/2014/main" id="{C397FFEC-0E6F-4C00-AF26-2469A051C6FF}"/>
-              </a:ext>
-            </a:extLst>
-          </p:cNvPr>
-          <p:cNvSpPr/>
-          <p:nvPr/>
-        </p:nvSpPr>
-        <p:spPr>
-          <a:xfrm>
-            <a:off x="3105150" y="2551915"/>
-            <a:ext cx="838200" cy="465130"/>
-          </a:xfrm>
-          <a:prstGeom prst="rect">
-            <a:avLst/>
-          </a:prstGeom>
-          <a:noFill/>
-        </p:spPr>
-        <p:style>
-          <a:lnRef idx="2">
-            <a:schemeClr val="accent1">
-              <a:shade val="50000"/>
-            </a:schemeClr>
-          </a:lnRef>
-          <a:fillRef idx="1">
-            <a:schemeClr val="accent1"/>
-          </a:fillRef>
-          <a:effectRef idx="0">
-            <a:schemeClr val="accent1"/>
-          </a:effectRef>
-          <a:fontRef idx="minor">
-            <a:schemeClr val="lt1"/>
-          </a:fontRef>
-        </p:style>
-        <p:txBody>
-          <a:bodyPr rtlCol="0" anchor="ctr"/>
-          <a:lstStyle/>
-          <a:p>
-            <a:pPr algn="ctr"/>
-            <a:r>
-              <a:rPr lang="en-US" dirty="0">
-                <a:solidFill>
-                  <a:schemeClr val="tx1"/>
-                </a:solidFill>
-              </a:rPr>
-              <a:t>SNG</a:t>
-            </a:r>
-          </a:p>
-        </p:txBody>
-      </p:sp>
-      <p:sp>
-        <p:nvSpPr>
-          <p:cNvPr id="47" name="Right Brace 46">
-            <a:extLst>
-              <a:ext uri="{FF2B5EF4-FFF2-40B4-BE49-F238E27FC236}">
-                <a16:creationId xmlns:a16="http://schemas.microsoft.com/office/drawing/2014/main" id="{D7668B18-FCBD-4632-9FD9-A8B261899218}"/>
-              </a:ext>
-            </a:extLst>
-          </p:cNvPr>
-          <p:cNvSpPr/>
-          <p:nvPr/>
-        </p:nvSpPr>
-        <p:spPr>
-          <a:xfrm>
-            <a:off x="4051299" y="1300170"/>
-            <a:ext cx="277911" cy="1716875"/>
-          </a:xfrm>
-          <a:prstGeom prst="rightBrace">
-            <a:avLst/>
-          </a:prstGeom>
-        </p:spPr>
-        <p:style>
-          <a:lnRef idx="1">
-            <a:schemeClr val="accent1"/>
-          </a:lnRef>
-          <a:fillRef idx="0">
-            <a:schemeClr val="accent1"/>
-          </a:fillRef>
-          <a:effectRef idx="0">
-            <a:schemeClr val="accent1"/>
-          </a:effectRef>
-          <a:fontRef idx="minor">
-            <a:schemeClr val="tx1"/>
-          </a:fontRef>
-        </p:style>
-        <p:txBody>
-          <a:bodyPr rtlCol="0" anchor="ctr"/>
-          <a:lstStyle/>
-          <a:p>
-            <a:pPr algn="ctr"/>
-            <a:endParaRPr lang="en-US"/>
-          </a:p>
-        </p:txBody>
-      </p:sp>
-      <p:sp>
-        <p:nvSpPr>
-          <p:cNvPr id="48" name="TextBox 47">
-            <a:extLst>
-              <a:ext uri="{FF2B5EF4-FFF2-40B4-BE49-F238E27FC236}">
-                <a16:creationId xmlns:a16="http://schemas.microsoft.com/office/drawing/2014/main" id="{DD9ACE8C-8C78-4AF8-B205-BEC0BD7C3583}"/>
-              </a:ext>
-            </a:extLst>
-          </p:cNvPr>
-          <p:cNvSpPr txBox="1"/>
-          <p:nvPr/>
-        </p:nvSpPr>
-        <p:spPr>
-          <a:xfrm rot="16200000">
-            <a:off x="3270811" y="2236566"/>
-            <a:ext cx="364202" cy="307777"/>
-          </a:xfrm>
-          <a:prstGeom prst="rect">
-            <a:avLst/>
-          </a:prstGeom>
-          <a:noFill/>
-        </p:spPr>
-        <p:txBody>
-          <a:bodyPr wrap="none" rtlCol="0">
-            <a:spAutoFit/>
-          </a:bodyPr>
-          <a:lstStyle/>
-          <a:p>
-            <a:r>
-              <a:rPr lang="en-US" sz="1400" dirty="0"/>
-              <a:t>…</a:t>
-            </a:r>
-          </a:p>
-        </p:txBody>
-      </p:sp>
+        </p:spPr>
+      </p:pic>
     </p:spTree>
     <p:extLst>
       <p:ext uri="{BB962C8B-B14F-4D97-AF65-F5344CB8AC3E}">
-        <p14:creationId xmlns:p14="http://schemas.microsoft.com/office/powerpoint/2010/main" val="1428744471"/>
+        <p14:creationId xmlns:p14="http://schemas.microsoft.com/office/powerpoint/2010/main" val="365402494"/>
       </p:ext>
     </p:extLst>
   </p:cSld>
   <p:clrMapOvr>
     <a:masterClrMapping/>
   </p:clrMapOvr>
-  <p:transition/>
+  <p:transition advTm="109566"/>
 </p:sld>
 </file>
 
@@ -15356,7 +16013,7 @@
           <p:cNvPr id="2" name="Title 1">
             <a:extLst>
               <a:ext uri="{FF2B5EF4-FFF2-40B4-BE49-F238E27FC236}">
-                <a16:creationId xmlns:a16="http://schemas.microsoft.com/office/drawing/2014/main" id="{E814470C-071B-46AC-927A-A495965A32E8}"/>
+                <a16:creationId xmlns:a16="http://schemas.microsoft.com/office/drawing/2014/main" id="{913CEDE8-9B6C-39B6-F963-FF17A2D58E41}"/>
               </a:ext>
             </a:extLst>
           </p:cNvPr>
@@ -15367,14 +16024,19 @@
             <p:ph type="title"/>
           </p:nvPr>
         </p:nvSpPr>
-        <p:spPr/>
+        <p:spPr>
+          <a:xfrm>
+            <a:off x="457200" y="274638"/>
+            <a:ext cx="7467600" cy="932233"/>
+          </a:xfrm>
+        </p:spPr>
         <p:txBody>
           <a:bodyPr/>
           <a:lstStyle/>
           <a:p>
             <a:r>
               <a:rPr lang="en-US" dirty="0"/>
-              <a:t>Pruning Neural Networks</a:t>
+              <a:t>Quantizing Weights</a:t>
             </a:r>
           </a:p>
         </p:txBody>
@@ -15384,7 +16046,7 @@
           <p:cNvPr id="3" name="Content Placeholder 2">
             <a:extLst>
               <a:ext uri="{FF2B5EF4-FFF2-40B4-BE49-F238E27FC236}">
-                <a16:creationId xmlns:a16="http://schemas.microsoft.com/office/drawing/2014/main" id="{CCFFD199-9C28-439F-87C1-59ACB451F12F}"/>
+                <a16:creationId xmlns:a16="http://schemas.microsoft.com/office/drawing/2014/main" id="{815DC187-08D6-3D69-671D-7D304B949E70}"/>
               </a:ext>
             </a:extLst>
           </p:cNvPr>
@@ -15397,8 +16059,8 @@
         </p:nvSpPr>
         <p:spPr>
           <a:xfrm>
-            <a:off x="457200" y="4672008"/>
-            <a:ext cx="8229600" cy="1454155"/>
+            <a:off x="457200" y="2528620"/>
+            <a:ext cx="8229600" cy="3597544"/>
           </a:xfrm>
         </p:spPr>
         <p:txBody>
@@ -15406,40 +16068,84 @@
           <a:lstStyle/>
           <a:p>
             <a:r>
-              <a:rPr lang="en-US" sz="2400" dirty="0"/>
-              <a:t>Proposed in 1980s </a:t>
+              <a:rPr lang="en-US" sz="2000" dirty="0"/>
+              <a:t>Parameters (weights) also have range [-1,+1]</a:t>
+            </a:r>
+          </a:p>
+          <a:p>
+            <a:r>
+              <a:rPr lang="en-US" sz="2000" dirty="0"/>
+              <a:t>Add loss function term to limit to this range</a:t>
+            </a:r>
+          </a:p>
+          <a:p>
+            <a:pPr lvl="1"/>
+            <a:r>
+              <a:rPr lang="en-US" sz="1800" dirty="0" err="1"/>
+              <a:t>Softshrink</a:t>
             </a:r>
             <a:r>
               <a:rPr lang="en-US" sz="1800" dirty="0"/>
-              <a:t>[</a:t>
-            </a:r>
-            <a:r>
-              <a:rPr lang="en-US" sz="1800" dirty="0" err="1"/>
-              <a:t>LeCun</a:t>
-            </a:r>
+              <a:t> function: linear penalty if outside range</a:t>
+            </a:r>
+          </a:p>
+          <a:p>
+            <a:pPr lvl="1"/>
             <a:r>
               <a:rPr lang="en-US" sz="1800" dirty="0"/>
-              <a:t>, Optimal Brain Damage]</a:t>
-            </a:r>
-            <a:endParaRPr lang="en-US" sz="2400" dirty="0"/>
-          </a:p>
-          <a:p>
-            <a:r>
-              <a:rPr lang="en-US" sz="2400" dirty="0"/>
-              <a:t>Remove ineffectual (low weight) synapses</a:t>
-            </a:r>
-          </a:p>
-          <a:p>
-            <a:r>
-              <a:rPr lang="en-US" sz="2400" dirty="0"/>
-              <a:t>Remove disconnected nodes</a:t>
-            </a:r>
-          </a:p>
-          <a:p>
-            <a:r>
-              <a:rPr lang="en-US" sz="2400" dirty="0"/>
-              <a:t>Fine-tune (train a few more iterations)</a:t>
-            </a:r>
+              <a:t>During training, weights converge to [-1,+1] range</a:t>
+            </a:r>
+          </a:p>
+          <a:p>
+            <a:r>
+              <a:rPr lang="en-US" sz="2000" dirty="0"/>
+              <a:t>Effective, but does not restrict batch normalization layers</a:t>
+            </a:r>
+          </a:p>
+          <a:p>
+            <a:pPr lvl="1"/>
+            <a:r>
+              <a:rPr lang="en-US" sz="1800" dirty="0"/>
+              <a:t>Batch norm (BN) needed to solve vanishing gradient</a:t>
+            </a:r>
+          </a:p>
+          <a:p>
+            <a:pPr lvl="1"/>
+            <a:r>
+              <a:rPr lang="en-US" sz="1800" dirty="0"/>
+              <a:t>Folded with Conv weights after training (not needed for inference)</a:t>
+            </a:r>
+          </a:p>
+          <a:p>
+            <a:pPr lvl="1"/>
+            <a:r>
+              <a:rPr lang="en-US" sz="1800" dirty="0"/>
+              <a:t>After folding weights can exceed range [-1,+1]</a:t>
+            </a:r>
+          </a:p>
+          <a:p>
+            <a:r>
+              <a:rPr lang="en-US" sz="2000" dirty="0"/>
+              <a:t>Solution: fold BN, then fine tune a few epochs</a:t>
+            </a:r>
+          </a:p>
+          <a:p>
+            <a:pPr lvl="1"/>
+            <a:r>
+              <a:rPr lang="en-US" sz="1800" dirty="0"/>
+              <a:t>Weights quickly converge to [-1,+1] range</a:t>
+            </a:r>
+          </a:p>
+          <a:p>
+            <a:r>
+              <a:rPr lang="en-US" sz="2000" dirty="0"/>
+              <a:t>Note: need to reinsert BN layers after pruning to avoid vanishing gradient</a:t>
+            </a:r>
+            <a:endParaRPr lang="en-US" sz="2200" dirty="0"/>
+          </a:p>
+          <a:p>
+            <a:pPr lvl="1"/>
+            <a:endParaRPr lang="en-US" sz="1800" dirty="0"/>
           </a:p>
         </p:txBody>
       </p:sp>
@@ -15448,7 +16154,7 @@
           <p:cNvPr id="4" name="Footer Placeholder 3">
             <a:extLst>
               <a:ext uri="{FF2B5EF4-FFF2-40B4-BE49-F238E27FC236}">
-                <a16:creationId xmlns:a16="http://schemas.microsoft.com/office/drawing/2014/main" id="{D468EEB5-E1D2-4787-A16B-52E87AB6B737}"/>
+                <a16:creationId xmlns:a16="http://schemas.microsoft.com/office/drawing/2014/main" id="{23F0DD18-911B-49F5-A1EB-22E08837C5F0}"/>
               </a:ext>
             </a:extLst>
           </p:cNvPr>
@@ -15476,7 +16182,7 @@
           <p:cNvPr id="5" name="Slide Number Placeholder 4">
             <a:extLst>
               <a:ext uri="{FF2B5EF4-FFF2-40B4-BE49-F238E27FC236}">
-                <a16:creationId xmlns:a16="http://schemas.microsoft.com/office/drawing/2014/main" id="{2F70A31B-C4F9-4CBA-B65B-F0A715C4D982}"/>
+                <a16:creationId xmlns:a16="http://schemas.microsoft.com/office/drawing/2014/main" id="{5FA97E35-3DCA-9B71-E17F-07CCEFD65E2D}"/>
               </a:ext>
             </a:extLst>
           </p:cNvPr>
@@ -15495,6 +16201,559 @@
             <a:fld id="{6CD1140A-C91D-4727-B1C6-F64D20B33EED}" type="slidenum">
               <a:rPr lang="en-US" smtClean="0"/>
               <a:t>21</a:t>
+            </a:fld>
+            <a:endParaRPr lang="en-US"/>
+          </a:p>
+        </p:txBody>
+      </p:sp>
+      <p:pic>
+        <p:nvPicPr>
+          <p:cNvPr id="8" name="Picture 7">
+            <a:extLst>
+              <a:ext uri="{FF2B5EF4-FFF2-40B4-BE49-F238E27FC236}">
+                <a16:creationId xmlns:a16="http://schemas.microsoft.com/office/drawing/2014/main" id="{D2225C56-19FB-9D0E-299C-5CFC663EBB8C}"/>
+              </a:ext>
+            </a:extLst>
+          </p:cNvPr>
+          <p:cNvPicPr>
+            <a:picLocks noChangeAspect="1"/>
+          </p:cNvPicPr>
+          <p:nvPr/>
+        </p:nvPicPr>
+        <p:blipFill>
+          <a:blip r:embed="rId2"/>
+          <a:stretch>
+            <a:fillRect/>
+          </a:stretch>
+        </p:blipFill>
+        <p:spPr>
+          <a:xfrm>
+            <a:off x="509253" y="1091667"/>
+            <a:ext cx="3254914" cy="1436952"/>
+          </a:xfrm>
+          <a:prstGeom prst="rect">
+            <a:avLst/>
+          </a:prstGeom>
+        </p:spPr>
+      </p:pic>
+      <p:grpSp>
+        <p:nvGrpSpPr>
+          <p:cNvPr id="18" name="Group 17">
+            <a:extLst>
+              <a:ext uri="{FF2B5EF4-FFF2-40B4-BE49-F238E27FC236}">
+                <a16:creationId xmlns:a16="http://schemas.microsoft.com/office/drawing/2014/main" id="{3F59D9C6-9E2E-B053-4D0A-BC282D0208F1}"/>
+              </a:ext>
+            </a:extLst>
+          </p:cNvPr>
+          <p:cNvGrpSpPr/>
+          <p:nvPr/>
+        </p:nvGrpSpPr>
+        <p:grpSpPr>
+          <a:xfrm>
+            <a:off x="4116356" y="1380936"/>
+            <a:ext cx="3667340" cy="979714"/>
+            <a:chOff x="4116356" y="1380936"/>
+            <a:chExt cx="3667340" cy="979714"/>
+          </a:xfrm>
+        </p:grpSpPr>
+        <p:sp>
+          <p:nvSpPr>
+            <p:cNvPr id="9" name="Parallelogram 8">
+              <a:extLst>
+                <a:ext uri="{FF2B5EF4-FFF2-40B4-BE49-F238E27FC236}">
+                  <a16:creationId xmlns:a16="http://schemas.microsoft.com/office/drawing/2014/main" id="{5F44F6F8-5EE0-93CA-9622-4B21CC53C5C1}"/>
+                </a:ext>
+              </a:extLst>
+            </p:cNvPr>
+            <p:cNvSpPr/>
+            <p:nvPr/>
+          </p:nvSpPr>
+          <p:spPr>
+            <a:xfrm>
+              <a:off x="4116356" y="1380936"/>
+              <a:ext cx="805542" cy="979714"/>
+            </a:xfrm>
+            <a:prstGeom prst="parallelogram">
+              <a:avLst/>
+            </a:prstGeom>
+          </p:spPr>
+          <p:style>
+            <a:lnRef idx="2">
+              <a:schemeClr val="accent1">
+                <a:shade val="15000"/>
+              </a:schemeClr>
+            </a:lnRef>
+            <a:fillRef idx="1">
+              <a:schemeClr val="accent1"/>
+            </a:fillRef>
+            <a:effectRef idx="0">
+              <a:schemeClr val="accent1"/>
+            </a:effectRef>
+            <a:fontRef idx="minor">
+              <a:schemeClr val="lt1"/>
+            </a:fontRef>
+          </p:style>
+          <p:txBody>
+            <a:bodyPr rtlCol="0" anchor="ctr"/>
+            <a:lstStyle/>
+            <a:p>
+              <a:pPr algn="ctr"/>
+              <a:r>
+                <a:rPr lang="en-US" sz="1100" dirty="0"/>
+                <a:t>Conv Layer</a:t>
+              </a:r>
+            </a:p>
+          </p:txBody>
+        </p:sp>
+        <p:sp>
+          <p:nvSpPr>
+            <p:cNvPr id="10" name="Parallelogram 9">
+              <a:extLst>
+                <a:ext uri="{FF2B5EF4-FFF2-40B4-BE49-F238E27FC236}">
+                  <a16:creationId xmlns:a16="http://schemas.microsoft.com/office/drawing/2014/main" id="{92EF5A95-F130-D4B0-A165-B6DAC10062C7}"/>
+                </a:ext>
+              </a:extLst>
+            </p:cNvPr>
+            <p:cNvSpPr/>
+            <p:nvPr/>
+          </p:nvSpPr>
+          <p:spPr>
+            <a:xfrm>
+              <a:off x="4998508" y="1573185"/>
+              <a:ext cx="845975" cy="590906"/>
+            </a:xfrm>
+            <a:prstGeom prst="parallelogram">
+              <a:avLst/>
+            </a:prstGeom>
+          </p:spPr>
+          <p:style>
+            <a:lnRef idx="2">
+              <a:schemeClr val="accent1">
+                <a:shade val="15000"/>
+              </a:schemeClr>
+            </a:lnRef>
+            <a:fillRef idx="1">
+              <a:schemeClr val="accent1"/>
+            </a:fillRef>
+            <a:effectRef idx="0">
+              <a:schemeClr val="accent1"/>
+            </a:effectRef>
+            <a:fontRef idx="minor">
+              <a:schemeClr val="lt1"/>
+            </a:fontRef>
+          </p:style>
+          <p:txBody>
+            <a:bodyPr rtlCol="0" anchor="ctr"/>
+            <a:lstStyle/>
+            <a:p>
+              <a:pPr algn="ctr"/>
+              <a:r>
+                <a:rPr lang="en-US" sz="1100" dirty="0"/>
+                <a:t>Batch Norm</a:t>
+              </a:r>
+            </a:p>
+          </p:txBody>
+        </p:sp>
+        <p:cxnSp>
+          <p:nvCxnSpPr>
+            <p:cNvPr id="12" name="Straight Arrow Connector 11">
+              <a:extLst>
+                <a:ext uri="{FF2B5EF4-FFF2-40B4-BE49-F238E27FC236}">
+                  <a16:creationId xmlns:a16="http://schemas.microsoft.com/office/drawing/2014/main" id="{06DAAC6A-343C-42A0-9B74-82EE3A03B00B}"/>
+                </a:ext>
+              </a:extLst>
+            </p:cNvPr>
+            <p:cNvCxnSpPr>
+              <a:stCxn id="9" idx="2"/>
+              <a:endCxn id="10" idx="5"/>
+            </p:cNvCxnSpPr>
+            <p:nvPr/>
+          </p:nvCxnSpPr>
+          <p:spPr>
+            <a:xfrm flipV="1">
+              <a:off x="4821205" y="1868638"/>
+              <a:ext cx="251166" cy="2155"/>
+            </a:xfrm>
+            <a:prstGeom prst="straightConnector1">
+              <a:avLst/>
+            </a:prstGeom>
+            <a:ln>
+              <a:tailEnd type="triangle"/>
+            </a:ln>
+          </p:spPr>
+          <p:style>
+            <a:lnRef idx="1">
+              <a:schemeClr val="accent1"/>
+            </a:lnRef>
+            <a:fillRef idx="0">
+              <a:schemeClr val="accent1"/>
+            </a:fillRef>
+            <a:effectRef idx="0">
+              <a:schemeClr val="accent1"/>
+            </a:effectRef>
+            <a:fontRef idx="minor">
+              <a:schemeClr val="tx1"/>
+            </a:fontRef>
+          </p:style>
+        </p:cxnSp>
+        <p:sp>
+          <p:nvSpPr>
+            <p:cNvPr id="13" name="Parallelogram 12">
+              <a:extLst>
+                <a:ext uri="{FF2B5EF4-FFF2-40B4-BE49-F238E27FC236}">
+                  <a16:creationId xmlns:a16="http://schemas.microsoft.com/office/drawing/2014/main" id="{51328236-CD07-FC0E-91CB-84294850B5F7}"/>
+                </a:ext>
+              </a:extLst>
+            </p:cNvPr>
+            <p:cNvSpPr/>
+            <p:nvPr/>
+          </p:nvSpPr>
+          <p:spPr>
+            <a:xfrm>
+              <a:off x="6055569" y="1380936"/>
+              <a:ext cx="805542" cy="979714"/>
+            </a:xfrm>
+            <a:prstGeom prst="parallelogram">
+              <a:avLst/>
+            </a:prstGeom>
+          </p:spPr>
+          <p:style>
+            <a:lnRef idx="2">
+              <a:schemeClr val="accent1">
+                <a:shade val="15000"/>
+              </a:schemeClr>
+            </a:lnRef>
+            <a:fillRef idx="1">
+              <a:schemeClr val="accent1"/>
+            </a:fillRef>
+            <a:effectRef idx="0">
+              <a:schemeClr val="accent1"/>
+            </a:effectRef>
+            <a:fontRef idx="minor">
+              <a:schemeClr val="lt1"/>
+            </a:fontRef>
+          </p:style>
+          <p:txBody>
+            <a:bodyPr rtlCol="0" anchor="ctr"/>
+            <a:lstStyle/>
+            <a:p>
+              <a:pPr algn="ctr"/>
+              <a:r>
+                <a:rPr lang="en-US" sz="1100" dirty="0"/>
+                <a:t>Conv Layer</a:t>
+              </a:r>
+            </a:p>
+          </p:txBody>
+        </p:sp>
+        <p:sp>
+          <p:nvSpPr>
+            <p:cNvPr id="14" name="Parallelogram 13">
+              <a:extLst>
+                <a:ext uri="{FF2B5EF4-FFF2-40B4-BE49-F238E27FC236}">
+                  <a16:creationId xmlns:a16="http://schemas.microsoft.com/office/drawing/2014/main" id="{AB3E0C5D-6A27-17EC-3E47-DAB5A7FC6100}"/>
+                </a:ext>
+              </a:extLst>
+            </p:cNvPr>
+            <p:cNvSpPr/>
+            <p:nvPr/>
+          </p:nvSpPr>
+          <p:spPr>
+            <a:xfrm>
+              <a:off x="6937721" y="1573185"/>
+              <a:ext cx="845975" cy="590906"/>
+            </a:xfrm>
+            <a:prstGeom prst="parallelogram">
+              <a:avLst/>
+            </a:prstGeom>
+          </p:spPr>
+          <p:style>
+            <a:lnRef idx="2">
+              <a:schemeClr val="accent1">
+                <a:shade val="15000"/>
+              </a:schemeClr>
+            </a:lnRef>
+            <a:fillRef idx="1">
+              <a:schemeClr val="accent1"/>
+            </a:fillRef>
+            <a:effectRef idx="0">
+              <a:schemeClr val="accent1"/>
+            </a:effectRef>
+            <a:fontRef idx="minor">
+              <a:schemeClr val="lt1"/>
+            </a:fontRef>
+          </p:style>
+          <p:txBody>
+            <a:bodyPr rtlCol="0" anchor="ctr"/>
+            <a:lstStyle/>
+            <a:p>
+              <a:pPr algn="ctr"/>
+              <a:r>
+                <a:rPr lang="en-US" sz="1100" dirty="0"/>
+                <a:t>Batch Norm</a:t>
+              </a:r>
+            </a:p>
+          </p:txBody>
+        </p:sp>
+        <p:cxnSp>
+          <p:nvCxnSpPr>
+            <p:cNvPr id="15" name="Straight Arrow Connector 14">
+              <a:extLst>
+                <a:ext uri="{FF2B5EF4-FFF2-40B4-BE49-F238E27FC236}">
+                  <a16:creationId xmlns:a16="http://schemas.microsoft.com/office/drawing/2014/main" id="{AEB04680-CA89-45C3-4A8C-C72249D2BC8A}"/>
+                </a:ext>
+              </a:extLst>
+            </p:cNvPr>
+            <p:cNvCxnSpPr>
+              <a:stCxn id="13" idx="2"/>
+              <a:endCxn id="14" idx="5"/>
+            </p:cNvCxnSpPr>
+            <p:nvPr/>
+          </p:nvCxnSpPr>
+          <p:spPr>
+            <a:xfrm flipV="1">
+              <a:off x="6760418" y="1868638"/>
+              <a:ext cx="251166" cy="2155"/>
+            </a:xfrm>
+            <a:prstGeom prst="straightConnector1">
+              <a:avLst/>
+            </a:prstGeom>
+            <a:ln>
+              <a:tailEnd type="triangle"/>
+            </a:ln>
+          </p:spPr>
+          <p:style>
+            <a:lnRef idx="1">
+              <a:schemeClr val="accent1"/>
+            </a:lnRef>
+            <a:fillRef idx="0">
+              <a:schemeClr val="accent1"/>
+            </a:fillRef>
+            <a:effectRef idx="0">
+              <a:schemeClr val="accent1"/>
+            </a:effectRef>
+            <a:fontRef idx="minor">
+              <a:schemeClr val="tx1"/>
+            </a:fontRef>
+          </p:style>
+        </p:cxnSp>
+        <p:cxnSp>
+          <p:nvCxnSpPr>
+            <p:cNvPr id="17" name="Straight Arrow Connector 16">
+              <a:extLst>
+                <a:ext uri="{FF2B5EF4-FFF2-40B4-BE49-F238E27FC236}">
+                  <a16:creationId xmlns:a16="http://schemas.microsoft.com/office/drawing/2014/main" id="{8173111C-62A5-0992-A122-2190E2BA9912}"/>
+                </a:ext>
+              </a:extLst>
+            </p:cNvPr>
+            <p:cNvCxnSpPr>
+              <a:stCxn id="10" idx="2"/>
+              <a:endCxn id="13" idx="5"/>
+            </p:cNvCxnSpPr>
+            <p:nvPr/>
+          </p:nvCxnSpPr>
+          <p:spPr>
+            <a:xfrm>
+              <a:off x="5770620" y="1868638"/>
+              <a:ext cx="385642" cy="2155"/>
+            </a:xfrm>
+            <a:prstGeom prst="straightConnector1">
+              <a:avLst/>
+            </a:prstGeom>
+            <a:ln>
+              <a:tailEnd type="triangle"/>
+            </a:ln>
+          </p:spPr>
+          <p:style>
+            <a:lnRef idx="1">
+              <a:schemeClr val="accent1"/>
+            </a:lnRef>
+            <a:fillRef idx="0">
+              <a:schemeClr val="accent1"/>
+            </a:fillRef>
+            <a:effectRef idx="0">
+              <a:schemeClr val="accent1"/>
+            </a:effectRef>
+            <a:fontRef idx="minor">
+              <a:schemeClr val="tx1"/>
+            </a:fontRef>
+          </p:style>
+        </p:cxnSp>
+      </p:grpSp>
+    </p:spTree>
+    <p:extLst>
+      <p:ext uri="{BB962C8B-B14F-4D97-AF65-F5344CB8AC3E}">
+        <p14:creationId xmlns:p14="http://schemas.microsoft.com/office/powerpoint/2010/main" val="3390261012"/>
+      </p:ext>
+    </p:extLst>
+  </p:cSld>
+  <p:clrMapOvr>
+    <a:masterClrMapping/>
+  </p:clrMapOvr>
+  <p:transition advTm="229135"/>
+</p:sld>
+</file>
+
+<file path=ppt/slides/slide22.xml><?xml version="1.0" encoding="utf-8"?>
+<p:sld xmlns:a="http://schemas.openxmlformats.org/drawingml/2006/main" xmlns:r="http://schemas.openxmlformats.org/officeDocument/2006/relationships" xmlns:p="http://schemas.openxmlformats.org/presentationml/2006/main">
+  <p:cSld>
+    <p:spTree>
+      <p:nvGrpSpPr>
+        <p:cNvPr id="1" name=""/>
+        <p:cNvGrpSpPr/>
+        <p:nvPr/>
+      </p:nvGrpSpPr>
+      <p:grpSpPr>
+        <a:xfrm>
+          <a:off x="0" y="0"/>
+          <a:ext cx="0" cy="0"/>
+          <a:chOff x="0" y="0"/>
+          <a:chExt cx="0" cy="0"/>
+        </a:xfrm>
+      </p:grpSpPr>
+      <p:sp>
+        <p:nvSpPr>
+          <p:cNvPr id="2" name="Title 1">
+            <a:extLst>
+              <a:ext uri="{FF2B5EF4-FFF2-40B4-BE49-F238E27FC236}">
+                <a16:creationId xmlns:a16="http://schemas.microsoft.com/office/drawing/2014/main" id="{E814470C-071B-46AC-927A-A495965A32E8}"/>
+              </a:ext>
+            </a:extLst>
+          </p:cNvPr>
+          <p:cNvSpPr>
+            <a:spLocks noGrp="1"/>
+          </p:cNvSpPr>
+          <p:nvPr>
+            <p:ph type="title"/>
+          </p:nvPr>
+        </p:nvSpPr>
+        <p:spPr/>
+        <p:txBody>
+          <a:bodyPr/>
+          <a:lstStyle/>
+          <a:p>
+            <a:r>
+              <a:rPr lang="en-US" dirty="0"/>
+              <a:t>Pruning Neural Networks</a:t>
+            </a:r>
+          </a:p>
+        </p:txBody>
+      </p:sp>
+      <p:sp>
+        <p:nvSpPr>
+          <p:cNvPr id="3" name="Content Placeholder 2">
+            <a:extLst>
+              <a:ext uri="{FF2B5EF4-FFF2-40B4-BE49-F238E27FC236}">
+                <a16:creationId xmlns:a16="http://schemas.microsoft.com/office/drawing/2014/main" id="{CCFFD199-9C28-439F-87C1-59ACB451F12F}"/>
+              </a:ext>
+            </a:extLst>
+          </p:cNvPr>
+          <p:cNvSpPr>
+            <a:spLocks noGrp="1"/>
+          </p:cNvSpPr>
+          <p:nvPr>
+            <p:ph idx="1"/>
+          </p:nvPr>
+        </p:nvSpPr>
+        <p:spPr>
+          <a:xfrm>
+            <a:off x="457200" y="4672008"/>
+            <a:ext cx="8229600" cy="1454155"/>
+          </a:xfrm>
+        </p:spPr>
+        <p:txBody>
+          <a:bodyPr/>
+          <a:lstStyle/>
+          <a:p>
+            <a:r>
+              <a:rPr lang="en-US" sz="2400" dirty="0"/>
+              <a:t>Proposed in 1980s </a:t>
+            </a:r>
+            <a:r>
+              <a:rPr lang="en-US" sz="1800" dirty="0"/>
+              <a:t>[</a:t>
+            </a:r>
+            <a:r>
+              <a:rPr lang="en-US" sz="1800" dirty="0" err="1"/>
+              <a:t>LeCun</a:t>
+            </a:r>
+            <a:r>
+              <a:rPr lang="en-US" sz="1800" dirty="0"/>
+              <a:t>, Optimal Brain Damage]</a:t>
+            </a:r>
+            <a:endParaRPr lang="en-US" sz="2400" dirty="0"/>
+          </a:p>
+          <a:p>
+            <a:r>
+              <a:rPr lang="en-US" sz="2400" dirty="0"/>
+              <a:t>Remove ineffectual (low weight) synapses</a:t>
+            </a:r>
+          </a:p>
+          <a:p>
+            <a:r>
+              <a:rPr lang="en-US" sz="2400" dirty="0"/>
+              <a:t>Remove disconnected nodes</a:t>
+            </a:r>
+          </a:p>
+          <a:p>
+            <a:r>
+              <a:rPr lang="en-US" sz="2400" dirty="0"/>
+              <a:t>Fine-tune (train a few more iterations)</a:t>
+            </a:r>
+          </a:p>
+        </p:txBody>
+      </p:sp>
+      <p:sp>
+        <p:nvSpPr>
+          <p:cNvPr id="4" name="Footer Placeholder 3">
+            <a:extLst>
+              <a:ext uri="{FF2B5EF4-FFF2-40B4-BE49-F238E27FC236}">
+                <a16:creationId xmlns:a16="http://schemas.microsoft.com/office/drawing/2014/main" id="{D468EEB5-E1D2-4787-A16B-52E87AB6B737}"/>
+              </a:ext>
+            </a:extLst>
+          </p:cNvPr>
+          <p:cNvSpPr>
+            <a:spLocks noGrp="1"/>
+          </p:cNvSpPr>
+          <p:nvPr>
+            <p:ph type="ftr" sz="quarter" idx="11"/>
+          </p:nvPr>
+        </p:nvSpPr>
+        <p:spPr/>
+        <p:txBody>
+          <a:bodyPr/>
+          <a:lstStyle/>
+          <a:p>
+            <a:r>
+              <a:rPr lang="en-US"/>
+              <a:t>Bitstream Computing Hackathon @ UW</a:t>
+            </a:r>
+          </a:p>
+        </p:txBody>
+      </p:sp>
+      <p:sp>
+        <p:nvSpPr>
+          <p:cNvPr id="5" name="Slide Number Placeholder 4">
+            <a:extLst>
+              <a:ext uri="{FF2B5EF4-FFF2-40B4-BE49-F238E27FC236}">
+                <a16:creationId xmlns:a16="http://schemas.microsoft.com/office/drawing/2014/main" id="{2F70A31B-C4F9-4CBA-B65B-F0A715C4D982}"/>
+              </a:ext>
+            </a:extLst>
+          </p:cNvPr>
+          <p:cNvSpPr>
+            <a:spLocks noGrp="1"/>
+          </p:cNvSpPr>
+          <p:nvPr>
+            <p:ph type="sldNum" sz="quarter" idx="12"/>
+          </p:nvPr>
+        </p:nvSpPr>
+        <p:spPr/>
+        <p:txBody>
+          <a:bodyPr/>
+          <a:lstStyle/>
+          <a:p>
+            <a:fld id="{6CD1140A-C91D-4727-B1C6-F64D20B33EED}" type="slidenum">
+              <a:rPr lang="en-US" smtClean="0"/>
+              <a:t>22</a:t>
             </a:fld>
             <a:endParaRPr lang="en-US"/>
           </a:p>
@@ -17411,6 +18670,9 @@
         </p:txBody>
       </p:sp>
     </p:spTree>
+    <p:custDataLst>
+      <p:tags r:id="rId1"/>
+    </p:custDataLst>
     <p:extLst>
       <p:ext uri="{BB962C8B-B14F-4D97-AF65-F5344CB8AC3E}">
         <p14:creationId xmlns:p14="http://schemas.microsoft.com/office/powerpoint/2010/main" val="3287778483"/>
@@ -17420,7 +18682,7 @@
   <p:clrMapOvr>
     <a:masterClrMapping/>
   </p:clrMapOvr>
-  <p:transition/>
+  <p:transition advTm="124265"/>
   <p:timing>
     <p:tnLst>
       <p:par>
@@ -17953,776 +19215,6 @@
 </p:sld>
 </file>
 
-<file path=ppt/slides/slide22.xml><?xml version="1.0" encoding="utf-8"?>
-<p:sld xmlns:a="http://schemas.openxmlformats.org/drawingml/2006/main" xmlns:r="http://schemas.openxmlformats.org/officeDocument/2006/relationships" xmlns:p="http://schemas.openxmlformats.org/presentationml/2006/main">
-  <p:cSld>
-    <p:spTree>
-      <p:nvGrpSpPr>
-        <p:cNvPr id="1" name=""/>
-        <p:cNvGrpSpPr/>
-        <p:nvPr/>
-      </p:nvGrpSpPr>
-      <p:grpSpPr>
-        <a:xfrm>
-          <a:off x="0" y="0"/>
-          <a:ext cx="0" cy="0"/>
-          <a:chOff x="0" y="0"/>
-          <a:chExt cx="0" cy="0"/>
-        </a:xfrm>
-      </p:grpSpPr>
-      <p:sp>
-        <p:nvSpPr>
-          <p:cNvPr id="2" name="Title 1">
-            <a:extLst>
-              <a:ext uri="{FF2B5EF4-FFF2-40B4-BE49-F238E27FC236}">
-                <a16:creationId xmlns:a16="http://schemas.microsoft.com/office/drawing/2014/main" id="{F6ECE469-F093-4F79-847F-5660F6913D3F}"/>
-              </a:ext>
-            </a:extLst>
-          </p:cNvPr>
-          <p:cNvSpPr>
-            <a:spLocks noGrp="1"/>
-          </p:cNvSpPr>
-          <p:nvPr>
-            <p:ph type="title"/>
-          </p:nvPr>
-        </p:nvSpPr>
-        <p:spPr/>
-        <p:txBody>
-          <a:bodyPr/>
-          <a:lstStyle/>
-          <a:p>
-            <a:r>
-              <a:rPr lang="en-US" dirty="0"/>
-              <a:t>Pruning Impact on Hardware</a:t>
-            </a:r>
-          </a:p>
-        </p:txBody>
-      </p:sp>
-      <p:sp>
-        <p:nvSpPr>
-          <p:cNvPr id="3" name="Content Placeholder 2">
-            <a:extLst>
-              <a:ext uri="{FF2B5EF4-FFF2-40B4-BE49-F238E27FC236}">
-                <a16:creationId xmlns:a16="http://schemas.microsoft.com/office/drawing/2014/main" id="{1E9AEE2B-FE2C-4D57-A759-7A62765B283E}"/>
-              </a:ext>
-            </a:extLst>
-          </p:cNvPr>
-          <p:cNvSpPr>
-            <a:spLocks noGrp="1"/>
-          </p:cNvSpPr>
-          <p:nvPr>
-            <p:ph idx="1"/>
-          </p:nvPr>
-        </p:nvSpPr>
-        <p:spPr>
-          <a:xfrm>
-            <a:off x="457200" y="3787768"/>
-            <a:ext cx="8229600" cy="2338396"/>
-          </a:xfrm>
-        </p:spPr>
-        <p:txBody>
-          <a:bodyPr/>
-          <a:lstStyle/>
-          <a:p>
-            <a:r>
-              <a:rPr lang="en-US" dirty="0"/>
-              <a:t>Pruned synapse: eliminate SNG + AND gate</a:t>
-            </a:r>
-          </a:p>
-          <a:p>
-            <a:r>
-              <a:rPr lang="en-US" dirty="0"/>
-              <a:t>Pruned channel: eliminate entire dot product</a:t>
-            </a:r>
-          </a:p>
-          <a:p>
-            <a:r>
-              <a:rPr lang="en-US" dirty="0"/>
-              <a:t>Structured pruning: targets channels</a:t>
-            </a:r>
-          </a:p>
-          <a:p>
-            <a:r>
-              <a:rPr lang="en-US" dirty="0" err="1"/>
-              <a:t>Unstructure</a:t>
-            </a:r>
-            <a:r>
-              <a:rPr lang="en-US" dirty="0"/>
-              <a:t> pruning: targets synapses</a:t>
-            </a:r>
-          </a:p>
-        </p:txBody>
-      </p:sp>
-      <p:sp>
-        <p:nvSpPr>
-          <p:cNvPr id="4" name="Footer Placeholder 3">
-            <a:extLst>
-              <a:ext uri="{FF2B5EF4-FFF2-40B4-BE49-F238E27FC236}">
-                <a16:creationId xmlns:a16="http://schemas.microsoft.com/office/drawing/2014/main" id="{315424F2-02DB-4279-BF42-FCB3C8D92BE1}"/>
-              </a:ext>
-            </a:extLst>
-          </p:cNvPr>
-          <p:cNvSpPr>
-            <a:spLocks noGrp="1"/>
-          </p:cNvSpPr>
-          <p:nvPr>
-            <p:ph type="ftr" sz="quarter" idx="11"/>
-          </p:nvPr>
-        </p:nvSpPr>
-        <p:spPr/>
-        <p:txBody>
-          <a:bodyPr/>
-          <a:lstStyle/>
-          <a:p>
-            <a:r>
-              <a:rPr lang="en-US"/>
-              <a:t>Bitstream Computing Hackathon @ UW</a:t>
-            </a:r>
-          </a:p>
-        </p:txBody>
-      </p:sp>
-      <p:sp>
-        <p:nvSpPr>
-          <p:cNvPr id="5" name="Slide Number Placeholder 4">
-            <a:extLst>
-              <a:ext uri="{FF2B5EF4-FFF2-40B4-BE49-F238E27FC236}">
-                <a16:creationId xmlns:a16="http://schemas.microsoft.com/office/drawing/2014/main" id="{FDD9B4F2-3A7B-4AA9-8C6B-7FC07C13DBE9}"/>
-              </a:ext>
-            </a:extLst>
-          </p:cNvPr>
-          <p:cNvSpPr>
-            <a:spLocks noGrp="1"/>
-          </p:cNvSpPr>
-          <p:nvPr>
-            <p:ph type="sldNum" sz="quarter" idx="12"/>
-          </p:nvPr>
-        </p:nvSpPr>
-        <p:spPr/>
-        <p:txBody>
-          <a:bodyPr/>
-          <a:lstStyle/>
-          <a:p>
-            <a:fld id="{6CD1140A-C91D-4727-B1C6-F64D20B33EED}" type="slidenum">
-              <a:rPr lang="en-US" smtClean="0"/>
-              <a:t>22</a:t>
-            </a:fld>
-            <a:endParaRPr lang="en-US"/>
-          </a:p>
-        </p:txBody>
-      </p:sp>
-      <p:sp>
-        <p:nvSpPr>
-          <p:cNvPr id="6" name="Rectangle 5">
-            <a:extLst>
-              <a:ext uri="{FF2B5EF4-FFF2-40B4-BE49-F238E27FC236}">
-                <a16:creationId xmlns:a16="http://schemas.microsoft.com/office/drawing/2014/main" id="{124304A4-0922-4E08-92B6-E5F378713708}"/>
-              </a:ext>
-            </a:extLst>
-          </p:cNvPr>
-          <p:cNvSpPr/>
-          <p:nvPr/>
-        </p:nvSpPr>
-        <p:spPr>
-          <a:xfrm>
-            <a:off x="5334000" y="2070118"/>
-            <a:ext cx="685800" cy="465130"/>
-          </a:xfrm>
-          <a:prstGeom prst="rect">
-            <a:avLst/>
-          </a:prstGeom>
-          <a:noFill/>
-        </p:spPr>
-        <p:style>
-          <a:lnRef idx="2">
-            <a:schemeClr val="accent1">
-              <a:shade val="50000"/>
-            </a:schemeClr>
-          </a:lnRef>
-          <a:fillRef idx="1">
-            <a:schemeClr val="accent1"/>
-          </a:fillRef>
-          <a:effectRef idx="0">
-            <a:schemeClr val="accent1"/>
-          </a:effectRef>
-          <a:fontRef idx="minor">
-            <a:schemeClr val="lt1"/>
-          </a:fontRef>
-        </p:style>
-        <p:txBody>
-          <a:bodyPr rtlCol="0" anchor="ctr"/>
-          <a:lstStyle/>
-          <a:p>
-            <a:pPr algn="ctr"/>
-            <a:r>
-              <a:rPr lang="en-US" dirty="0">
-                <a:solidFill>
-                  <a:schemeClr val="tx1"/>
-                </a:solidFill>
-              </a:rPr>
-              <a:t>Add</a:t>
-            </a:r>
-          </a:p>
-        </p:txBody>
-      </p:sp>
-      <p:sp>
-        <p:nvSpPr>
-          <p:cNvPr id="7" name="Flowchart: Delay 6">
-            <a:extLst>
-              <a:ext uri="{FF2B5EF4-FFF2-40B4-BE49-F238E27FC236}">
-                <a16:creationId xmlns:a16="http://schemas.microsoft.com/office/drawing/2014/main" id="{F615BDD9-9817-4AD4-B607-6AC40D1EEDE4}"/>
-              </a:ext>
-            </a:extLst>
-          </p:cNvPr>
-          <p:cNvSpPr/>
-          <p:nvPr/>
-        </p:nvSpPr>
-        <p:spPr>
-          <a:xfrm>
-            <a:off x="4483100" y="1846272"/>
-            <a:ext cx="203200" cy="271462"/>
-          </a:xfrm>
-          <a:prstGeom prst="flowChartDelay">
-            <a:avLst/>
-          </a:prstGeom>
-        </p:spPr>
-        <p:style>
-          <a:lnRef idx="2">
-            <a:schemeClr val="accent1">
-              <a:shade val="50000"/>
-            </a:schemeClr>
-          </a:lnRef>
-          <a:fillRef idx="1">
-            <a:schemeClr val="accent1"/>
-          </a:fillRef>
-          <a:effectRef idx="0">
-            <a:schemeClr val="accent1"/>
-          </a:effectRef>
-          <a:fontRef idx="minor">
-            <a:schemeClr val="lt1"/>
-          </a:fontRef>
-        </p:style>
-        <p:txBody>
-          <a:bodyPr rtlCol="0" anchor="ctr"/>
-          <a:lstStyle/>
-          <a:p>
-            <a:pPr algn="ctr"/>
-            <a:endParaRPr lang="en-US"/>
-          </a:p>
-        </p:txBody>
-      </p:sp>
-      <p:sp>
-        <p:nvSpPr>
-          <p:cNvPr id="8" name="Flowchart: Delay 7">
-            <a:extLst>
-              <a:ext uri="{FF2B5EF4-FFF2-40B4-BE49-F238E27FC236}">
-                <a16:creationId xmlns:a16="http://schemas.microsoft.com/office/drawing/2014/main" id="{2E0E7B2C-583C-4299-AE4B-6CD3DCEC99FA}"/>
-              </a:ext>
-            </a:extLst>
-          </p:cNvPr>
-          <p:cNvSpPr/>
-          <p:nvPr/>
-        </p:nvSpPr>
-        <p:spPr>
-          <a:xfrm>
-            <a:off x="4483100" y="2249497"/>
-            <a:ext cx="203200" cy="271462"/>
-          </a:xfrm>
-          <a:prstGeom prst="flowChartDelay">
-            <a:avLst/>
-          </a:prstGeom>
-        </p:spPr>
-        <p:style>
-          <a:lnRef idx="2">
-            <a:schemeClr val="accent1">
-              <a:shade val="50000"/>
-            </a:schemeClr>
-          </a:lnRef>
-          <a:fillRef idx="1">
-            <a:schemeClr val="accent1"/>
-          </a:fillRef>
-          <a:effectRef idx="0">
-            <a:schemeClr val="accent1"/>
-          </a:effectRef>
-          <a:fontRef idx="minor">
-            <a:schemeClr val="lt1"/>
-          </a:fontRef>
-        </p:style>
-        <p:txBody>
-          <a:bodyPr rtlCol="0" anchor="ctr"/>
-          <a:lstStyle/>
-          <a:p>
-            <a:pPr algn="ctr"/>
-            <a:endParaRPr lang="en-US"/>
-          </a:p>
-        </p:txBody>
-      </p:sp>
-      <p:sp>
-        <p:nvSpPr>
-          <p:cNvPr id="9" name="Flowchart: Delay 8">
-            <a:extLst>
-              <a:ext uri="{FF2B5EF4-FFF2-40B4-BE49-F238E27FC236}">
-                <a16:creationId xmlns:a16="http://schemas.microsoft.com/office/drawing/2014/main" id="{72CCF11E-183B-4FAE-8672-4D77F067E99B}"/>
-              </a:ext>
-            </a:extLst>
-          </p:cNvPr>
-          <p:cNvSpPr/>
-          <p:nvPr/>
-        </p:nvSpPr>
-        <p:spPr>
-          <a:xfrm>
-            <a:off x="4483100" y="2798772"/>
-            <a:ext cx="203200" cy="271462"/>
-          </a:xfrm>
-          <a:prstGeom prst="flowChartDelay">
-            <a:avLst/>
-          </a:prstGeom>
-        </p:spPr>
-        <p:style>
-          <a:lnRef idx="2">
-            <a:schemeClr val="accent1">
-              <a:shade val="50000"/>
-            </a:schemeClr>
-          </a:lnRef>
-          <a:fillRef idx="1">
-            <a:schemeClr val="accent1"/>
-          </a:fillRef>
-          <a:effectRef idx="0">
-            <a:schemeClr val="accent1"/>
-          </a:effectRef>
-          <a:fontRef idx="minor">
-            <a:schemeClr val="lt1"/>
-          </a:fontRef>
-        </p:style>
-        <p:txBody>
-          <a:bodyPr rtlCol="0" anchor="ctr"/>
-          <a:lstStyle/>
-          <a:p>
-            <a:pPr algn="ctr"/>
-            <a:endParaRPr lang="en-US"/>
-          </a:p>
-        </p:txBody>
-      </p:sp>
-      <p:cxnSp>
-        <p:nvCxnSpPr>
-          <p:cNvPr id="10" name="Connector: Elbow 9">
-            <a:extLst>
-              <a:ext uri="{FF2B5EF4-FFF2-40B4-BE49-F238E27FC236}">
-                <a16:creationId xmlns:a16="http://schemas.microsoft.com/office/drawing/2014/main" id="{942889F5-0518-45E8-9E1B-ED448E8DA8FC}"/>
-              </a:ext>
-            </a:extLst>
-          </p:cNvPr>
-          <p:cNvCxnSpPr>
-            <a:cxnSpLocks/>
-            <a:stCxn id="7" idx="3"/>
-            <a:endCxn id="6" idx="1"/>
-          </p:cNvCxnSpPr>
-          <p:nvPr/>
-        </p:nvCxnSpPr>
-        <p:spPr>
-          <a:xfrm>
-            <a:off x="4686300" y="1982003"/>
-            <a:ext cx="647700" cy="320680"/>
-          </a:xfrm>
-          <a:prstGeom prst="bentConnector3">
-            <a:avLst>
-              <a:gd name="adj1" fmla="val 50000"/>
-            </a:avLst>
-          </a:prstGeom>
-          <a:ln>
-            <a:tailEnd type="triangle"/>
-          </a:ln>
-        </p:spPr>
-        <p:style>
-          <a:lnRef idx="1">
-            <a:schemeClr val="accent1"/>
-          </a:lnRef>
-          <a:fillRef idx="0">
-            <a:schemeClr val="accent1"/>
-          </a:fillRef>
-          <a:effectRef idx="0">
-            <a:schemeClr val="accent1"/>
-          </a:effectRef>
-          <a:fontRef idx="minor">
-            <a:schemeClr val="tx1"/>
-          </a:fontRef>
-        </p:style>
-      </p:cxnSp>
-      <p:cxnSp>
-        <p:nvCxnSpPr>
-          <p:cNvPr id="11" name="Connector: Elbow 10">
-            <a:extLst>
-              <a:ext uri="{FF2B5EF4-FFF2-40B4-BE49-F238E27FC236}">
-                <a16:creationId xmlns:a16="http://schemas.microsoft.com/office/drawing/2014/main" id="{90C5E020-CC65-4FB5-9B1C-0BD1A45B2C31}"/>
-              </a:ext>
-            </a:extLst>
-          </p:cNvPr>
-          <p:cNvCxnSpPr>
-            <a:cxnSpLocks/>
-            <a:stCxn id="8" idx="3"/>
-            <a:endCxn id="6" idx="1"/>
-          </p:cNvCxnSpPr>
-          <p:nvPr/>
-        </p:nvCxnSpPr>
-        <p:spPr>
-          <a:xfrm flipV="1">
-            <a:off x="4686300" y="2302683"/>
-            <a:ext cx="647700" cy="82545"/>
-          </a:xfrm>
-          <a:prstGeom prst="bentConnector3">
-            <a:avLst/>
-          </a:prstGeom>
-          <a:ln>
-            <a:tailEnd type="triangle"/>
-          </a:ln>
-        </p:spPr>
-        <p:style>
-          <a:lnRef idx="1">
-            <a:schemeClr val="accent1"/>
-          </a:lnRef>
-          <a:fillRef idx="0">
-            <a:schemeClr val="accent1"/>
-          </a:fillRef>
-          <a:effectRef idx="0">
-            <a:schemeClr val="accent1"/>
-          </a:effectRef>
-          <a:fontRef idx="minor">
-            <a:schemeClr val="tx1"/>
-          </a:fontRef>
-        </p:style>
-      </p:cxnSp>
-      <p:cxnSp>
-        <p:nvCxnSpPr>
-          <p:cNvPr id="12" name="Connector: Elbow 11">
-            <a:extLst>
-              <a:ext uri="{FF2B5EF4-FFF2-40B4-BE49-F238E27FC236}">
-                <a16:creationId xmlns:a16="http://schemas.microsoft.com/office/drawing/2014/main" id="{D14BCD52-CE8F-4AB4-93C1-675A03C12F94}"/>
-              </a:ext>
-            </a:extLst>
-          </p:cNvPr>
-          <p:cNvCxnSpPr>
-            <a:cxnSpLocks/>
-            <a:stCxn id="9" idx="3"/>
-            <a:endCxn id="6" idx="1"/>
-          </p:cNvCxnSpPr>
-          <p:nvPr/>
-        </p:nvCxnSpPr>
-        <p:spPr>
-          <a:xfrm flipV="1">
-            <a:off x="4686300" y="2302683"/>
-            <a:ext cx="647700" cy="631820"/>
-          </a:xfrm>
-          <a:prstGeom prst="bentConnector3">
-            <a:avLst/>
-          </a:prstGeom>
-          <a:ln>
-            <a:tailEnd type="triangle"/>
-          </a:ln>
-        </p:spPr>
-        <p:style>
-          <a:lnRef idx="1">
-            <a:schemeClr val="accent1"/>
-          </a:lnRef>
-          <a:fillRef idx="0">
-            <a:schemeClr val="accent1"/>
-          </a:fillRef>
-          <a:effectRef idx="0">
-            <a:schemeClr val="accent1"/>
-          </a:effectRef>
-          <a:fontRef idx="minor">
-            <a:schemeClr val="tx1"/>
-          </a:fontRef>
-        </p:style>
-      </p:cxnSp>
-      <p:sp>
-        <p:nvSpPr>
-          <p:cNvPr id="13" name="TextBox 12">
-            <a:extLst>
-              <a:ext uri="{FF2B5EF4-FFF2-40B4-BE49-F238E27FC236}">
-                <a16:creationId xmlns:a16="http://schemas.microsoft.com/office/drawing/2014/main" id="{8ABE1137-B0AC-4007-BBCC-2B46C7BB55F1}"/>
-              </a:ext>
-            </a:extLst>
-          </p:cNvPr>
-          <p:cNvSpPr txBox="1"/>
-          <p:nvPr/>
-        </p:nvSpPr>
-        <p:spPr>
-          <a:xfrm rot="16200000">
-            <a:off x="4300999" y="2505977"/>
-            <a:ext cx="364202" cy="307777"/>
-          </a:xfrm>
-          <a:prstGeom prst="rect">
-            <a:avLst/>
-          </a:prstGeom>
-          <a:noFill/>
-        </p:spPr>
-        <p:txBody>
-          <a:bodyPr wrap="none" rtlCol="0">
-            <a:spAutoFit/>
-          </a:bodyPr>
-          <a:lstStyle/>
-          <a:p>
-            <a:r>
-              <a:rPr lang="en-US" sz="1400" dirty="0"/>
-              <a:t>…</a:t>
-            </a:r>
-          </a:p>
-        </p:txBody>
-      </p:sp>
-      <p:sp>
-        <p:nvSpPr>
-          <p:cNvPr id="14" name="Rectangle 13">
-            <a:extLst>
-              <a:ext uri="{FF2B5EF4-FFF2-40B4-BE49-F238E27FC236}">
-                <a16:creationId xmlns:a16="http://schemas.microsoft.com/office/drawing/2014/main" id="{583F53BF-12E9-49C4-9944-EBB2E9C41DC9}"/>
-              </a:ext>
-            </a:extLst>
-          </p:cNvPr>
-          <p:cNvSpPr/>
-          <p:nvPr/>
-        </p:nvSpPr>
-        <p:spPr>
-          <a:xfrm>
-            <a:off x="3105150" y="1582755"/>
-            <a:ext cx="838200" cy="465130"/>
-          </a:xfrm>
-          <a:prstGeom prst="rect">
-            <a:avLst/>
-          </a:prstGeom>
-          <a:noFill/>
-        </p:spPr>
-        <p:style>
-          <a:lnRef idx="2">
-            <a:schemeClr val="accent1">
-              <a:shade val="50000"/>
-            </a:schemeClr>
-          </a:lnRef>
-          <a:fillRef idx="1">
-            <a:schemeClr val="accent1"/>
-          </a:fillRef>
-          <a:effectRef idx="0">
-            <a:schemeClr val="accent1"/>
-          </a:effectRef>
-          <a:fontRef idx="minor">
-            <a:schemeClr val="lt1"/>
-          </a:fontRef>
-        </p:style>
-        <p:txBody>
-          <a:bodyPr rtlCol="0" anchor="ctr"/>
-          <a:lstStyle/>
-          <a:p>
-            <a:pPr algn="ctr"/>
-            <a:r>
-              <a:rPr lang="en-US" dirty="0">
-                <a:solidFill>
-                  <a:schemeClr val="tx1"/>
-                </a:solidFill>
-              </a:rPr>
-              <a:t>SNG</a:t>
-            </a:r>
-          </a:p>
-        </p:txBody>
-      </p:sp>
-      <p:sp>
-        <p:nvSpPr>
-          <p:cNvPr id="15" name="Rectangle 14">
-            <a:extLst>
-              <a:ext uri="{FF2B5EF4-FFF2-40B4-BE49-F238E27FC236}">
-                <a16:creationId xmlns:a16="http://schemas.microsoft.com/office/drawing/2014/main" id="{A0D40DBF-B96A-4456-9683-8FEC4518BC3A}"/>
-              </a:ext>
-            </a:extLst>
-          </p:cNvPr>
-          <p:cNvSpPr/>
-          <p:nvPr/>
-        </p:nvSpPr>
-        <p:spPr>
-          <a:xfrm>
-            <a:off x="3092450" y="2168143"/>
-            <a:ext cx="838200" cy="465130"/>
-          </a:xfrm>
-          <a:prstGeom prst="rect">
-            <a:avLst/>
-          </a:prstGeom>
-          <a:noFill/>
-        </p:spPr>
-        <p:style>
-          <a:lnRef idx="2">
-            <a:schemeClr val="accent1">
-              <a:shade val="50000"/>
-            </a:schemeClr>
-          </a:lnRef>
-          <a:fillRef idx="1">
-            <a:schemeClr val="accent1"/>
-          </a:fillRef>
-          <a:effectRef idx="0">
-            <a:schemeClr val="accent1"/>
-          </a:effectRef>
-          <a:fontRef idx="minor">
-            <a:schemeClr val="lt1"/>
-          </a:fontRef>
-        </p:style>
-        <p:txBody>
-          <a:bodyPr rtlCol="0" anchor="ctr"/>
-          <a:lstStyle/>
-          <a:p>
-            <a:pPr algn="ctr"/>
-            <a:r>
-              <a:rPr lang="en-US" dirty="0">
-                <a:solidFill>
-                  <a:schemeClr val="tx1"/>
-                </a:solidFill>
-              </a:rPr>
-              <a:t>SNG</a:t>
-            </a:r>
-          </a:p>
-        </p:txBody>
-      </p:sp>
-      <p:sp>
-        <p:nvSpPr>
-          <p:cNvPr id="16" name="Rectangle 15">
-            <a:extLst>
-              <a:ext uri="{FF2B5EF4-FFF2-40B4-BE49-F238E27FC236}">
-                <a16:creationId xmlns:a16="http://schemas.microsoft.com/office/drawing/2014/main" id="{7A2AF183-C23F-492A-8FEB-629B05D0F462}"/>
-              </a:ext>
-            </a:extLst>
-          </p:cNvPr>
-          <p:cNvSpPr/>
-          <p:nvPr/>
-        </p:nvSpPr>
-        <p:spPr>
-          <a:xfrm>
-            <a:off x="3105150" y="2934503"/>
-            <a:ext cx="838200" cy="465130"/>
-          </a:xfrm>
-          <a:prstGeom prst="rect">
-            <a:avLst/>
-          </a:prstGeom>
-          <a:noFill/>
-        </p:spPr>
-        <p:style>
-          <a:lnRef idx="2">
-            <a:schemeClr val="accent1">
-              <a:shade val="50000"/>
-            </a:schemeClr>
-          </a:lnRef>
-          <a:fillRef idx="1">
-            <a:schemeClr val="accent1"/>
-          </a:fillRef>
-          <a:effectRef idx="0">
-            <a:schemeClr val="accent1"/>
-          </a:effectRef>
-          <a:fontRef idx="minor">
-            <a:schemeClr val="lt1"/>
-          </a:fontRef>
-        </p:style>
-        <p:txBody>
-          <a:bodyPr rtlCol="0" anchor="ctr"/>
-          <a:lstStyle/>
-          <a:p>
-            <a:pPr algn="ctr"/>
-            <a:r>
-              <a:rPr lang="en-US" dirty="0">
-                <a:solidFill>
-                  <a:schemeClr val="tx1"/>
-                </a:solidFill>
-              </a:rPr>
-              <a:t>SNG</a:t>
-            </a:r>
-          </a:p>
-        </p:txBody>
-      </p:sp>
-      <p:sp>
-        <p:nvSpPr>
-          <p:cNvPr id="17" name="Right Brace 16">
-            <a:extLst>
-              <a:ext uri="{FF2B5EF4-FFF2-40B4-BE49-F238E27FC236}">
-                <a16:creationId xmlns:a16="http://schemas.microsoft.com/office/drawing/2014/main" id="{76FB8520-D720-48C3-A89D-6589178698EA}"/>
-              </a:ext>
-            </a:extLst>
-          </p:cNvPr>
-          <p:cNvSpPr/>
-          <p:nvPr/>
-        </p:nvSpPr>
-        <p:spPr>
-          <a:xfrm>
-            <a:off x="4051299" y="1682758"/>
-            <a:ext cx="277911" cy="1716875"/>
-          </a:xfrm>
-          <a:prstGeom prst="rightBrace">
-            <a:avLst/>
-          </a:prstGeom>
-        </p:spPr>
-        <p:style>
-          <a:lnRef idx="1">
-            <a:schemeClr val="accent1"/>
-          </a:lnRef>
-          <a:fillRef idx="0">
-            <a:schemeClr val="accent1"/>
-          </a:fillRef>
-          <a:effectRef idx="0">
-            <a:schemeClr val="accent1"/>
-          </a:effectRef>
-          <a:fontRef idx="minor">
-            <a:schemeClr val="tx1"/>
-          </a:fontRef>
-        </p:style>
-        <p:txBody>
-          <a:bodyPr rtlCol="0" anchor="ctr"/>
-          <a:lstStyle/>
-          <a:p>
-            <a:pPr algn="ctr"/>
-            <a:endParaRPr lang="en-US"/>
-          </a:p>
-        </p:txBody>
-      </p:sp>
-      <p:sp>
-        <p:nvSpPr>
-          <p:cNvPr id="18" name="TextBox 17">
-            <a:extLst>
-              <a:ext uri="{FF2B5EF4-FFF2-40B4-BE49-F238E27FC236}">
-                <a16:creationId xmlns:a16="http://schemas.microsoft.com/office/drawing/2014/main" id="{FF5CEC85-DFF4-4BA9-8937-CA09AA2561DC}"/>
-              </a:ext>
-            </a:extLst>
-          </p:cNvPr>
-          <p:cNvSpPr txBox="1"/>
-          <p:nvPr/>
-        </p:nvSpPr>
-        <p:spPr>
-          <a:xfrm rot="16200000">
-            <a:off x="3270811" y="2619154"/>
-            <a:ext cx="364202" cy="307777"/>
-          </a:xfrm>
-          <a:prstGeom prst="rect">
-            <a:avLst/>
-          </a:prstGeom>
-          <a:noFill/>
-        </p:spPr>
-        <p:txBody>
-          <a:bodyPr wrap="none" rtlCol="0">
-            <a:spAutoFit/>
-          </a:bodyPr>
-          <a:lstStyle/>
-          <a:p>
-            <a:r>
-              <a:rPr lang="en-US" sz="1400" dirty="0"/>
-              <a:t>…</a:t>
-            </a:r>
-          </a:p>
-        </p:txBody>
-      </p:sp>
-    </p:spTree>
-    <p:extLst>
-      <p:ext uri="{BB962C8B-B14F-4D97-AF65-F5344CB8AC3E}">
-        <p14:creationId xmlns:p14="http://schemas.microsoft.com/office/powerpoint/2010/main" val="3068626697"/>
-      </p:ext>
-    </p:extLst>
-  </p:cSld>
-  <p:clrMapOvr>
-    <a:masterClrMapping/>
-  </p:clrMapOvr>
-  <p:transition/>
-</p:sld>
-</file>
-
 <file path=ppt/slides/slide23.xml><?xml version="1.0" encoding="utf-8"?>
 <p:sld xmlns:a="http://schemas.openxmlformats.org/drawingml/2006/main" xmlns:r="http://schemas.openxmlformats.org/officeDocument/2006/relationships" xmlns:p="http://schemas.openxmlformats.org/presentationml/2006/main">
   <p:cSld>
@@ -18742,59 +19234,10 @@
       </p:grpSpPr>
       <p:sp>
         <p:nvSpPr>
-          <p:cNvPr id="54" name="TextBox 53">
-            <a:extLst>
-              <a:ext uri="{FF2B5EF4-FFF2-40B4-BE49-F238E27FC236}">
-                <a16:creationId xmlns:a16="http://schemas.microsoft.com/office/drawing/2014/main" id="{0196DDCF-BF62-4657-BAD7-DE26166B440D}"/>
-              </a:ext>
-            </a:extLst>
-          </p:cNvPr>
-          <p:cNvSpPr txBox="1"/>
-          <p:nvPr/>
-        </p:nvSpPr>
-        <p:spPr>
-          <a:xfrm>
-            <a:off x="4098861" y="1064090"/>
-            <a:ext cx="2603232" cy="461665"/>
-          </a:xfrm>
-          <a:prstGeom prst="rect">
-            <a:avLst/>
-          </a:prstGeom>
-          <a:noFill/>
-        </p:spPr>
-        <p:txBody>
-          <a:bodyPr wrap="square" rtlCol="0">
-            <a:spAutoFit/>
-          </a:bodyPr>
-          <a:lstStyle/>
-          <a:p>
-            <a:r>
-              <a:rPr lang="en-US" sz="1200" dirty="0">
-                <a:latin typeface="+mj-lt"/>
-              </a:rPr>
-              <a:t>[</a:t>
-            </a:r>
-            <a:r>
-              <a:rPr lang="en-US" sz="1200" dirty="0" err="1">
-                <a:latin typeface="+mj-lt"/>
-              </a:rPr>
-              <a:t>TinyMLPerf</a:t>
-            </a:r>
-            <a:r>
-              <a:rPr lang="en-US" sz="1200" dirty="0">
-                <a:latin typeface="+mj-lt"/>
-              </a:rPr>
-              <a:t> Visual wake words from https://github.com/mlcommons/tiny]</a:t>
-            </a:r>
-          </a:p>
-        </p:txBody>
-      </p:sp>
-      <p:sp>
-        <p:nvSpPr>
           <p:cNvPr id="2" name="Title 1">
             <a:extLst>
               <a:ext uri="{FF2B5EF4-FFF2-40B4-BE49-F238E27FC236}">
-                <a16:creationId xmlns:a16="http://schemas.microsoft.com/office/drawing/2014/main" id="{AE361BDE-EA78-478B-9ADC-3E3FCFCD3A4F}"/>
+                <a16:creationId xmlns:a16="http://schemas.microsoft.com/office/drawing/2014/main" id="{F6ECE469-F093-4F79-847F-5660F6913D3F}"/>
               </a:ext>
             </a:extLst>
           </p:cNvPr>
@@ -18812,7 +19255,7 @@
           <a:p>
             <a:r>
               <a:rPr lang="en-US" dirty="0"/>
-              <a:t>Hackathon Flow</a:t>
+              <a:t>Pruning Impact on Hardware</a:t>
             </a:r>
           </a:p>
         </p:txBody>
@@ -18822,7 +19265,7 @@
           <p:cNvPr id="3" name="Content Placeholder 2">
             <a:extLst>
               <a:ext uri="{FF2B5EF4-FFF2-40B4-BE49-F238E27FC236}">
-                <a16:creationId xmlns:a16="http://schemas.microsoft.com/office/drawing/2014/main" id="{28F9DC29-1E5B-4C86-93CB-190B7F6EF93C}"/>
+                <a16:creationId xmlns:a16="http://schemas.microsoft.com/office/drawing/2014/main" id="{1E9AEE2B-FE2C-4D57-A759-7A62765B283E}"/>
               </a:ext>
             </a:extLst>
           </p:cNvPr>
@@ -18835,8 +19278,8 @@
         </p:nvSpPr>
         <p:spPr>
           <a:xfrm>
-            <a:off x="457200" y="4620905"/>
-            <a:ext cx="8229600" cy="1950241"/>
+            <a:off x="457200" y="3787768"/>
+            <a:ext cx="8229600" cy="2338396"/>
           </a:xfrm>
         </p:spPr>
         <p:txBody>
@@ -18844,28 +19287,26 @@
           <a:lstStyle/>
           <a:p>
             <a:r>
-              <a:rPr lang="en-US" sz="2800" dirty="0"/>
-              <a:t>HW requirement</a:t>
-            </a:r>
-          </a:p>
-          <a:p>
-            <a:pPr lvl="1"/>
-            <a:r>
-              <a:rPr lang="en-US" sz="2400" dirty="0"/>
-              <a:t>Decently-fast CPU will suffice for required tasks</a:t>
-            </a:r>
-          </a:p>
-          <a:p>
-            <a:r>
-              <a:rPr lang="en-US" sz="2800" dirty="0"/>
-              <a:t>Train from scratch (optional)</a:t>
-            </a:r>
-          </a:p>
-          <a:p>
-            <a:pPr lvl="1"/>
-            <a:r>
-              <a:rPr lang="en-US" sz="2400" dirty="0"/>
-              <a:t>Fast GPU (GTX1080 ~1.5 hours)</a:t>
+              <a:rPr lang="en-US" dirty="0"/>
+              <a:t>Pruned synapse: eliminate SNG + AND gate</a:t>
+            </a:r>
+          </a:p>
+          <a:p>
+            <a:r>
+              <a:rPr lang="en-US" dirty="0"/>
+              <a:t>Pruned channel: eliminate entire dot product</a:t>
+            </a:r>
+          </a:p>
+          <a:p>
+            <a:r>
+              <a:rPr lang="en-US" dirty="0"/>
+              <a:t>Structured pruning: targets channels</a:t>
+            </a:r>
+          </a:p>
+          <a:p>
+            <a:r>
+              <a:rPr lang="en-US" dirty="0"/>
+              <a:t>Unstructured pruning: targets synapses</a:t>
             </a:r>
           </a:p>
         </p:txBody>
@@ -18875,7 +19316,7 @@
           <p:cNvPr id="4" name="Footer Placeholder 3">
             <a:extLst>
               <a:ext uri="{FF2B5EF4-FFF2-40B4-BE49-F238E27FC236}">
-                <a16:creationId xmlns:a16="http://schemas.microsoft.com/office/drawing/2014/main" id="{792A244E-D86C-41A9-B3E7-6F0675DC6299}"/>
+                <a16:creationId xmlns:a16="http://schemas.microsoft.com/office/drawing/2014/main" id="{315424F2-02DB-4279-BF42-FCB3C8D92BE1}"/>
               </a:ext>
             </a:extLst>
           </p:cNvPr>
@@ -18903,7 +19344,7 @@
           <p:cNvPr id="5" name="Slide Number Placeholder 4">
             <a:extLst>
               <a:ext uri="{FF2B5EF4-FFF2-40B4-BE49-F238E27FC236}">
-                <a16:creationId xmlns:a16="http://schemas.microsoft.com/office/drawing/2014/main" id="{3A79A6EE-93DE-47F3-8FC7-29BC874B955D}"/>
+                <a16:creationId xmlns:a16="http://schemas.microsoft.com/office/drawing/2014/main" id="{FDD9B4F2-3A7B-4AA9-8C6B-7FC07C13DBE9}"/>
               </a:ext>
             </a:extLst>
           </p:cNvPr>
@@ -18929,10 +19370,10 @@
       </p:sp>
       <p:sp>
         <p:nvSpPr>
-          <p:cNvPr id="6" name="Cylinder 5">
-            <a:extLst>
-              <a:ext uri="{FF2B5EF4-FFF2-40B4-BE49-F238E27FC236}">
-                <a16:creationId xmlns:a16="http://schemas.microsoft.com/office/drawing/2014/main" id="{02A85927-FA63-4169-8DFF-75B8841BBF66}"/>
+          <p:cNvPr id="6" name="Rectangle 5">
+            <a:extLst>
+              <a:ext uri="{FF2B5EF4-FFF2-40B4-BE49-F238E27FC236}">
+                <a16:creationId xmlns:a16="http://schemas.microsoft.com/office/drawing/2014/main" id="{124304A4-0922-4E08-92B6-E5F378713708}"/>
               </a:ext>
             </a:extLst>
           </p:cNvPr>
@@ -18941,18 +19382,13 @@
         </p:nvSpPr>
         <p:spPr>
           <a:xfrm>
-            <a:off x="304800" y="2893913"/>
-            <a:ext cx="1041400" cy="1143000"/>
-          </a:xfrm>
-          <a:prstGeom prst="can">
-            <a:avLst/>
-          </a:prstGeom>
-          <a:solidFill>
-            <a:schemeClr val="tx2">
-              <a:lumMod val="40000"/>
-              <a:lumOff val="60000"/>
-            </a:schemeClr>
-          </a:solidFill>
+            <a:off x="5334000" y="2070118"/>
+            <a:ext cx="685800" cy="465130"/>
+          </a:xfrm>
+          <a:prstGeom prst="rect">
+            <a:avLst/>
+          </a:prstGeom>
+          <a:noFill/>
         </p:spPr>
         <p:style>
           <a:lnRef idx="2">
@@ -18976,35 +19412,22 @@
           <a:p>
             <a:pPr algn="ctr"/>
             <a:r>
-              <a:rPr lang="en-US" sz="1600" dirty="0">
+              <a:rPr lang="en-US" dirty="0">
                 <a:solidFill>
                   <a:schemeClr val="tx1"/>
                 </a:solidFill>
               </a:rPr>
-              <a:t>Pre-trained </a:t>
-            </a:r>
-            <a:r>
-              <a:rPr lang="en-US" sz="1600" dirty="0" err="1">
-                <a:solidFill>
-                  <a:schemeClr val="tx1"/>
-                </a:solidFill>
-              </a:rPr>
-              <a:t>Mobilenet</a:t>
-            </a:r>
-            <a:endParaRPr lang="en-US" sz="1600" dirty="0">
-              <a:solidFill>
-                <a:schemeClr val="tx1"/>
-              </a:solidFill>
-            </a:endParaRPr>
-          </a:p>
-        </p:txBody>
-      </p:sp>
-      <p:sp>
-        <p:nvSpPr>
-          <p:cNvPr id="7" name="Cylinder 6">
-            <a:extLst>
-              <a:ext uri="{FF2B5EF4-FFF2-40B4-BE49-F238E27FC236}">
-                <a16:creationId xmlns:a16="http://schemas.microsoft.com/office/drawing/2014/main" id="{7EED4DA2-4E58-4E2D-859B-20EF4139243C}"/>
+              <a:t>Add</a:t>
+            </a:r>
+          </a:p>
+        </p:txBody>
+      </p:sp>
+      <p:sp>
+        <p:nvSpPr>
+          <p:cNvPr id="7" name="Flowchart: Delay 6">
+            <a:extLst>
+              <a:ext uri="{FF2B5EF4-FFF2-40B4-BE49-F238E27FC236}">
+                <a16:creationId xmlns:a16="http://schemas.microsoft.com/office/drawing/2014/main" id="{F615BDD9-9817-4AD4-B607-6AC40D1EEDE4}"/>
               </a:ext>
             </a:extLst>
           </p:cNvPr>
@@ -19013,18 +19436,12 @@
         </p:nvSpPr>
         <p:spPr>
           <a:xfrm>
-            <a:off x="3314700" y="1486594"/>
-            <a:ext cx="1041400" cy="1143000"/>
-          </a:xfrm>
-          <a:prstGeom prst="can">
-            <a:avLst/>
-          </a:prstGeom>
-          <a:solidFill>
-            <a:schemeClr val="tx2">
-              <a:lumMod val="40000"/>
-              <a:lumOff val="60000"/>
-            </a:schemeClr>
-          </a:solidFill>
+            <a:off x="4483100" y="1846272"/>
+            <a:ext cx="203200" cy="271462"/>
+          </a:xfrm>
+          <a:prstGeom prst="flowChartDelay">
+            <a:avLst/>
+          </a:prstGeom>
         </p:spPr>
         <p:style>
           <a:lnRef idx="2">
@@ -19047,23 +19464,16 @@
           <a:lstStyle/>
           <a:p>
             <a:pPr algn="ctr"/>
-            <a:r>
-              <a:rPr lang="en-US" sz="1600" dirty="0">
-                <a:solidFill>
-                  <a:schemeClr val="tx1"/>
-                </a:solidFill>
-              </a:rPr>
-              <a:t>Training &amp; Validation Data</a:t>
-            </a:r>
-          </a:p>
-        </p:txBody>
-      </p:sp>
-      <p:sp>
-        <p:nvSpPr>
-          <p:cNvPr id="8" name="Rectangle 7">
-            <a:extLst>
-              <a:ext uri="{FF2B5EF4-FFF2-40B4-BE49-F238E27FC236}">
-                <a16:creationId xmlns:a16="http://schemas.microsoft.com/office/drawing/2014/main" id="{E1FEEBBB-8F7E-4B96-9116-917848F1BDE6}"/>
+            <a:endParaRPr lang="en-US"/>
+          </a:p>
+        </p:txBody>
+      </p:sp>
+      <p:sp>
+        <p:nvSpPr>
+          <p:cNvPr id="8" name="Flowchart: Delay 7">
+            <a:extLst>
+              <a:ext uri="{FF2B5EF4-FFF2-40B4-BE49-F238E27FC236}">
+                <a16:creationId xmlns:a16="http://schemas.microsoft.com/office/drawing/2014/main" id="{2E0E7B2C-583C-4299-AE4B-6CD3DCEC99FA}"/>
               </a:ext>
             </a:extLst>
           </p:cNvPr>
@@ -19072,18 +19482,12 @@
         </p:nvSpPr>
         <p:spPr>
           <a:xfrm>
-            <a:off x="1879600" y="3017738"/>
-            <a:ext cx="1041400" cy="906463"/>
-          </a:xfrm>
-          <a:prstGeom prst="rect">
-            <a:avLst/>
-          </a:prstGeom>
-          <a:solidFill>
-            <a:schemeClr val="tx2">
-              <a:lumMod val="40000"/>
-              <a:lumOff val="60000"/>
-            </a:schemeClr>
-          </a:solidFill>
+            <a:off x="4483100" y="2249497"/>
+            <a:ext cx="203200" cy="271462"/>
+          </a:xfrm>
+          <a:prstGeom prst="flowChartDelay">
+            <a:avLst/>
+          </a:prstGeom>
         </p:spPr>
         <p:style>
           <a:lnRef idx="2">
@@ -19106,23 +19510,16 @@
           <a:lstStyle/>
           <a:p>
             <a:pPr algn="ctr"/>
-            <a:r>
-              <a:rPr lang="en-US" sz="1800" dirty="0">
-                <a:solidFill>
-                  <a:schemeClr val="tx1"/>
-                </a:solidFill>
-              </a:rPr>
-              <a:t>Prune</a:t>
-            </a:r>
-          </a:p>
-        </p:txBody>
-      </p:sp>
-      <p:sp>
-        <p:nvSpPr>
-          <p:cNvPr id="9" name="Rectangle 8">
-            <a:extLst>
-              <a:ext uri="{FF2B5EF4-FFF2-40B4-BE49-F238E27FC236}">
-                <a16:creationId xmlns:a16="http://schemas.microsoft.com/office/drawing/2014/main" id="{6867A0B3-70DD-4BDA-8A40-6E21007FB853}"/>
+            <a:endParaRPr lang="en-US"/>
+          </a:p>
+        </p:txBody>
+      </p:sp>
+      <p:sp>
+        <p:nvSpPr>
+          <p:cNvPr id="9" name="Flowchart: Delay 8">
+            <a:extLst>
+              <a:ext uri="{FF2B5EF4-FFF2-40B4-BE49-F238E27FC236}">
+                <a16:creationId xmlns:a16="http://schemas.microsoft.com/office/drawing/2014/main" id="{72CCF11E-183B-4FAE-8672-4D77F067E99B}"/>
               </a:ext>
             </a:extLst>
           </p:cNvPr>
@@ -19131,18 +19528,12 @@
         </p:nvSpPr>
         <p:spPr>
           <a:xfrm>
-            <a:off x="3314702" y="3017738"/>
-            <a:ext cx="1041400" cy="906463"/>
-          </a:xfrm>
-          <a:prstGeom prst="rect">
-            <a:avLst/>
-          </a:prstGeom>
-          <a:solidFill>
-            <a:schemeClr val="tx2">
-              <a:lumMod val="40000"/>
-              <a:lumOff val="60000"/>
-            </a:schemeClr>
-          </a:solidFill>
+            <a:off x="4483100" y="2798772"/>
+            <a:ext cx="203200" cy="271462"/>
+          </a:xfrm>
+          <a:prstGeom prst="flowChartDelay">
+            <a:avLst/>
+          </a:prstGeom>
         </p:spPr>
         <p:style>
           <a:lnRef idx="2">
@@ -19165,157 +19556,35 @@
           <a:lstStyle/>
           <a:p>
             <a:pPr algn="ctr"/>
-            <a:r>
-              <a:rPr lang="en-US" sz="1800" dirty="0">
-                <a:solidFill>
-                  <a:schemeClr val="tx1"/>
-                </a:solidFill>
-              </a:rPr>
-              <a:t>Fine Tune</a:t>
-            </a:r>
-          </a:p>
-        </p:txBody>
-      </p:sp>
-      <p:sp>
-        <p:nvSpPr>
-          <p:cNvPr id="10" name="Rectangle 9">
-            <a:extLst>
-              <a:ext uri="{FF2B5EF4-FFF2-40B4-BE49-F238E27FC236}">
-                <a16:creationId xmlns:a16="http://schemas.microsoft.com/office/drawing/2014/main" id="{75328710-B782-4B93-8E8A-E1AAB98B1616}"/>
-              </a:ext>
-            </a:extLst>
-          </p:cNvPr>
-          <p:cNvSpPr/>
-          <p:nvPr/>
-        </p:nvSpPr>
-        <p:spPr>
-          <a:xfrm>
-            <a:off x="4749804" y="3012181"/>
-            <a:ext cx="1041400" cy="906463"/>
-          </a:xfrm>
-          <a:prstGeom prst="rect">
-            <a:avLst/>
-          </a:prstGeom>
-          <a:solidFill>
-            <a:schemeClr val="tx2">
-              <a:lumMod val="40000"/>
-              <a:lumOff val="60000"/>
-            </a:schemeClr>
-          </a:solidFill>
-        </p:spPr>
-        <p:style>
-          <a:lnRef idx="2">
-            <a:schemeClr val="accent1">
-              <a:shade val="50000"/>
-            </a:schemeClr>
-          </a:lnRef>
-          <a:fillRef idx="1">
-            <a:schemeClr val="accent1"/>
-          </a:fillRef>
-          <a:effectRef idx="0">
-            <a:schemeClr val="accent1"/>
-          </a:effectRef>
-          <a:fontRef idx="minor">
-            <a:schemeClr val="lt1"/>
-          </a:fontRef>
-        </p:style>
-        <p:txBody>
-          <a:bodyPr rtlCol="0" anchor="ctr"/>
-          <a:lstStyle/>
-          <a:p>
-            <a:pPr algn="ctr"/>
-            <a:r>
-              <a:rPr lang="en-US" sz="1800" dirty="0">
-                <a:solidFill>
-                  <a:schemeClr val="tx1"/>
-                </a:solidFill>
-              </a:rPr>
-              <a:t>Quantize</a:t>
-            </a:r>
-          </a:p>
-        </p:txBody>
-      </p:sp>
-      <p:sp>
-        <p:nvSpPr>
-          <p:cNvPr id="11" name="Rectangle 10">
-            <a:extLst>
-              <a:ext uri="{FF2B5EF4-FFF2-40B4-BE49-F238E27FC236}">
-                <a16:creationId xmlns:a16="http://schemas.microsoft.com/office/drawing/2014/main" id="{9FA07850-C71A-4098-93C1-3F8DF617AE1F}"/>
-              </a:ext>
-            </a:extLst>
-          </p:cNvPr>
-          <p:cNvSpPr/>
-          <p:nvPr/>
-        </p:nvSpPr>
-        <p:spPr>
-          <a:xfrm>
-            <a:off x="6184906" y="3012181"/>
-            <a:ext cx="1041400" cy="906463"/>
-          </a:xfrm>
-          <a:prstGeom prst="rect">
-            <a:avLst/>
-          </a:prstGeom>
-          <a:solidFill>
-            <a:schemeClr val="tx2">
-              <a:lumMod val="40000"/>
-              <a:lumOff val="60000"/>
-            </a:schemeClr>
-          </a:solidFill>
-        </p:spPr>
-        <p:style>
-          <a:lnRef idx="2">
-            <a:schemeClr val="accent1">
-              <a:shade val="50000"/>
-            </a:schemeClr>
-          </a:lnRef>
-          <a:fillRef idx="1">
-            <a:schemeClr val="accent1"/>
-          </a:fillRef>
-          <a:effectRef idx="0">
-            <a:schemeClr val="accent1"/>
-          </a:effectRef>
-          <a:fontRef idx="minor">
-            <a:schemeClr val="lt1"/>
-          </a:fontRef>
-        </p:style>
-        <p:txBody>
-          <a:bodyPr rtlCol="0" anchor="ctr"/>
-          <a:lstStyle/>
-          <a:p>
-            <a:pPr algn="ctr"/>
-            <a:r>
-              <a:rPr lang="en-US" sz="1800" dirty="0">
-                <a:solidFill>
-                  <a:schemeClr val="tx1"/>
-                </a:solidFill>
-              </a:rPr>
-              <a:t>Evaluate</a:t>
-            </a:r>
+            <a:endParaRPr lang="en-US"/>
           </a:p>
         </p:txBody>
       </p:sp>
       <p:cxnSp>
         <p:nvCxnSpPr>
-          <p:cNvPr id="13" name="Straight Arrow Connector 12">
-            <a:extLst>
-              <a:ext uri="{FF2B5EF4-FFF2-40B4-BE49-F238E27FC236}">
-                <a16:creationId xmlns:a16="http://schemas.microsoft.com/office/drawing/2014/main" id="{801BFC28-5CAF-4F40-8D42-27C7A5BE584A}"/>
+          <p:cNvPr id="10" name="Connector: Elbow 9">
+            <a:extLst>
+              <a:ext uri="{FF2B5EF4-FFF2-40B4-BE49-F238E27FC236}">
+                <a16:creationId xmlns:a16="http://schemas.microsoft.com/office/drawing/2014/main" id="{942889F5-0518-45E8-9E1B-ED448E8DA8FC}"/>
               </a:ext>
             </a:extLst>
           </p:cNvPr>
           <p:cNvCxnSpPr>
-            <a:stCxn id="6" idx="4"/>
-            <a:endCxn id="8" idx="1"/>
+            <a:cxnSpLocks/>
+            <a:stCxn id="7" idx="3"/>
+            <a:endCxn id="6" idx="1"/>
           </p:cNvCxnSpPr>
           <p:nvPr/>
         </p:nvCxnSpPr>
         <p:spPr>
           <a:xfrm>
-            <a:off x="1346200" y="3465413"/>
-            <a:ext cx="533400" cy="5557"/>
-          </a:xfrm>
-          <a:prstGeom prst="straightConnector1">
-            <a:avLst/>
+            <a:off x="4686300" y="1982003"/>
+            <a:ext cx="647700" cy="320680"/>
+          </a:xfrm>
+          <a:prstGeom prst="bentConnector3">
+            <a:avLst>
+              <a:gd name="adj1" fmla="val 50000"/>
+            </a:avLst>
           </a:prstGeom>
           <a:ln>
             <a:tailEnd type="triangle"/>
@@ -19338,25 +19607,26 @@
       </p:cxnSp>
       <p:cxnSp>
         <p:nvCxnSpPr>
-          <p:cNvPr id="15" name="Straight Arrow Connector 14">
-            <a:extLst>
-              <a:ext uri="{FF2B5EF4-FFF2-40B4-BE49-F238E27FC236}">
-                <a16:creationId xmlns:a16="http://schemas.microsoft.com/office/drawing/2014/main" id="{0BDBE6B3-C784-4939-B447-71E859C52469}"/>
+          <p:cNvPr id="11" name="Connector: Elbow 10">
+            <a:extLst>
+              <a:ext uri="{FF2B5EF4-FFF2-40B4-BE49-F238E27FC236}">
+                <a16:creationId xmlns:a16="http://schemas.microsoft.com/office/drawing/2014/main" id="{90C5E020-CC65-4FB5-9B1C-0BD1A45B2C31}"/>
               </a:ext>
             </a:extLst>
           </p:cNvPr>
           <p:cNvCxnSpPr>
+            <a:cxnSpLocks/>
             <a:stCxn id="8" idx="3"/>
-            <a:endCxn id="9" idx="1"/>
+            <a:endCxn id="6" idx="1"/>
           </p:cNvCxnSpPr>
           <p:nvPr/>
         </p:nvCxnSpPr>
         <p:spPr>
-          <a:xfrm>
-            <a:off x="2921000" y="3470970"/>
-            <a:ext cx="393702" cy="0"/>
-          </a:xfrm>
-          <a:prstGeom prst="straightConnector1">
+          <a:xfrm flipV="1">
+            <a:off x="4686300" y="2302683"/>
+            <a:ext cx="647700" cy="82545"/>
+          </a:xfrm>
+          <a:prstGeom prst="bentConnector3">
             <a:avLst/>
           </a:prstGeom>
           <a:ln>
@@ -19380,26 +19650,26 @@
       </p:cxnSp>
       <p:cxnSp>
         <p:nvCxnSpPr>
-          <p:cNvPr id="17" name="Straight Arrow Connector 16">
-            <a:extLst>
-              <a:ext uri="{FF2B5EF4-FFF2-40B4-BE49-F238E27FC236}">
-                <a16:creationId xmlns:a16="http://schemas.microsoft.com/office/drawing/2014/main" id="{F133D841-54ED-4751-BC90-C8EC9A0B6BA9}"/>
+          <p:cNvPr id="12" name="Connector: Elbow 11">
+            <a:extLst>
+              <a:ext uri="{FF2B5EF4-FFF2-40B4-BE49-F238E27FC236}">
+                <a16:creationId xmlns:a16="http://schemas.microsoft.com/office/drawing/2014/main" id="{D14BCD52-CE8F-4AB4-93C1-675A03C12F94}"/>
               </a:ext>
             </a:extLst>
           </p:cNvPr>
           <p:cNvCxnSpPr>
             <a:cxnSpLocks/>
-            <a:stCxn id="7" idx="3"/>
-            <a:endCxn id="9" idx="0"/>
+            <a:stCxn id="9" idx="3"/>
+            <a:endCxn id="6" idx="1"/>
           </p:cNvCxnSpPr>
           <p:nvPr/>
         </p:nvCxnSpPr>
         <p:spPr>
-          <a:xfrm>
-            <a:off x="3835400" y="2629594"/>
-            <a:ext cx="2" cy="388144"/>
-          </a:xfrm>
-          <a:prstGeom prst="straightConnector1">
+          <a:xfrm flipV="1">
+            <a:off x="4686300" y="2302683"/>
+            <a:ext cx="647700" cy="631820"/>
+          </a:xfrm>
+          <a:prstGeom prst="bentConnector3">
             <a:avLst/>
           </a:prstGeom>
           <a:ln>
@@ -19421,141 +19691,12 @@
           </a:fontRef>
         </p:style>
       </p:cxnSp>
-      <p:cxnSp>
-        <p:nvCxnSpPr>
-          <p:cNvPr id="20" name="Straight Arrow Connector 19">
-            <a:extLst>
-              <a:ext uri="{FF2B5EF4-FFF2-40B4-BE49-F238E27FC236}">
-                <a16:creationId xmlns:a16="http://schemas.microsoft.com/office/drawing/2014/main" id="{619865A5-71E3-4062-B13A-32F81266F383}"/>
-              </a:ext>
-            </a:extLst>
-          </p:cNvPr>
-          <p:cNvCxnSpPr>
-            <a:stCxn id="9" idx="3"/>
-            <a:endCxn id="10" idx="1"/>
-          </p:cNvCxnSpPr>
-          <p:nvPr/>
-        </p:nvCxnSpPr>
-        <p:spPr>
-          <a:xfrm flipV="1">
-            <a:off x="4356102" y="3465413"/>
-            <a:ext cx="393702" cy="5557"/>
-          </a:xfrm>
-          <a:prstGeom prst="straightConnector1">
-            <a:avLst/>
-          </a:prstGeom>
-          <a:ln>
-            <a:tailEnd type="triangle"/>
-          </a:ln>
-        </p:spPr>
-        <p:style>
-          <a:lnRef idx="1">
-            <a:schemeClr val="accent1"/>
-          </a:lnRef>
-          <a:fillRef idx="0">
-            <a:schemeClr val="accent1"/>
-          </a:fillRef>
-          <a:effectRef idx="0">
-            <a:schemeClr val="accent1"/>
-          </a:effectRef>
-          <a:fontRef idx="minor">
-            <a:schemeClr val="tx1"/>
-          </a:fontRef>
-        </p:style>
-      </p:cxnSp>
-      <p:cxnSp>
-        <p:nvCxnSpPr>
-          <p:cNvPr id="22" name="Straight Arrow Connector 21">
-            <a:extLst>
-              <a:ext uri="{FF2B5EF4-FFF2-40B4-BE49-F238E27FC236}">
-                <a16:creationId xmlns:a16="http://schemas.microsoft.com/office/drawing/2014/main" id="{9DC0D439-6748-4B62-865B-1AAE637C6D9B}"/>
-              </a:ext>
-            </a:extLst>
-          </p:cNvPr>
-          <p:cNvCxnSpPr>
-            <a:stCxn id="10" idx="3"/>
-            <a:endCxn id="11" idx="1"/>
-          </p:cNvCxnSpPr>
-          <p:nvPr/>
-        </p:nvCxnSpPr>
-        <p:spPr>
-          <a:xfrm>
-            <a:off x="5791204" y="3465413"/>
-            <a:ext cx="393702" cy="0"/>
-          </a:xfrm>
-          <a:prstGeom prst="straightConnector1">
-            <a:avLst/>
-          </a:prstGeom>
-          <a:ln>
-            <a:tailEnd type="triangle"/>
-          </a:ln>
-        </p:spPr>
-        <p:style>
-          <a:lnRef idx="1">
-            <a:schemeClr val="accent1"/>
-          </a:lnRef>
-          <a:fillRef idx="0">
-            <a:schemeClr val="accent1"/>
-          </a:fillRef>
-          <a:effectRef idx="0">
-            <a:schemeClr val="accent1"/>
-          </a:effectRef>
-          <a:fontRef idx="minor">
-            <a:schemeClr val="tx1"/>
-          </a:fontRef>
-        </p:style>
-      </p:cxnSp>
-      <p:cxnSp>
-        <p:nvCxnSpPr>
-          <p:cNvPr id="24" name="Connector: Elbow 23">
-            <a:extLst>
-              <a:ext uri="{FF2B5EF4-FFF2-40B4-BE49-F238E27FC236}">
-                <a16:creationId xmlns:a16="http://schemas.microsoft.com/office/drawing/2014/main" id="{9B0C4E52-DFD9-4644-B964-BE5B5DF7B52E}"/>
-              </a:ext>
-            </a:extLst>
-          </p:cNvPr>
-          <p:cNvCxnSpPr>
-            <a:stCxn id="9" idx="3"/>
-            <a:endCxn id="8" idx="2"/>
-          </p:cNvCxnSpPr>
-          <p:nvPr/>
-        </p:nvCxnSpPr>
-        <p:spPr>
-          <a:xfrm flipH="1">
-            <a:off x="2400300" y="3470970"/>
-            <a:ext cx="1955802" cy="453231"/>
-          </a:xfrm>
-          <a:prstGeom prst="bentConnector4">
-            <a:avLst>
-              <a:gd name="adj1" fmla="val -11688"/>
-              <a:gd name="adj2" fmla="val 150438"/>
-            </a:avLst>
-          </a:prstGeom>
-          <a:ln>
-            <a:tailEnd type="triangle"/>
-          </a:ln>
-        </p:spPr>
-        <p:style>
-          <a:lnRef idx="1">
-            <a:schemeClr val="accent1"/>
-          </a:lnRef>
-          <a:fillRef idx="0">
-            <a:schemeClr val="accent1"/>
-          </a:fillRef>
-          <a:effectRef idx="0">
-            <a:schemeClr val="accent1"/>
-          </a:effectRef>
-          <a:fontRef idx="minor">
-            <a:schemeClr val="tx1"/>
-          </a:fontRef>
-        </p:style>
-      </p:cxnSp>
-      <p:sp>
-        <p:nvSpPr>
-          <p:cNvPr id="25" name="TextBox 24">
-            <a:extLst>
-              <a:ext uri="{FF2B5EF4-FFF2-40B4-BE49-F238E27FC236}">
-                <a16:creationId xmlns:a16="http://schemas.microsoft.com/office/drawing/2014/main" id="{7BD84FAF-D887-4DB8-97D1-9B923846146A}"/>
+      <p:sp>
+        <p:nvSpPr>
+          <p:cNvPr id="13" name="TextBox 12">
+            <a:extLst>
+              <a:ext uri="{FF2B5EF4-FFF2-40B4-BE49-F238E27FC236}">
+                <a16:creationId xmlns:a16="http://schemas.microsoft.com/office/drawing/2014/main" id="{8ABE1137-B0AC-4007-BBCC-2B46C7BB55F1}"/>
               </a:ext>
             </a:extLst>
           </p:cNvPr>
@@ -19563,9 +19704,9 @@
           <p:nvPr/>
         </p:nvSpPr>
         <p:spPr>
-          <a:xfrm>
-            <a:off x="3028952" y="4131954"/>
-            <a:ext cx="738407" cy="338554"/>
+          <a:xfrm rot="16200000">
+            <a:off x="4300999" y="2505977"/>
+            <a:ext cx="364202" cy="307777"/>
           </a:xfrm>
           <a:prstGeom prst="rect">
             <a:avLst/>
@@ -19579,20 +19720,18 @@
           <a:lstStyle/>
           <a:p>
             <a:r>
-              <a:rPr lang="en-US" sz="1600" dirty="0">
-                <a:latin typeface="+mj-lt"/>
-              </a:rPr>
-              <a:t>Iterate</a:t>
-            </a:r>
-          </a:p>
-        </p:txBody>
-      </p:sp>
-      <p:sp>
-        <p:nvSpPr>
-          <p:cNvPr id="26" name="Cylinder 25">
-            <a:extLst>
-              <a:ext uri="{FF2B5EF4-FFF2-40B4-BE49-F238E27FC236}">
-                <a16:creationId xmlns:a16="http://schemas.microsoft.com/office/drawing/2014/main" id="{CADD4802-EA18-40BA-9ADF-2FD309558FF1}"/>
+              <a:rPr lang="en-US" sz="1400" dirty="0"/>
+              <a:t>…</a:t>
+            </a:r>
+          </a:p>
+        </p:txBody>
+      </p:sp>
+      <p:sp>
+        <p:nvSpPr>
+          <p:cNvPr id="14" name="Rectangle 13">
+            <a:extLst>
+              <a:ext uri="{FF2B5EF4-FFF2-40B4-BE49-F238E27FC236}">
+                <a16:creationId xmlns:a16="http://schemas.microsoft.com/office/drawing/2014/main" id="{583F53BF-12E9-49C4-9944-EBB2E9C41DC9}"/>
               </a:ext>
             </a:extLst>
           </p:cNvPr>
@@ -19601,18 +19740,13 @@
         </p:nvSpPr>
         <p:spPr>
           <a:xfrm>
-            <a:off x="6184906" y="1486594"/>
-            <a:ext cx="1041400" cy="1143000"/>
-          </a:xfrm>
-          <a:prstGeom prst="can">
-            <a:avLst/>
-          </a:prstGeom>
-          <a:solidFill>
-            <a:schemeClr val="tx2">
-              <a:lumMod val="40000"/>
-              <a:lumOff val="60000"/>
-            </a:schemeClr>
-          </a:solidFill>
+            <a:off x="3105150" y="1582755"/>
+            <a:ext cx="838200" cy="465130"/>
+          </a:xfrm>
+          <a:prstGeom prst="rect">
+            <a:avLst/>
+          </a:prstGeom>
+          <a:noFill/>
         </p:spPr>
         <p:style>
           <a:lnRef idx="2">
@@ -19636,22 +19770,22 @@
           <a:p>
             <a:pPr algn="ctr"/>
             <a:r>
-              <a:rPr lang="en-US" sz="1600" dirty="0">
+              <a:rPr lang="en-US" dirty="0">
                 <a:solidFill>
                   <a:schemeClr val="tx1"/>
                 </a:solidFill>
               </a:rPr>
-              <a:t>Test Data</a:t>
-            </a:r>
-          </a:p>
-        </p:txBody>
-      </p:sp>
-      <p:sp>
-        <p:nvSpPr>
-          <p:cNvPr id="27" name="Rectangle 26">
-            <a:extLst>
-              <a:ext uri="{FF2B5EF4-FFF2-40B4-BE49-F238E27FC236}">
-                <a16:creationId xmlns:a16="http://schemas.microsoft.com/office/drawing/2014/main" id="{2A566007-65E1-48BC-BB87-A1F344C54253}"/>
+              <a:t>SNG</a:t>
+            </a:r>
+          </a:p>
+        </p:txBody>
+      </p:sp>
+      <p:sp>
+        <p:nvSpPr>
+          <p:cNvPr id="15" name="Rectangle 14">
+            <a:extLst>
+              <a:ext uri="{FF2B5EF4-FFF2-40B4-BE49-F238E27FC236}">
+                <a16:creationId xmlns:a16="http://schemas.microsoft.com/office/drawing/2014/main" id="{A0D40DBF-B96A-4456-9683-8FEC4518BC3A}"/>
               </a:ext>
             </a:extLst>
           </p:cNvPr>
@@ -19660,18 +19794,13 @@
         </p:nvSpPr>
         <p:spPr>
           <a:xfrm>
-            <a:off x="7620000" y="3008797"/>
-            <a:ext cx="1041400" cy="906463"/>
+            <a:off x="3092450" y="2168143"/>
+            <a:ext cx="838200" cy="465130"/>
           </a:xfrm>
           <a:prstGeom prst="rect">
             <a:avLst/>
           </a:prstGeom>
-          <a:solidFill>
-            <a:schemeClr val="tx2">
-              <a:lumMod val="40000"/>
-              <a:lumOff val="60000"/>
-            </a:schemeClr>
-          </a:solidFill>
+          <a:noFill/>
         </p:spPr>
         <p:style>
           <a:lnRef idx="2">
@@ -19695,258 +19824,37 @@
           <a:p>
             <a:pPr algn="ctr"/>
             <a:r>
-              <a:rPr lang="en-US" sz="1800" dirty="0">
+              <a:rPr lang="en-US" dirty="0">
                 <a:solidFill>
                   <a:schemeClr val="tx1"/>
                 </a:solidFill>
               </a:rPr>
-              <a:t>Submit</a:t>
-            </a:r>
-          </a:p>
-        </p:txBody>
-      </p:sp>
-      <p:cxnSp>
-        <p:nvCxnSpPr>
-          <p:cNvPr id="28" name="Straight Arrow Connector 27">
-            <a:extLst>
-              <a:ext uri="{FF2B5EF4-FFF2-40B4-BE49-F238E27FC236}">
-                <a16:creationId xmlns:a16="http://schemas.microsoft.com/office/drawing/2014/main" id="{D0DD23CA-35A6-4B96-9427-1B1AEFC56C77}"/>
-              </a:ext>
-            </a:extLst>
-          </p:cNvPr>
-          <p:cNvCxnSpPr>
-            <a:cxnSpLocks/>
-            <a:stCxn id="11" idx="3"/>
-            <a:endCxn id="27" idx="1"/>
-          </p:cNvCxnSpPr>
-          <p:nvPr/>
-        </p:nvCxnSpPr>
-        <p:spPr>
-          <a:xfrm flipV="1">
-            <a:off x="7226306" y="3462029"/>
-            <a:ext cx="393694" cy="3384"/>
-          </a:xfrm>
-          <a:prstGeom prst="straightConnector1">
-            <a:avLst/>
-          </a:prstGeom>
-          <a:ln>
-            <a:tailEnd type="triangle"/>
-          </a:ln>
-        </p:spPr>
-        <p:style>
-          <a:lnRef idx="1">
-            <a:schemeClr val="accent1"/>
-          </a:lnRef>
-          <a:fillRef idx="0">
-            <a:schemeClr val="accent1"/>
-          </a:fillRef>
-          <a:effectRef idx="0">
-            <a:schemeClr val="accent1"/>
-          </a:effectRef>
-          <a:fontRef idx="minor">
-            <a:schemeClr val="tx1"/>
-          </a:fontRef>
-        </p:style>
-      </p:cxnSp>
-      <p:cxnSp>
-        <p:nvCxnSpPr>
-          <p:cNvPr id="33" name="Connector: Elbow 32">
-            <a:extLst>
-              <a:ext uri="{FF2B5EF4-FFF2-40B4-BE49-F238E27FC236}">
-                <a16:creationId xmlns:a16="http://schemas.microsoft.com/office/drawing/2014/main" id="{A21686B6-7DDA-42E9-B850-AC42C8CA1B79}"/>
-              </a:ext>
-            </a:extLst>
-          </p:cNvPr>
-          <p:cNvCxnSpPr>
-            <a:cxnSpLocks/>
-            <a:stCxn id="11" idx="3"/>
-            <a:endCxn id="10" idx="2"/>
-          </p:cNvCxnSpPr>
-          <p:nvPr/>
-        </p:nvCxnSpPr>
-        <p:spPr>
-          <a:xfrm flipH="1">
-            <a:off x="5270504" y="3465413"/>
-            <a:ext cx="1955802" cy="453231"/>
-          </a:xfrm>
-          <a:prstGeom prst="bentConnector4">
-            <a:avLst>
-              <a:gd name="adj1" fmla="val -11688"/>
-              <a:gd name="adj2" fmla="val 189668"/>
-            </a:avLst>
-          </a:prstGeom>
-          <a:ln>
-            <a:tailEnd type="triangle"/>
-          </a:ln>
-        </p:spPr>
-        <p:style>
-          <a:lnRef idx="1">
-            <a:schemeClr val="accent1"/>
-          </a:lnRef>
-          <a:fillRef idx="0">
-            <a:schemeClr val="accent1"/>
-          </a:fillRef>
-          <a:effectRef idx="0">
-            <a:schemeClr val="accent1"/>
-          </a:effectRef>
-          <a:fontRef idx="minor">
-            <a:schemeClr val="tx1"/>
-          </a:fontRef>
-        </p:style>
-      </p:cxnSp>
-      <p:cxnSp>
-        <p:nvCxnSpPr>
-          <p:cNvPr id="38" name="Connector: Elbow 37">
-            <a:extLst>
-              <a:ext uri="{FF2B5EF4-FFF2-40B4-BE49-F238E27FC236}">
-                <a16:creationId xmlns:a16="http://schemas.microsoft.com/office/drawing/2014/main" id="{D1DDFC4A-7861-4D4E-BA76-488A87C2E4AF}"/>
-              </a:ext>
-            </a:extLst>
-          </p:cNvPr>
-          <p:cNvCxnSpPr>
-            <a:stCxn id="11" idx="3"/>
-            <a:endCxn id="11" idx="2"/>
-          </p:cNvCxnSpPr>
-          <p:nvPr/>
-        </p:nvCxnSpPr>
-        <p:spPr>
-          <a:xfrm flipH="1">
-            <a:off x="6705606" y="3465413"/>
-            <a:ext cx="520700" cy="453231"/>
-          </a:xfrm>
-          <a:prstGeom prst="bentConnector4">
-            <a:avLst>
-              <a:gd name="adj1" fmla="val -43902"/>
-              <a:gd name="adj2" fmla="val 150438"/>
-            </a:avLst>
-          </a:prstGeom>
-          <a:ln>
-            <a:tailEnd type="triangle"/>
-          </a:ln>
-        </p:spPr>
-        <p:style>
-          <a:lnRef idx="1">
-            <a:schemeClr val="accent1"/>
-          </a:lnRef>
-          <a:fillRef idx="0">
-            <a:schemeClr val="accent1"/>
-          </a:fillRef>
-          <a:effectRef idx="0">
-            <a:schemeClr val="accent1"/>
-          </a:effectRef>
-          <a:fontRef idx="minor">
-            <a:schemeClr val="tx1"/>
-          </a:fontRef>
-        </p:style>
-      </p:cxnSp>
-      <p:sp>
-        <p:nvSpPr>
-          <p:cNvPr id="39" name="TextBox 38">
-            <a:extLst>
-              <a:ext uri="{FF2B5EF4-FFF2-40B4-BE49-F238E27FC236}">
-                <a16:creationId xmlns:a16="http://schemas.microsoft.com/office/drawing/2014/main" id="{74BB971E-097A-467E-A9FE-082FFAD63B6F}"/>
-              </a:ext>
-            </a:extLst>
-          </p:cNvPr>
-          <p:cNvSpPr txBox="1"/>
-          <p:nvPr/>
-        </p:nvSpPr>
-        <p:spPr>
-          <a:xfrm>
-            <a:off x="5863075" y="4054546"/>
-            <a:ext cx="738407" cy="338554"/>
+              <a:t>SNG</a:t>
+            </a:r>
+          </a:p>
+        </p:txBody>
+      </p:sp>
+      <p:sp>
+        <p:nvSpPr>
+          <p:cNvPr id="16" name="Rectangle 15">
+            <a:extLst>
+              <a:ext uri="{FF2B5EF4-FFF2-40B4-BE49-F238E27FC236}">
+                <a16:creationId xmlns:a16="http://schemas.microsoft.com/office/drawing/2014/main" id="{7A2AF183-C23F-492A-8FEB-629B05D0F462}"/>
+              </a:ext>
+            </a:extLst>
+          </p:cNvPr>
+          <p:cNvSpPr/>
+          <p:nvPr/>
+        </p:nvSpPr>
+        <p:spPr>
+          <a:xfrm>
+            <a:off x="3105150" y="2934503"/>
+            <a:ext cx="838200" cy="465130"/>
           </a:xfrm>
           <a:prstGeom prst="rect">
             <a:avLst/>
           </a:prstGeom>
           <a:noFill/>
-        </p:spPr>
-        <p:txBody>
-          <a:bodyPr wrap="none" rtlCol="0">
-            <a:spAutoFit/>
-          </a:bodyPr>
-          <a:lstStyle/>
-          <a:p>
-            <a:r>
-              <a:rPr lang="en-US" sz="1600" dirty="0">
-                <a:latin typeface="+mj-lt"/>
-              </a:rPr>
-              <a:t>Iterate</a:t>
-            </a:r>
-          </a:p>
-        </p:txBody>
-      </p:sp>
-      <p:cxnSp>
-        <p:nvCxnSpPr>
-          <p:cNvPr id="41" name="Connector: Elbow 40">
-            <a:extLst>
-              <a:ext uri="{FF2B5EF4-FFF2-40B4-BE49-F238E27FC236}">
-                <a16:creationId xmlns:a16="http://schemas.microsoft.com/office/drawing/2014/main" id="{57CB5912-EA38-4785-B5ED-C0E7E46FB02F}"/>
-              </a:ext>
-            </a:extLst>
-          </p:cNvPr>
-          <p:cNvCxnSpPr>
-            <a:stCxn id="11" idx="3"/>
-            <a:endCxn id="8" idx="2"/>
-          </p:cNvCxnSpPr>
-          <p:nvPr/>
-        </p:nvCxnSpPr>
-        <p:spPr>
-          <a:xfrm flipH="1">
-            <a:off x="2400300" y="3465413"/>
-            <a:ext cx="4826006" cy="458788"/>
-          </a:xfrm>
-          <a:prstGeom prst="bentConnector4">
-            <a:avLst>
-              <a:gd name="adj1" fmla="val -4737"/>
-              <a:gd name="adj2" fmla="val 224567"/>
-            </a:avLst>
-          </a:prstGeom>
-          <a:ln>
-            <a:tailEnd type="triangle"/>
-          </a:ln>
-        </p:spPr>
-        <p:style>
-          <a:lnRef idx="1">
-            <a:schemeClr val="accent1"/>
-          </a:lnRef>
-          <a:fillRef idx="0">
-            <a:schemeClr val="accent1"/>
-          </a:fillRef>
-          <a:effectRef idx="0">
-            <a:schemeClr val="accent1"/>
-          </a:effectRef>
-          <a:fontRef idx="minor">
-            <a:schemeClr val="tx1"/>
-          </a:fontRef>
-        </p:style>
-      </p:cxnSp>
-      <p:sp>
-        <p:nvSpPr>
-          <p:cNvPr id="46" name="Rectangle 45">
-            <a:extLst>
-              <a:ext uri="{FF2B5EF4-FFF2-40B4-BE49-F238E27FC236}">
-                <a16:creationId xmlns:a16="http://schemas.microsoft.com/office/drawing/2014/main" id="{4CCF0AE3-5CA8-4515-AC31-778890916631}"/>
-              </a:ext>
-            </a:extLst>
-          </p:cNvPr>
-          <p:cNvSpPr/>
-          <p:nvPr/>
-        </p:nvSpPr>
-        <p:spPr>
-          <a:xfrm>
-            <a:off x="298344" y="1604862"/>
-            <a:ext cx="1041400" cy="906463"/>
-          </a:xfrm>
-          <a:prstGeom prst="rect">
-            <a:avLst/>
-          </a:prstGeom>
-          <a:solidFill>
-            <a:schemeClr val="accent3">
-              <a:lumMod val="40000"/>
-              <a:lumOff val="60000"/>
-            </a:schemeClr>
-          </a:solidFill>
         </p:spPr>
         <p:style>
           <a:lnRef idx="2">
@@ -19970,43 +19878,36 @@
           <a:p>
             <a:pPr algn="ctr"/>
             <a:r>
-              <a:rPr lang="en-US" sz="1800" dirty="0">
+              <a:rPr lang="en-US" dirty="0">
                 <a:solidFill>
                   <a:schemeClr val="tx1"/>
                 </a:solidFill>
               </a:rPr>
-              <a:t>Train from scratch</a:t>
-            </a:r>
-          </a:p>
-        </p:txBody>
-      </p:sp>
-      <p:cxnSp>
-        <p:nvCxnSpPr>
-          <p:cNvPr id="48" name="Straight Arrow Connector 47">
-            <a:extLst>
-              <a:ext uri="{FF2B5EF4-FFF2-40B4-BE49-F238E27FC236}">
-                <a16:creationId xmlns:a16="http://schemas.microsoft.com/office/drawing/2014/main" id="{56AA055D-D7D2-423B-B11F-FCFE4FA02446}"/>
-              </a:ext>
-            </a:extLst>
-          </p:cNvPr>
-          <p:cNvCxnSpPr>
-            <a:cxnSpLocks/>
-            <a:stCxn id="7" idx="2"/>
-            <a:endCxn id="46" idx="3"/>
-          </p:cNvCxnSpPr>
-          <p:nvPr/>
-        </p:nvCxnSpPr>
-        <p:spPr>
-          <a:xfrm flipH="1">
-            <a:off x="1339744" y="2058094"/>
-            <a:ext cx="1974956" cy="0"/>
-          </a:xfrm>
-          <a:prstGeom prst="straightConnector1">
-            <a:avLst/>
-          </a:prstGeom>
-          <a:ln>
-            <a:tailEnd type="triangle"/>
-          </a:ln>
+              <a:t>SNG</a:t>
+            </a:r>
+          </a:p>
+        </p:txBody>
+      </p:sp>
+      <p:sp>
+        <p:nvSpPr>
+          <p:cNvPr id="17" name="Right Brace 16">
+            <a:extLst>
+              <a:ext uri="{FF2B5EF4-FFF2-40B4-BE49-F238E27FC236}">
+                <a16:creationId xmlns:a16="http://schemas.microsoft.com/office/drawing/2014/main" id="{76FB8520-D720-48C3-A89D-6589178698EA}"/>
+              </a:ext>
+            </a:extLst>
+          </p:cNvPr>
+          <p:cNvSpPr/>
+          <p:nvPr/>
+        </p:nvSpPr>
+        <p:spPr>
+          <a:xfrm>
+            <a:off x="4051299" y="1682758"/>
+            <a:ext cx="277911" cy="1716875"/>
+          </a:xfrm>
+          <a:prstGeom prst="rightBrace">
+            <a:avLst/>
+          </a:prstGeom>
         </p:spPr>
         <p:style>
           <a:lnRef idx="1">
@@ -20022,102 +19923,61 @@
             <a:schemeClr val="tx1"/>
           </a:fontRef>
         </p:style>
-      </p:cxnSp>
-      <p:cxnSp>
-        <p:nvCxnSpPr>
-          <p:cNvPr id="51" name="Straight Arrow Connector 50">
-            <a:extLst>
-              <a:ext uri="{FF2B5EF4-FFF2-40B4-BE49-F238E27FC236}">
-                <a16:creationId xmlns:a16="http://schemas.microsoft.com/office/drawing/2014/main" id="{14DB9F3C-1079-4D34-B766-E5B362612522}"/>
-              </a:ext>
-            </a:extLst>
-          </p:cNvPr>
-          <p:cNvCxnSpPr>
-            <a:stCxn id="46" idx="2"/>
-            <a:endCxn id="6" idx="1"/>
-          </p:cNvCxnSpPr>
-          <p:nvPr/>
-        </p:nvCxnSpPr>
-        <p:spPr>
-          <a:xfrm>
-            <a:off x="819044" y="2511325"/>
-            <a:ext cx="6456" cy="382588"/>
-          </a:xfrm>
-          <a:prstGeom prst="straightConnector1">
-            <a:avLst/>
-          </a:prstGeom>
-          <a:ln>
-            <a:tailEnd type="triangle"/>
-          </a:ln>
-        </p:spPr>
-        <p:style>
-          <a:lnRef idx="1">
-            <a:schemeClr val="accent1"/>
-          </a:lnRef>
-          <a:fillRef idx="0">
-            <a:schemeClr val="accent1"/>
-          </a:fillRef>
-          <a:effectRef idx="0">
-            <a:schemeClr val="accent1"/>
-          </a:effectRef>
-          <a:fontRef idx="minor">
-            <a:schemeClr val="tx1"/>
-          </a:fontRef>
-        </p:style>
-      </p:cxnSp>
-      <p:cxnSp>
-        <p:nvCxnSpPr>
-          <p:cNvPr id="53" name="Straight Arrow Connector 52">
-            <a:extLst>
-              <a:ext uri="{FF2B5EF4-FFF2-40B4-BE49-F238E27FC236}">
-                <a16:creationId xmlns:a16="http://schemas.microsoft.com/office/drawing/2014/main" id="{A90D4B7B-4522-4182-B719-58E54BE5CC62}"/>
-              </a:ext>
-            </a:extLst>
-          </p:cNvPr>
-          <p:cNvCxnSpPr>
-            <a:stCxn id="26" idx="3"/>
-            <a:endCxn id="11" idx="0"/>
-          </p:cNvCxnSpPr>
-          <p:nvPr/>
-        </p:nvCxnSpPr>
-        <p:spPr>
-          <a:xfrm>
-            <a:off x="6705606" y="2629594"/>
-            <a:ext cx="0" cy="382587"/>
-          </a:xfrm>
-          <a:prstGeom prst="straightConnector1">
-            <a:avLst/>
-          </a:prstGeom>
-          <a:ln>
-            <a:tailEnd type="triangle"/>
-          </a:ln>
-        </p:spPr>
-        <p:style>
-          <a:lnRef idx="1">
-            <a:schemeClr val="accent1"/>
-          </a:lnRef>
-          <a:fillRef idx="0">
-            <a:schemeClr val="accent1"/>
-          </a:fillRef>
-          <a:effectRef idx="0">
-            <a:schemeClr val="accent1"/>
-          </a:effectRef>
-          <a:fontRef idx="minor">
-            <a:schemeClr val="tx1"/>
-          </a:fontRef>
-        </p:style>
-      </p:cxnSp>
+        <p:txBody>
+          <a:bodyPr rtlCol="0" anchor="ctr"/>
+          <a:lstStyle/>
+          <a:p>
+            <a:pPr algn="ctr"/>
+            <a:endParaRPr lang="en-US"/>
+          </a:p>
+        </p:txBody>
+      </p:sp>
+      <p:sp>
+        <p:nvSpPr>
+          <p:cNvPr id="18" name="TextBox 17">
+            <a:extLst>
+              <a:ext uri="{FF2B5EF4-FFF2-40B4-BE49-F238E27FC236}">
+                <a16:creationId xmlns:a16="http://schemas.microsoft.com/office/drawing/2014/main" id="{FF5CEC85-DFF4-4BA9-8937-CA09AA2561DC}"/>
+              </a:ext>
+            </a:extLst>
+          </p:cNvPr>
+          <p:cNvSpPr txBox="1"/>
+          <p:nvPr/>
+        </p:nvSpPr>
+        <p:spPr>
+          <a:xfrm rot="16200000">
+            <a:off x="3270811" y="2619154"/>
+            <a:ext cx="364202" cy="307777"/>
+          </a:xfrm>
+          <a:prstGeom prst="rect">
+            <a:avLst/>
+          </a:prstGeom>
+          <a:noFill/>
+        </p:spPr>
+        <p:txBody>
+          <a:bodyPr wrap="none" rtlCol="0">
+            <a:spAutoFit/>
+          </a:bodyPr>
+          <a:lstStyle/>
+          <a:p>
+            <a:r>
+              <a:rPr lang="en-US" sz="1400" dirty="0"/>
+              <a:t>…</a:t>
+            </a:r>
+          </a:p>
+        </p:txBody>
+      </p:sp>
     </p:spTree>
     <p:extLst>
       <p:ext uri="{BB962C8B-B14F-4D97-AF65-F5344CB8AC3E}">
-        <p14:creationId xmlns:p14="http://schemas.microsoft.com/office/powerpoint/2010/main" val="2704794761"/>
+        <p14:creationId xmlns:p14="http://schemas.microsoft.com/office/powerpoint/2010/main" val="3068626697"/>
       </p:ext>
     </p:extLst>
   </p:cSld>
   <p:clrMapOvr>
     <a:masterClrMapping/>
   </p:clrMapOvr>
-  <p:transition/>
+  <p:transition advTm="54437"/>
 </p:sld>
 </file>
 
@@ -20140,10 +20000,59 @@
       </p:grpSpPr>
       <p:sp>
         <p:nvSpPr>
+          <p:cNvPr id="54" name="TextBox 53">
+            <a:extLst>
+              <a:ext uri="{FF2B5EF4-FFF2-40B4-BE49-F238E27FC236}">
+                <a16:creationId xmlns:a16="http://schemas.microsoft.com/office/drawing/2014/main" id="{0196DDCF-BF62-4657-BAD7-DE26166B440D}"/>
+              </a:ext>
+            </a:extLst>
+          </p:cNvPr>
+          <p:cNvSpPr txBox="1"/>
+          <p:nvPr/>
+        </p:nvSpPr>
+        <p:spPr>
+          <a:xfrm>
+            <a:off x="4098861" y="1064090"/>
+            <a:ext cx="2603232" cy="461665"/>
+          </a:xfrm>
+          <a:prstGeom prst="rect">
+            <a:avLst/>
+          </a:prstGeom>
+          <a:noFill/>
+        </p:spPr>
+        <p:txBody>
+          <a:bodyPr wrap="square" rtlCol="0">
+            <a:spAutoFit/>
+          </a:bodyPr>
+          <a:lstStyle/>
+          <a:p>
+            <a:r>
+              <a:rPr lang="en-US" sz="1200" dirty="0">
+                <a:latin typeface="+mj-lt"/>
+              </a:rPr>
+              <a:t>[</a:t>
+            </a:r>
+            <a:r>
+              <a:rPr lang="en-US" sz="1200" dirty="0" err="1">
+                <a:latin typeface="+mj-lt"/>
+              </a:rPr>
+              <a:t>TinyMLPerf</a:t>
+            </a:r>
+            <a:r>
+              <a:rPr lang="en-US" sz="1200" dirty="0">
+                <a:latin typeface="+mj-lt"/>
+              </a:rPr>
+              <a:t> Visual wake words from https://github.com/mlcommons/tiny]</a:t>
+            </a:r>
+          </a:p>
+        </p:txBody>
+      </p:sp>
+      <p:sp>
+        <p:nvSpPr>
           <p:cNvPr id="2" name="Title 1">
             <a:extLst>
               <a:ext uri="{FF2B5EF4-FFF2-40B4-BE49-F238E27FC236}">
-                <a16:creationId xmlns:a16="http://schemas.microsoft.com/office/drawing/2014/main" id="{90517FCB-3345-40FF-AFCA-30212839B0FA}"/>
+                <a16:creationId xmlns:a16="http://schemas.microsoft.com/office/drawing/2014/main" id="{AE361BDE-EA78-478B-9ADC-3E3FCFCD3A4F}"/>
               </a:ext>
             </a:extLst>
           </p:cNvPr>
@@ -20161,7 +20070,7 @@
           <a:p>
             <a:r>
               <a:rPr lang="en-US" dirty="0"/>
-              <a:t>Evaluation</a:t>
+              <a:t>Hackathon Flow</a:t>
             </a:r>
           </a:p>
         </p:txBody>
@@ -20171,7 +20080,7 @@
           <p:cNvPr id="3" name="Content Placeholder 2">
             <a:extLst>
               <a:ext uri="{FF2B5EF4-FFF2-40B4-BE49-F238E27FC236}">
-                <a16:creationId xmlns:a16="http://schemas.microsoft.com/office/drawing/2014/main" id="{9B03EA02-EC07-439E-9313-BA0988770E4F}"/>
+                <a16:creationId xmlns:a16="http://schemas.microsoft.com/office/drawing/2014/main" id="{28F9DC29-1E5B-4C86-93CB-190B7F6EF93C}"/>
               </a:ext>
             </a:extLst>
           </p:cNvPr>
@@ -20182,74 +20091,39 @@
             <p:ph idx="1"/>
           </p:nvPr>
         </p:nvSpPr>
-        <p:spPr/>
+        <p:spPr>
+          <a:xfrm>
+            <a:off x="457200" y="4620905"/>
+            <a:ext cx="8229600" cy="1950241"/>
+          </a:xfrm>
+        </p:spPr>
         <p:txBody>
           <a:bodyPr/>
           <a:lstStyle/>
           <a:p>
             <a:r>
-              <a:rPr lang="en-US" dirty="0"/>
-              <a:t>Accuracy is determined with test images</a:t>
+              <a:rPr lang="en-US" sz="2800" dirty="0"/>
+              <a:t>HW requirement</a:t>
             </a:r>
           </a:p>
           <a:p>
             <a:pPr lvl="1"/>
             <a:r>
-              <a:rPr lang="en-US" dirty="0"/>
-              <a:t>Set of 100, not included in training or validation</a:t>
+              <a:rPr lang="en-US" sz="2400" dirty="0"/>
+              <a:t>Decently-fast CPU will suffice for required tasks</a:t>
+            </a:r>
+          </a:p>
+          <a:p>
+            <a:r>
+              <a:rPr lang="en-US" sz="2800" dirty="0"/>
+              <a:t>Train from scratch (optional)</a:t>
             </a:r>
           </a:p>
           <a:p>
             <a:pPr lvl="1"/>
             <a:r>
-              <a:rPr lang="en-US" dirty="0"/>
-              <a:t>Julia script uses </a:t>
-            </a:r>
-            <a:r>
-              <a:rPr lang="en-US" dirty="0" err="1"/>
-              <a:t>BitSAD</a:t>
-            </a:r>
-            <a:r>
-              <a:rPr lang="en-US" dirty="0"/>
-              <a:t> to estimate accuracy</a:t>
-            </a:r>
-          </a:p>
-          <a:p>
-            <a:pPr lvl="1"/>
-            <a:r>
-              <a:rPr lang="en-US" dirty="0"/>
-              <a:t>Accuracy drops from pruning</a:t>
-            </a:r>
-            <a:r>
-              <a:rPr lang="en-US"/>
-              <a:t>, quantization</a:t>
-            </a:r>
-            <a:endParaRPr lang="en-US" dirty="0"/>
-          </a:p>
-          <a:p>
-            <a:r>
-              <a:rPr lang="en-US" dirty="0"/>
-              <a:t>Cost is measured as relative silicon area</a:t>
-            </a:r>
-          </a:p>
-          <a:p>
-            <a:pPr lvl="1"/>
-            <a:r>
-              <a:rPr lang="en-US" dirty="0"/>
-              <a:t>We provide Julia script for this</a:t>
-            </a:r>
-          </a:p>
-          <a:p>
-            <a:r>
-              <a:rPr lang="en-US" dirty="0"/>
-              <a:t>Energy is measured per inference (image)</a:t>
-            </a:r>
-          </a:p>
-          <a:p>
-            <a:pPr lvl="1"/>
-            <a:r>
-              <a:rPr lang="en-US" dirty="0"/>
-              <a:t>We also provide a script for this</a:t>
+              <a:rPr lang="en-US" sz="2400" dirty="0"/>
+              <a:t>Fast GPU (GTX1080 ~1.5 hours)</a:t>
             </a:r>
           </a:p>
         </p:txBody>
@@ -20259,7 +20133,7 @@
           <p:cNvPr id="4" name="Footer Placeholder 3">
             <a:extLst>
               <a:ext uri="{FF2B5EF4-FFF2-40B4-BE49-F238E27FC236}">
-                <a16:creationId xmlns:a16="http://schemas.microsoft.com/office/drawing/2014/main" id="{820F5114-3EB2-4C02-B0F2-B2CC6FD83648}"/>
+                <a16:creationId xmlns:a16="http://schemas.microsoft.com/office/drawing/2014/main" id="{792A244E-D86C-41A9-B3E7-6F0675DC6299}"/>
               </a:ext>
             </a:extLst>
           </p:cNvPr>
@@ -20287,7 +20161,7 @@
           <p:cNvPr id="5" name="Slide Number Placeholder 4">
             <a:extLst>
               <a:ext uri="{FF2B5EF4-FFF2-40B4-BE49-F238E27FC236}">
-                <a16:creationId xmlns:a16="http://schemas.microsoft.com/office/drawing/2014/main" id="{47F75D55-1BA9-450B-B512-E8B9C08FD095}"/>
+                <a16:creationId xmlns:a16="http://schemas.microsoft.com/office/drawing/2014/main" id="{3A79A6EE-93DE-47F3-8FC7-29BC874B955D}"/>
               </a:ext>
             </a:extLst>
           </p:cNvPr>
@@ -20311,17 +20185,1342 @@
           </a:p>
         </p:txBody>
       </p:sp>
+      <p:sp>
+        <p:nvSpPr>
+          <p:cNvPr id="6" name="Cylinder 5">
+            <a:extLst>
+              <a:ext uri="{FF2B5EF4-FFF2-40B4-BE49-F238E27FC236}">
+                <a16:creationId xmlns:a16="http://schemas.microsoft.com/office/drawing/2014/main" id="{02A85927-FA63-4169-8DFF-75B8841BBF66}"/>
+              </a:ext>
+            </a:extLst>
+          </p:cNvPr>
+          <p:cNvSpPr/>
+          <p:nvPr/>
+        </p:nvSpPr>
+        <p:spPr>
+          <a:xfrm>
+            <a:off x="304800" y="2893913"/>
+            <a:ext cx="1041400" cy="1143000"/>
+          </a:xfrm>
+          <a:prstGeom prst="can">
+            <a:avLst/>
+          </a:prstGeom>
+          <a:solidFill>
+            <a:schemeClr val="tx2">
+              <a:lumMod val="40000"/>
+              <a:lumOff val="60000"/>
+            </a:schemeClr>
+          </a:solidFill>
+        </p:spPr>
+        <p:style>
+          <a:lnRef idx="2">
+            <a:schemeClr val="accent1">
+              <a:shade val="50000"/>
+            </a:schemeClr>
+          </a:lnRef>
+          <a:fillRef idx="1">
+            <a:schemeClr val="accent1"/>
+          </a:fillRef>
+          <a:effectRef idx="0">
+            <a:schemeClr val="accent1"/>
+          </a:effectRef>
+          <a:fontRef idx="minor">
+            <a:schemeClr val="lt1"/>
+          </a:fontRef>
+        </p:style>
+        <p:txBody>
+          <a:bodyPr rtlCol="0" anchor="ctr"/>
+          <a:lstStyle/>
+          <a:p>
+            <a:pPr algn="ctr"/>
+            <a:r>
+              <a:rPr lang="en-US" sz="1600" dirty="0">
+                <a:solidFill>
+                  <a:schemeClr val="tx1"/>
+                </a:solidFill>
+              </a:rPr>
+              <a:t>Pre-trained </a:t>
+            </a:r>
+            <a:r>
+              <a:rPr lang="en-US" sz="1600" dirty="0" err="1">
+                <a:solidFill>
+                  <a:schemeClr val="tx1"/>
+                </a:solidFill>
+              </a:rPr>
+              <a:t>Mobilenet</a:t>
+            </a:r>
+            <a:endParaRPr lang="en-US" sz="1600" dirty="0">
+              <a:solidFill>
+                <a:schemeClr val="tx1"/>
+              </a:solidFill>
+            </a:endParaRPr>
+          </a:p>
+        </p:txBody>
+      </p:sp>
+      <p:sp>
+        <p:nvSpPr>
+          <p:cNvPr id="7" name="Cylinder 6">
+            <a:extLst>
+              <a:ext uri="{FF2B5EF4-FFF2-40B4-BE49-F238E27FC236}">
+                <a16:creationId xmlns:a16="http://schemas.microsoft.com/office/drawing/2014/main" id="{7EED4DA2-4E58-4E2D-859B-20EF4139243C}"/>
+              </a:ext>
+            </a:extLst>
+          </p:cNvPr>
+          <p:cNvSpPr/>
+          <p:nvPr/>
+        </p:nvSpPr>
+        <p:spPr>
+          <a:xfrm>
+            <a:off x="3314700" y="1486594"/>
+            <a:ext cx="1041400" cy="1143000"/>
+          </a:xfrm>
+          <a:prstGeom prst="can">
+            <a:avLst/>
+          </a:prstGeom>
+          <a:solidFill>
+            <a:schemeClr val="tx2">
+              <a:lumMod val="40000"/>
+              <a:lumOff val="60000"/>
+            </a:schemeClr>
+          </a:solidFill>
+        </p:spPr>
+        <p:style>
+          <a:lnRef idx="2">
+            <a:schemeClr val="accent1">
+              <a:shade val="50000"/>
+            </a:schemeClr>
+          </a:lnRef>
+          <a:fillRef idx="1">
+            <a:schemeClr val="accent1"/>
+          </a:fillRef>
+          <a:effectRef idx="0">
+            <a:schemeClr val="accent1"/>
+          </a:effectRef>
+          <a:fontRef idx="minor">
+            <a:schemeClr val="lt1"/>
+          </a:fontRef>
+        </p:style>
+        <p:txBody>
+          <a:bodyPr rtlCol="0" anchor="ctr"/>
+          <a:lstStyle/>
+          <a:p>
+            <a:pPr algn="ctr"/>
+            <a:r>
+              <a:rPr lang="en-US" sz="1600" dirty="0">
+                <a:solidFill>
+                  <a:schemeClr val="tx1"/>
+                </a:solidFill>
+              </a:rPr>
+              <a:t>Training &amp; Validation Data</a:t>
+            </a:r>
+          </a:p>
+        </p:txBody>
+      </p:sp>
+      <p:sp>
+        <p:nvSpPr>
+          <p:cNvPr id="8" name="Rectangle 7">
+            <a:extLst>
+              <a:ext uri="{FF2B5EF4-FFF2-40B4-BE49-F238E27FC236}">
+                <a16:creationId xmlns:a16="http://schemas.microsoft.com/office/drawing/2014/main" id="{E1FEEBBB-8F7E-4B96-9116-917848F1BDE6}"/>
+              </a:ext>
+            </a:extLst>
+          </p:cNvPr>
+          <p:cNvSpPr/>
+          <p:nvPr/>
+        </p:nvSpPr>
+        <p:spPr>
+          <a:xfrm>
+            <a:off x="1879600" y="3017738"/>
+            <a:ext cx="1041400" cy="906463"/>
+          </a:xfrm>
+          <a:prstGeom prst="rect">
+            <a:avLst/>
+          </a:prstGeom>
+          <a:solidFill>
+            <a:schemeClr val="tx2">
+              <a:lumMod val="40000"/>
+              <a:lumOff val="60000"/>
+            </a:schemeClr>
+          </a:solidFill>
+        </p:spPr>
+        <p:style>
+          <a:lnRef idx="2">
+            <a:schemeClr val="accent1">
+              <a:shade val="50000"/>
+            </a:schemeClr>
+          </a:lnRef>
+          <a:fillRef idx="1">
+            <a:schemeClr val="accent1"/>
+          </a:fillRef>
+          <a:effectRef idx="0">
+            <a:schemeClr val="accent1"/>
+          </a:effectRef>
+          <a:fontRef idx="minor">
+            <a:schemeClr val="lt1"/>
+          </a:fontRef>
+        </p:style>
+        <p:txBody>
+          <a:bodyPr rtlCol="0" anchor="ctr"/>
+          <a:lstStyle/>
+          <a:p>
+            <a:pPr algn="ctr"/>
+            <a:r>
+              <a:rPr lang="en-US" sz="1800" dirty="0">
+                <a:solidFill>
+                  <a:schemeClr val="tx1"/>
+                </a:solidFill>
+              </a:rPr>
+              <a:t>Prune</a:t>
+            </a:r>
+          </a:p>
+        </p:txBody>
+      </p:sp>
+      <p:sp>
+        <p:nvSpPr>
+          <p:cNvPr id="9" name="Rectangle 8">
+            <a:extLst>
+              <a:ext uri="{FF2B5EF4-FFF2-40B4-BE49-F238E27FC236}">
+                <a16:creationId xmlns:a16="http://schemas.microsoft.com/office/drawing/2014/main" id="{6867A0B3-70DD-4BDA-8A40-6E21007FB853}"/>
+              </a:ext>
+            </a:extLst>
+          </p:cNvPr>
+          <p:cNvSpPr/>
+          <p:nvPr/>
+        </p:nvSpPr>
+        <p:spPr>
+          <a:xfrm>
+            <a:off x="3314702" y="3017738"/>
+            <a:ext cx="1041400" cy="906463"/>
+          </a:xfrm>
+          <a:prstGeom prst="rect">
+            <a:avLst/>
+          </a:prstGeom>
+          <a:solidFill>
+            <a:schemeClr val="tx2">
+              <a:lumMod val="40000"/>
+              <a:lumOff val="60000"/>
+            </a:schemeClr>
+          </a:solidFill>
+        </p:spPr>
+        <p:style>
+          <a:lnRef idx="2">
+            <a:schemeClr val="accent1">
+              <a:shade val="50000"/>
+            </a:schemeClr>
+          </a:lnRef>
+          <a:fillRef idx="1">
+            <a:schemeClr val="accent1"/>
+          </a:fillRef>
+          <a:effectRef idx="0">
+            <a:schemeClr val="accent1"/>
+          </a:effectRef>
+          <a:fontRef idx="minor">
+            <a:schemeClr val="lt1"/>
+          </a:fontRef>
+        </p:style>
+        <p:txBody>
+          <a:bodyPr rtlCol="0" anchor="ctr"/>
+          <a:lstStyle/>
+          <a:p>
+            <a:pPr algn="ctr"/>
+            <a:r>
+              <a:rPr lang="en-US" sz="1800" dirty="0">
+                <a:solidFill>
+                  <a:schemeClr val="tx1"/>
+                </a:solidFill>
+              </a:rPr>
+              <a:t>Fine Tune</a:t>
+            </a:r>
+          </a:p>
+        </p:txBody>
+      </p:sp>
+      <p:sp>
+        <p:nvSpPr>
+          <p:cNvPr id="10" name="Rectangle 9">
+            <a:extLst>
+              <a:ext uri="{FF2B5EF4-FFF2-40B4-BE49-F238E27FC236}">
+                <a16:creationId xmlns:a16="http://schemas.microsoft.com/office/drawing/2014/main" id="{75328710-B782-4B93-8E8A-E1AAB98B1616}"/>
+              </a:ext>
+            </a:extLst>
+          </p:cNvPr>
+          <p:cNvSpPr/>
+          <p:nvPr/>
+        </p:nvSpPr>
+        <p:spPr>
+          <a:xfrm>
+            <a:off x="4749804" y="3012181"/>
+            <a:ext cx="1041400" cy="906463"/>
+          </a:xfrm>
+          <a:prstGeom prst="rect">
+            <a:avLst/>
+          </a:prstGeom>
+          <a:solidFill>
+            <a:schemeClr val="tx2">
+              <a:lumMod val="40000"/>
+              <a:lumOff val="60000"/>
+            </a:schemeClr>
+          </a:solidFill>
+        </p:spPr>
+        <p:style>
+          <a:lnRef idx="2">
+            <a:schemeClr val="accent1">
+              <a:shade val="50000"/>
+            </a:schemeClr>
+          </a:lnRef>
+          <a:fillRef idx="1">
+            <a:schemeClr val="accent1"/>
+          </a:fillRef>
+          <a:effectRef idx="0">
+            <a:schemeClr val="accent1"/>
+          </a:effectRef>
+          <a:fontRef idx="minor">
+            <a:schemeClr val="lt1"/>
+          </a:fontRef>
+        </p:style>
+        <p:txBody>
+          <a:bodyPr rtlCol="0" anchor="ctr"/>
+          <a:lstStyle/>
+          <a:p>
+            <a:pPr algn="ctr"/>
+            <a:r>
+              <a:rPr lang="en-US" sz="1800" dirty="0">
+                <a:solidFill>
+                  <a:schemeClr val="tx1"/>
+                </a:solidFill>
+              </a:rPr>
+              <a:t>Remove Batch Norm</a:t>
+            </a:r>
+          </a:p>
+        </p:txBody>
+      </p:sp>
+      <p:sp>
+        <p:nvSpPr>
+          <p:cNvPr id="11" name="Rectangle 10">
+            <a:extLst>
+              <a:ext uri="{FF2B5EF4-FFF2-40B4-BE49-F238E27FC236}">
+                <a16:creationId xmlns:a16="http://schemas.microsoft.com/office/drawing/2014/main" id="{9FA07850-C71A-4098-93C1-3F8DF617AE1F}"/>
+              </a:ext>
+            </a:extLst>
+          </p:cNvPr>
+          <p:cNvSpPr/>
+          <p:nvPr/>
+        </p:nvSpPr>
+        <p:spPr>
+          <a:xfrm>
+            <a:off x="7804256" y="3012181"/>
+            <a:ext cx="1041400" cy="906463"/>
+          </a:xfrm>
+          <a:prstGeom prst="rect">
+            <a:avLst/>
+          </a:prstGeom>
+          <a:solidFill>
+            <a:schemeClr val="tx2">
+              <a:lumMod val="40000"/>
+              <a:lumOff val="60000"/>
+            </a:schemeClr>
+          </a:solidFill>
+        </p:spPr>
+        <p:style>
+          <a:lnRef idx="2">
+            <a:schemeClr val="accent1">
+              <a:shade val="50000"/>
+            </a:schemeClr>
+          </a:lnRef>
+          <a:fillRef idx="1">
+            <a:schemeClr val="accent1"/>
+          </a:fillRef>
+          <a:effectRef idx="0">
+            <a:schemeClr val="accent1"/>
+          </a:effectRef>
+          <a:fontRef idx="minor">
+            <a:schemeClr val="lt1"/>
+          </a:fontRef>
+        </p:style>
+        <p:txBody>
+          <a:bodyPr rtlCol="0" anchor="ctr"/>
+          <a:lstStyle/>
+          <a:p>
+            <a:pPr algn="ctr"/>
+            <a:r>
+              <a:rPr lang="en-US" sz="1800" dirty="0">
+                <a:solidFill>
+                  <a:schemeClr val="tx1"/>
+                </a:solidFill>
+              </a:rPr>
+              <a:t>Evaluate</a:t>
+            </a:r>
+          </a:p>
+        </p:txBody>
+      </p:sp>
+      <p:cxnSp>
+        <p:nvCxnSpPr>
+          <p:cNvPr id="13" name="Straight Arrow Connector 12">
+            <a:extLst>
+              <a:ext uri="{FF2B5EF4-FFF2-40B4-BE49-F238E27FC236}">
+                <a16:creationId xmlns:a16="http://schemas.microsoft.com/office/drawing/2014/main" id="{801BFC28-5CAF-4F40-8D42-27C7A5BE584A}"/>
+              </a:ext>
+            </a:extLst>
+          </p:cNvPr>
+          <p:cNvCxnSpPr>
+            <a:stCxn id="6" idx="4"/>
+            <a:endCxn id="8" idx="1"/>
+          </p:cNvCxnSpPr>
+          <p:nvPr/>
+        </p:nvCxnSpPr>
+        <p:spPr>
+          <a:xfrm>
+            <a:off x="1346200" y="3465413"/>
+            <a:ext cx="533400" cy="5557"/>
+          </a:xfrm>
+          <a:prstGeom prst="straightConnector1">
+            <a:avLst/>
+          </a:prstGeom>
+          <a:ln>
+            <a:tailEnd type="triangle"/>
+          </a:ln>
+        </p:spPr>
+        <p:style>
+          <a:lnRef idx="1">
+            <a:schemeClr val="accent1"/>
+          </a:lnRef>
+          <a:fillRef idx="0">
+            <a:schemeClr val="accent1"/>
+          </a:fillRef>
+          <a:effectRef idx="0">
+            <a:schemeClr val="accent1"/>
+          </a:effectRef>
+          <a:fontRef idx="minor">
+            <a:schemeClr val="tx1"/>
+          </a:fontRef>
+        </p:style>
+      </p:cxnSp>
+      <p:cxnSp>
+        <p:nvCxnSpPr>
+          <p:cNvPr id="15" name="Straight Arrow Connector 14">
+            <a:extLst>
+              <a:ext uri="{FF2B5EF4-FFF2-40B4-BE49-F238E27FC236}">
+                <a16:creationId xmlns:a16="http://schemas.microsoft.com/office/drawing/2014/main" id="{0BDBE6B3-C784-4939-B447-71E859C52469}"/>
+              </a:ext>
+            </a:extLst>
+          </p:cNvPr>
+          <p:cNvCxnSpPr>
+            <a:stCxn id="8" idx="3"/>
+            <a:endCxn id="9" idx="1"/>
+          </p:cNvCxnSpPr>
+          <p:nvPr/>
+        </p:nvCxnSpPr>
+        <p:spPr>
+          <a:xfrm>
+            <a:off x="2921000" y="3470970"/>
+            <a:ext cx="393702" cy="0"/>
+          </a:xfrm>
+          <a:prstGeom prst="straightConnector1">
+            <a:avLst/>
+          </a:prstGeom>
+          <a:ln>
+            <a:tailEnd type="triangle"/>
+          </a:ln>
+        </p:spPr>
+        <p:style>
+          <a:lnRef idx="1">
+            <a:schemeClr val="accent1"/>
+          </a:lnRef>
+          <a:fillRef idx="0">
+            <a:schemeClr val="accent1"/>
+          </a:fillRef>
+          <a:effectRef idx="0">
+            <a:schemeClr val="accent1"/>
+          </a:effectRef>
+          <a:fontRef idx="minor">
+            <a:schemeClr val="tx1"/>
+          </a:fontRef>
+        </p:style>
+      </p:cxnSp>
+      <p:cxnSp>
+        <p:nvCxnSpPr>
+          <p:cNvPr id="17" name="Straight Arrow Connector 16">
+            <a:extLst>
+              <a:ext uri="{FF2B5EF4-FFF2-40B4-BE49-F238E27FC236}">
+                <a16:creationId xmlns:a16="http://schemas.microsoft.com/office/drawing/2014/main" id="{F133D841-54ED-4751-BC90-C8EC9A0B6BA9}"/>
+              </a:ext>
+            </a:extLst>
+          </p:cNvPr>
+          <p:cNvCxnSpPr>
+            <a:cxnSpLocks/>
+            <a:stCxn id="7" idx="3"/>
+            <a:endCxn id="9" idx="0"/>
+          </p:cNvCxnSpPr>
+          <p:nvPr/>
+        </p:nvCxnSpPr>
+        <p:spPr>
+          <a:xfrm>
+            <a:off x="3835400" y="2629594"/>
+            <a:ext cx="2" cy="388144"/>
+          </a:xfrm>
+          <a:prstGeom prst="straightConnector1">
+            <a:avLst/>
+          </a:prstGeom>
+          <a:ln>
+            <a:tailEnd type="triangle"/>
+          </a:ln>
+        </p:spPr>
+        <p:style>
+          <a:lnRef idx="1">
+            <a:schemeClr val="accent1"/>
+          </a:lnRef>
+          <a:fillRef idx="0">
+            <a:schemeClr val="accent1"/>
+          </a:fillRef>
+          <a:effectRef idx="0">
+            <a:schemeClr val="accent1"/>
+          </a:effectRef>
+          <a:fontRef idx="minor">
+            <a:schemeClr val="tx1"/>
+          </a:fontRef>
+        </p:style>
+      </p:cxnSp>
+      <p:cxnSp>
+        <p:nvCxnSpPr>
+          <p:cNvPr id="20" name="Straight Arrow Connector 19">
+            <a:extLst>
+              <a:ext uri="{FF2B5EF4-FFF2-40B4-BE49-F238E27FC236}">
+                <a16:creationId xmlns:a16="http://schemas.microsoft.com/office/drawing/2014/main" id="{619865A5-71E3-4062-B13A-32F81266F383}"/>
+              </a:ext>
+            </a:extLst>
+          </p:cNvPr>
+          <p:cNvCxnSpPr>
+            <a:stCxn id="9" idx="3"/>
+            <a:endCxn id="10" idx="1"/>
+          </p:cNvCxnSpPr>
+          <p:nvPr/>
+        </p:nvCxnSpPr>
+        <p:spPr>
+          <a:xfrm flipV="1">
+            <a:off x="4356102" y="3465413"/>
+            <a:ext cx="393702" cy="5557"/>
+          </a:xfrm>
+          <a:prstGeom prst="straightConnector1">
+            <a:avLst/>
+          </a:prstGeom>
+          <a:ln>
+            <a:tailEnd type="triangle"/>
+          </a:ln>
+        </p:spPr>
+        <p:style>
+          <a:lnRef idx="1">
+            <a:schemeClr val="accent1"/>
+          </a:lnRef>
+          <a:fillRef idx="0">
+            <a:schemeClr val="accent1"/>
+          </a:fillRef>
+          <a:effectRef idx="0">
+            <a:schemeClr val="accent1"/>
+          </a:effectRef>
+          <a:fontRef idx="minor">
+            <a:schemeClr val="tx1"/>
+          </a:fontRef>
+        </p:style>
+      </p:cxnSp>
+      <p:cxnSp>
+        <p:nvCxnSpPr>
+          <p:cNvPr id="22" name="Straight Arrow Connector 21">
+            <a:extLst>
+              <a:ext uri="{FF2B5EF4-FFF2-40B4-BE49-F238E27FC236}">
+                <a16:creationId xmlns:a16="http://schemas.microsoft.com/office/drawing/2014/main" id="{9DC0D439-6748-4B62-865B-1AAE637C6D9B}"/>
+              </a:ext>
+            </a:extLst>
+          </p:cNvPr>
+          <p:cNvCxnSpPr>
+            <a:cxnSpLocks/>
+            <a:stCxn id="10" idx="3"/>
+            <a:endCxn id="32" idx="1"/>
+          </p:cNvCxnSpPr>
+          <p:nvPr/>
+        </p:nvCxnSpPr>
+        <p:spPr>
+          <a:xfrm>
+            <a:off x="5791204" y="3465413"/>
+            <a:ext cx="390189" cy="3439"/>
+          </a:xfrm>
+          <a:prstGeom prst="straightConnector1">
+            <a:avLst/>
+          </a:prstGeom>
+          <a:ln>
+            <a:tailEnd type="triangle"/>
+          </a:ln>
+        </p:spPr>
+        <p:style>
+          <a:lnRef idx="1">
+            <a:schemeClr val="accent1"/>
+          </a:lnRef>
+          <a:fillRef idx="0">
+            <a:schemeClr val="accent1"/>
+          </a:fillRef>
+          <a:effectRef idx="0">
+            <a:schemeClr val="accent1"/>
+          </a:effectRef>
+          <a:fontRef idx="minor">
+            <a:schemeClr val="tx1"/>
+          </a:fontRef>
+        </p:style>
+      </p:cxnSp>
+      <p:cxnSp>
+        <p:nvCxnSpPr>
+          <p:cNvPr id="24" name="Connector: Elbow 23">
+            <a:extLst>
+              <a:ext uri="{FF2B5EF4-FFF2-40B4-BE49-F238E27FC236}">
+                <a16:creationId xmlns:a16="http://schemas.microsoft.com/office/drawing/2014/main" id="{9B0C4E52-DFD9-4644-B964-BE5B5DF7B52E}"/>
+              </a:ext>
+            </a:extLst>
+          </p:cNvPr>
+          <p:cNvCxnSpPr>
+            <a:stCxn id="9" idx="3"/>
+            <a:endCxn id="8" idx="2"/>
+          </p:cNvCxnSpPr>
+          <p:nvPr/>
+        </p:nvCxnSpPr>
+        <p:spPr>
+          <a:xfrm flipH="1">
+            <a:off x="2400300" y="3470970"/>
+            <a:ext cx="1955802" cy="453231"/>
+          </a:xfrm>
+          <a:prstGeom prst="bentConnector4">
+            <a:avLst>
+              <a:gd name="adj1" fmla="val -11688"/>
+              <a:gd name="adj2" fmla="val 150438"/>
+            </a:avLst>
+          </a:prstGeom>
+          <a:ln>
+            <a:tailEnd type="triangle"/>
+          </a:ln>
+        </p:spPr>
+        <p:style>
+          <a:lnRef idx="1">
+            <a:schemeClr val="accent1"/>
+          </a:lnRef>
+          <a:fillRef idx="0">
+            <a:schemeClr val="accent1"/>
+          </a:fillRef>
+          <a:effectRef idx="0">
+            <a:schemeClr val="accent1"/>
+          </a:effectRef>
+          <a:fontRef idx="minor">
+            <a:schemeClr val="tx1"/>
+          </a:fontRef>
+        </p:style>
+      </p:cxnSp>
+      <p:sp>
+        <p:nvSpPr>
+          <p:cNvPr id="25" name="TextBox 24">
+            <a:extLst>
+              <a:ext uri="{FF2B5EF4-FFF2-40B4-BE49-F238E27FC236}">
+                <a16:creationId xmlns:a16="http://schemas.microsoft.com/office/drawing/2014/main" id="{7BD84FAF-D887-4DB8-97D1-9B923846146A}"/>
+              </a:ext>
+            </a:extLst>
+          </p:cNvPr>
+          <p:cNvSpPr txBox="1"/>
+          <p:nvPr/>
+        </p:nvSpPr>
+        <p:spPr>
+          <a:xfrm>
+            <a:off x="3028952" y="4131954"/>
+            <a:ext cx="738407" cy="338554"/>
+          </a:xfrm>
+          <a:prstGeom prst="rect">
+            <a:avLst/>
+          </a:prstGeom>
+          <a:noFill/>
+        </p:spPr>
+        <p:txBody>
+          <a:bodyPr wrap="none" rtlCol="0">
+            <a:spAutoFit/>
+          </a:bodyPr>
+          <a:lstStyle/>
+          <a:p>
+            <a:r>
+              <a:rPr lang="en-US" sz="1600" dirty="0">
+                <a:latin typeface="+mj-lt"/>
+              </a:rPr>
+              <a:t>Iterate</a:t>
+            </a:r>
+          </a:p>
+        </p:txBody>
+      </p:sp>
+      <p:sp>
+        <p:nvSpPr>
+          <p:cNvPr id="26" name="Cylinder 25">
+            <a:extLst>
+              <a:ext uri="{FF2B5EF4-FFF2-40B4-BE49-F238E27FC236}">
+                <a16:creationId xmlns:a16="http://schemas.microsoft.com/office/drawing/2014/main" id="{CADD4802-EA18-40BA-9ADF-2FD309558FF1}"/>
+              </a:ext>
+            </a:extLst>
+          </p:cNvPr>
+          <p:cNvSpPr/>
+          <p:nvPr/>
+        </p:nvSpPr>
+        <p:spPr>
+          <a:xfrm>
+            <a:off x="7804256" y="1543076"/>
+            <a:ext cx="1041400" cy="1143000"/>
+          </a:xfrm>
+          <a:prstGeom prst="can">
+            <a:avLst/>
+          </a:prstGeom>
+          <a:solidFill>
+            <a:schemeClr val="tx2">
+              <a:lumMod val="40000"/>
+              <a:lumOff val="60000"/>
+            </a:schemeClr>
+          </a:solidFill>
+        </p:spPr>
+        <p:style>
+          <a:lnRef idx="2">
+            <a:schemeClr val="accent1">
+              <a:shade val="50000"/>
+            </a:schemeClr>
+          </a:lnRef>
+          <a:fillRef idx="1">
+            <a:schemeClr val="accent1"/>
+          </a:fillRef>
+          <a:effectRef idx="0">
+            <a:schemeClr val="accent1"/>
+          </a:effectRef>
+          <a:fontRef idx="minor">
+            <a:schemeClr val="lt1"/>
+          </a:fontRef>
+        </p:style>
+        <p:txBody>
+          <a:bodyPr rtlCol="0" anchor="ctr"/>
+          <a:lstStyle/>
+          <a:p>
+            <a:pPr algn="ctr"/>
+            <a:r>
+              <a:rPr lang="en-US" sz="1600" dirty="0">
+                <a:solidFill>
+                  <a:schemeClr val="tx1"/>
+                </a:solidFill>
+              </a:rPr>
+              <a:t>Test Data</a:t>
+            </a:r>
+          </a:p>
+        </p:txBody>
+      </p:sp>
+      <p:sp>
+        <p:nvSpPr>
+          <p:cNvPr id="27" name="Rectangle 26">
+            <a:extLst>
+              <a:ext uri="{FF2B5EF4-FFF2-40B4-BE49-F238E27FC236}">
+                <a16:creationId xmlns:a16="http://schemas.microsoft.com/office/drawing/2014/main" id="{2A566007-65E1-48BC-BB87-A1F344C54253}"/>
+              </a:ext>
+            </a:extLst>
+          </p:cNvPr>
+          <p:cNvSpPr/>
+          <p:nvPr/>
+        </p:nvSpPr>
+        <p:spPr>
+          <a:xfrm>
+            <a:off x="7804256" y="4347651"/>
+            <a:ext cx="1041400" cy="906463"/>
+          </a:xfrm>
+          <a:prstGeom prst="rect">
+            <a:avLst/>
+          </a:prstGeom>
+          <a:solidFill>
+            <a:schemeClr val="tx2">
+              <a:lumMod val="40000"/>
+              <a:lumOff val="60000"/>
+            </a:schemeClr>
+          </a:solidFill>
+        </p:spPr>
+        <p:style>
+          <a:lnRef idx="2">
+            <a:schemeClr val="accent1">
+              <a:shade val="50000"/>
+            </a:schemeClr>
+          </a:lnRef>
+          <a:fillRef idx="1">
+            <a:schemeClr val="accent1"/>
+          </a:fillRef>
+          <a:effectRef idx="0">
+            <a:schemeClr val="accent1"/>
+          </a:effectRef>
+          <a:fontRef idx="minor">
+            <a:schemeClr val="lt1"/>
+          </a:fontRef>
+        </p:style>
+        <p:txBody>
+          <a:bodyPr rtlCol="0" anchor="ctr"/>
+          <a:lstStyle/>
+          <a:p>
+            <a:pPr algn="ctr"/>
+            <a:r>
+              <a:rPr lang="en-US" sz="1800" dirty="0">
+                <a:solidFill>
+                  <a:schemeClr val="tx1"/>
+                </a:solidFill>
+              </a:rPr>
+              <a:t>Submit</a:t>
+            </a:r>
+          </a:p>
+        </p:txBody>
+      </p:sp>
+      <p:cxnSp>
+        <p:nvCxnSpPr>
+          <p:cNvPr id="28" name="Straight Arrow Connector 27">
+            <a:extLst>
+              <a:ext uri="{FF2B5EF4-FFF2-40B4-BE49-F238E27FC236}">
+                <a16:creationId xmlns:a16="http://schemas.microsoft.com/office/drawing/2014/main" id="{D0DD23CA-35A6-4B96-9427-1B1AEFC56C77}"/>
+              </a:ext>
+            </a:extLst>
+          </p:cNvPr>
+          <p:cNvCxnSpPr>
+            <a:cxnSpLocks/>
+            <a:stCxn id="11" idx="2"/>
+            <a:endCxn id="27" idx="0"/>
+          </p:cNvCxnSpPr>
+          <p:nvPr/>
+        </p:nvCxnSpPr>
+        <p:spPr>
+          <a:xfrm>
+            <a:off x="8324956" y="3918644"/>
+            <a:ext cx="0" cy="429007"/>
+          </a:xfrm>
+          <a:prstGeom prst="straightConnector1">
+            <a:avLst/>
+          </a:prstGeom>
+          <a:ln>
+            <a:tailEnd type="triangle"/>
+          </a:ln>
+        </p:spPr>
+        <p:style>
+          <a:lnRef idx="1">
+            <a:schemeClr val="accent1"/>
+          </a:lnRef>
+          <a:fillRef idx="0">
+            <a:schemeClr val="accent1"/>
+          </a:fillRef>
+          <a:effectRef idx="0">
+            <a:schemeClr val="accent1"/>
+          </a:effectRef>
+          <a:fontRef idx="minor">
+            <a:schemeClr val="tx1"/>
+          </a:fontRef>
+        </p:style>
+      </p:cxnSp>
+      <p:cxnSp>
+        <p:nvCxnSpPr>
+          <p:cNvPr id="38" name="Connector: Elbow 37">
+            <a:extLst>
+              <a:ext uri="{FF2B5EF4-FFF2-40B4-BE49-F238E27FC236}">
+                <a16:creationId xmlns:a16="http://schemas.microsoft.com/office/drawing/2014/main" id="{D1DDFC4A-7861-4D4E-BA76-488A87C2E4AF}"/>
+              </a:ext>
+            </a:extLst>
+          </p:cNvPr>
+          <p:cNvCxnSpPr>
+            <a:stCxn id="11" idx="3"/>
+            <a:endCxn id="11" idx="2"/>
+          </p:cNvCxnSpPr>
+          <p:nvPr/>
+        </p:nvCxnSpPr>
+        <p:spPr>
+          <a:xfrm flipH="1">
+            <a:off x="8324956" y="3465413"/>
+            <a:ext cx="520700" cy="453231"/>
+          </a:xfrm>
+          <a:prstGeom prst="bentConnector4">
+            <a:avLst>
+              <a:gd name="adj1" fmla="val -43902"/>
+              <a:gd name="adj2" fmla="val 150438"/>
+            </a:avLst>
+          </a:prstGeom>
+          <a:ln>
+            <a:tailEnd type="triangle"/>
+          </a:ln>
+        </p:spPr>
+        <p:style>
+          <a:lnRef idx="1">
+            <a:schemeClr val="accent1"/>
+          </a:lnRef>
+          <a:fillRef idx="0">
+            <a:schemeClr val="accent1"/>
+          </a:fillRef>
+          <a:effectRef idx="0">
+            <a:schemeClr val="accent1"/>
+          </a:effectRef>
+          <a:fontRef idx="minor">
+            <a:schemeClr val="tx1"/>
+          </a:fontRef>
+        </p:style>
+      </p:cxnSp>
+      <p:sp>
+        <p:nvSpPr>
+          <p:cNvPr id="39" name="TextBox 38">
+            <a:extLst>
+              <a:ext uri="{FF2B5EF4-FFF2-40B4-BE49-F238E27FC236}">
+                <a16:creationId xmlns:a16="http://schemas.microsoft.com/office/drawing/2014/main" id="{74BB971E-097A-467E-A9FE-082FFAD63B6F}"/>
+              </a:ext>
+            </a:extLst>
+          </p:cNvPr>
+          <p:cNvSpPr txBox="1"/>
+          <p:nvPr/>
+        </p:nvSpPr>
+        <p:spPr>
+          <a:xfrm>
+            <a:off x="5863075" y="4054546"/>
+            <a:ext cx="738407" cy="338554"/>
+          </a:xfrm>
+          <a:prstGeom prst="rect">
+            <a:avLst/>
+          </a:prstGeom>
+          <a:noFill/>
+        </p:spPr>
+        <p:txBody>
+          <a:bodyPr wrap="none" rtlCol="0">
+            <a:spAutoFit/>
+          </a:bodyPr>
+          <a:lstStyle/>
+          <a:p>
+            <a:r>
+              <a:rPr lang="en-US" sz="1600" dirty="0">
+                <a:latin typeface="+mj-lt"/>
+              </a:rPr>
+              <a:t>Iterate</a:t>
+            </a:r>
+          </a:p>
+        </p:txBody>
+      </p:sp>
+      <p:cxnSp>
+        <p:nvCxnSpPr>
+          <p:cNvPr id="41" name="Connector: Elbow 40">
+            <a:extLst>
+              <a:ext uri="{FF2B5EF4-FFF2-40B4-BE49-F238E27FC236}">
+                <a16:creationId xmlns:a16="http://schemas.microsoft.com/office/drawing/2014/main" id="{57CB5912-EA38-4785-B5ED-C0E7E46FB02F}"/>
+              </a:ext>
+            </a:extLst>
+          </p:cNvPr>
+          <p:cNvCxnSpPr>
+            <a:stCxn id="11" idx="3"/>
+            <a:endCxn id="8" idx="2"/>
+          </p:cNvCxnSpPr>
+          <p:nvPr/>
+        </p:nvCxnSpPr>
+        <p:spPr>
+          <a:xfrm flipH="1">
+            <a:off x="2400300" y="3465413"/>
+            <a:ext cx="6445356" cy="458788"/>
+          </a:xfrm>
+          <a:prstGeom prst="bentConnector4">
+            <a:avLst>
+              <a:gd name="adj1" fmla="val -3547"/>
+              <a:gd name="adj2" fmla="val 149827"/>
+            </a:avLst>
+          </a:prstGeom>
+          <a:ln>
+            <a:tailEnd type="triangle"/>
+          </a:ln>
+        </p:spPr>
+        <p:style>
+          <a:lnRef idx="1">
+            <a:schemeClr val="accent1"/>
+          </a:lnRef>
+          <a:fillRef idx="0">
+            <a:schemeClr val="accent1"/>
+          </a:fillRef>
+          <a:effectRef idx="0">
+            <a:schemeClr val="accent1"/>
+          </a:effectRef>
+          <a:fontRef idx="minor">
+            <a:schemeClr val="tx1"/>
+          </a:fontRef>
+        </p:style>
+      </p:cxnSp>
+      <p:sp>
+        <p:nvSpPr>
+          <p:cNvPr id="46" name="Rectangle 45">
+            <a:extLst>
+              <a:ext uri="{FF2B5EF4-FFF2-40B4-BE49-F238E27FC236}">
+                <a16:creationId xmlns:a16="http://schemas.microsoft.com/office/drawing/2014/main" id="{4CCF0AE3-5CA8-4515-AC31-778890916631}"/>
+              </a:ext>
+            </a:extLst>
+          </p:cNvPr>
+          <p:cNvSpPr/>
+          <p:nvPr/>
+        </p:nvSpPr>
+        <p:spPr>
+          <a:xfrm>
+            <a:off x="298344" y="1604862"/>
+            <a:ext cx="1041400" cy="906463"/>
+          </a:xfrm>
+          <a:prstGeom prst="rect">
+            <a:avLst/>
+          </a:prstGeom>
+          <a:solidFill>
+            <a:schemeClr val="accent3">
+              <a:lumMod val="40000"/>
+              <a:lumOff val="60000"/>
+            </a:schemeClr>
+          </a:solidFill>
+        </p:spPr>
+        <p:style>
+          <a:lnRef idx="2">
+            <a:schemeClr val="accent1">
+              <a:shade val="50000"/>
+            </a:schemeClr>
+          </a:lnRef>
+          <a:fillRef idx="1">
+            <a:schemeClr val="accent1"/>
+          </a:fillRef>
+          <a:effectRef idx="0">
+            <a:schemeClr val="accent1"/>
+          </a:effectRef>
+          <a:fontRef idx="minor">
+            <a:schemeClr val="lt1"/>
+          </a:fontRef>
+        </p:style>
+        <p:txBody>
+          <a:bodyPr rtlCol="0" anchor="ctr"/>
+          <a:lstStyle/>
+          <a:p>
+            <a:pPr algn="ctr"/>
+            <a:r>
+              <a:rPr lang="en-US" sz="1800" dirty="0">
+                <a:solidFill>
+                  <a:schemeClr val="tx1"/>
+                </a:solidFill>
+              </a:rPr>
+              <a:t>Train from scratch</a:t>
+            </a:r>
+          </a:p>
+        </p:txBody>
+      </p:sp>
+      <p:cxnSp>
+        <p:nvCxnSpPr>
+          <p:cNvPr id="48" name="Straight Arrow Connector 47">
+            <a:extLst>
+              <a:ext uri="{FF2B5EF4-FFF2-40B4-BE49-F238E27FC236}">
+                <a16:creationId xmlns:a16="http://schemas.microsoft.com/office/drawing/2014/main" id="{56AA055D-D7D2-423B-B11F-FCFE4FA02446}"/>
+              </a:ext>
+            </a:extLst>
+          </p:cNvPr>
+          <p:cNvCxnSpPr>
+            <a:cxnSpLocks/>
+            <a:stCxn id="7" idx="2"/>
+            <a:endCxn id="46" idx="3"/>
+          </p:cNvCxnSpPr>
+          <p:nvPr/>
+        </p:nvCxnSpPr>
+        <p:spPr>
+          <a:xfrm flipH="1">
+            <a:off x="1339744" y="2058094"/>
+            <a:ext cx="1974956" cy="0"/>
+          </a:xfrm>
+          <a:prstGeom prst="straightConnector1">
+            <a:avLst/>
+          </a:prstGeom>
+          <a:ln>
+            <a:tailEnd type="triangle"/>
+          </a:ln>
+        </p:spPr>
+        <p:style>
+          <a:lnRef idx="1">
+            <a:schemeClr val="accent1"/>
+          </a:lnRef>
+          <a:fillRef idx="0">
+            <a:schemeClr val="accent1"/>
+          </a:fillRef>
+          <a:effectRef idx="0">
+            <a:schemeClr val="accent1"/>
+          </a:effectRef>
+          <a:fontRef idx="minor">
+            <a:schemeClr val="tx1"/>
+          </a:fontRef>
+        </p:style>
+      </p:cxnSp>
+      <p:cxnSp>
+        <p:nvCxnSpPr>
+          <p:cNvPr id="51" name="Straight Arrow Connector 50">
+            <a:extLst>
+              <a:ext uri="{FF2B5EF4-FFF2-40B4-BE49-F238E27FC236}">
+                <a16:creationId xmlns:a16="http://schemas.microsoft.com/office/drawing/2014/main" id="{14DB9F3C-1079-4D34-B766-E5B362612522}"/>
+              </a:ext>
+            </a:extLst>
+          </p:cNvPr>
+          <p:cNvCxnSpPr>
+            <a:stCxn id="46" idx="2"/>
+            <a:endCxn id="6" idx="1"/>
+          </p:cNvCxnSpPr>
+          <p:nvPr/>
+        </p:nvCxnSpPr>
+        <p:spPr>
+          <a:xfrm>
+            <a:off x="819044" y="2511325"/>
+            <a:ext cx="6456" cy="382588"/>
+          </a:xfrm>
+          <a:prstGeom prst="straightConnector1">
+            <a:avLst/>
+          </a:prstGeom>
+          <a:ln>
+            <a:tailEnd type="triangle"/>
+          </a:ln>
+        </p:spPr>
+        <p:style>
+          <a:lnRef idx="1">
+            <a:schemeClr val="accent1"/>
+          </a:lnRef>
+          <a:fillRef idx="0">
+            <a:schemeClr val="accent1"/>
+          </a:fillRef>
+          <a:effectRef idx="0">
+            <a:schemeClr val="accent1"/>
+          </a:effectRef>
+          <a:fontRef idx="minor">
+            <a:schemeClr val="tx1"/>
+          </a:fontRef>
+        </p:style>
+      </p:cxnSp>
+      <p:cxnSp>
+        <p:nvCxnSpPr>
+          <p:cNvPr id="53" name="Straight Arrow Connector 52">
+            <a:extLst>
+              <a:ext uri="{FF2B5EF4-FFF2-40B4-BE49-F238E27FC236}">
+                <a16:creationId xmlns:a16="http://schemas.microsoft.com/office/drawing/2014/main" id="{A90D4B7B-4522-4182-B719-58E54BE5CC62}"/>
+              </a:ext>
+            </a:extLst>
+          </p:cNvPr>
+          <p:cNvCxnSpPr>
+            <a:stCxn id="26" idx="3"/>
+            <a:endCxn id="11" idx="0"/>
+          </p:cNvCxnSpPr>
+          <p:nvPr/>
+        </p:nvCxnSpPr>
+        <p:spPr>
+          <a:xfrm>
+            <a:off x="8324956" y="2686076"/>
+            <a:ext cx="0" cy="326105"/>
+          </a:xfrm>
+          <a:prstGeom prst="straightConnector1">
+            <a:avLst/>
+          </a:prstGeom>
+          <a:ln>
+            <a:tailEnd type="triangle"/>
+          </a:ln>
+        </p:spPr>
+        <p:style>
+          <a:lnRef idx="1">
+            <a:schemeClr val="accent1"/>
+          </a:lnRef>
+          <a:fillRef idx="0">
+            <a:schemeClr val="accent1"/>
+          </a:fillRef>
+          <a:effectRef idx="0">
+            <a:schemeClr val="accent1"/>
+          </a:effectRef>
+          <a:fontRef idx="minor">
+            <a:schemeClr val="tx1"/>
+          </a:fontRef>
+        </p:style>
+      </p:cxnSp>
+      <p:sp>
+        <p:nvSpPr>
+          <p:cNvPr id="32" name="Rectangle 31">
+            <a:extLst>
+              <a:ext uri="{FF2B5EF4-FFF2-40B4-BE49-F238E27FC236}">
+                <a16:creationId xmlns:a16="http://schemas.microsoft.com/office/drawing/2014/main" id="{9E948D04-F617-CB12-888C-F3D2841BDA78}"/>
+              </a:ext>
+            </a:extLst>
+          </p:cNvPr>
+          <p:cNvSpPr/>
+          <p:nvPr/>
+        </p:nvSpPr>
+        <p:spPr>
+          <a:xfrm>
+            <a:off x="6181393" y="3015620"/>
+            <a:ext cx="1041400" cy="906463"/>
+          </a:xfrm>
+          <a:prstGeom prst="rect">
+            <a:avLst/>
+          </a:prstGeom>
+          <a:solidFill>
+            <a:schemeClr val="tx2">
+              <a:lumMod val="40000"/>
+              <a:lumOff val="60000"/>
+            </a:schemeClr>
+          </a:solidFill>
+        </p:spPr>
+        <p:style>
+          <a:lnRef idx="2">
+            <a:schemeClr val="accent1">
+              <a:shade val="50000"/>
+            </a:schemeClr>
+          </a:lnRef>
+          <a:fillRef idx="1">
+            <a:schemeClr val="accent1"/>
+          </a:fillRef>
+          <a:effectRef idx="0">
+            <a:schemeClr val="accent1"/>
+          </a:effectRef>
+          <a:fontRef idx="minor">
+            <a:schemeClr val="lt1"/>
+          </a:fontRef>
+        </p:style>
+        <p:txBody>
+          <a:bodyPr rtlCol="0" anchor="ctr"/>
+          <a:lstStyle/>
+          <a:p>
+            <a:pPr algn="ctr"/>
+            <a:r>
+              <a:rPr lang="en-US" sz="1800" dirty="0">
+                <a:solidFill>
+                  <a:schemeClr val="tx1"/>
+                </a:solidFill>
+              </a:rPr>
+              <a:t>Fine Tune</a:t>
+            </a:r>
+          </a:p>
+        </p:txBody>
+      </p:sp>
+      <p:cxnSp>
+        <p:nvCxnSpPr>
+          <p:cNvPr id="35" name="Straight Arrow Connector 34">
+            <a:extLst>
+              <a:ext uri="{FF2B5EF4-FFF2-40B4-BE49-F238E27FC236}">
+                <a16:creationId xmlns:a16="http://schemas.microsoft.com/office/drawing/2014/main" id="{5852A270-1F6F-532B-8447-F59098D2863C}"/>
+              </a:ext>
+            </a:extLst>
+          </p:cNvPr>
+          <p:cNvCxnSpPr>
+            <a:cxnSpLocks/>
+            <a:stCxn id="32" idx="3"/>
+            <a:endCxn id="11" idx="1"/>
+          </p:cNvCxnSpPr>
+          <p:nvPr/>
+        </p:nvCxnSpPr>
+        <p:spPr>
+          <a:xfrm flipV="1">
+            <a:off x="7222793" y="3465413"/>
+            <a:ext cx="581463" cy="3439"/>
+          </a:xfrm>
+          <a:prstGeom prst="straightConnector1">
+            <a:avLst/>
+          </a:prstGeom>
+          <a:ln>
+            <a:tailEnd type="triangle"/>
+          </a:ln>
+        </p:spPr>
+        <p:style>
+          <a:lnRef idx="1">
+            <a:schemeClr val="accent1"/>
+          </a:lnRef>
+          <a:fillRef idx="0">
+            <a:schemeClr val="accent1"/>
+          </a:fillRef>
+          <a:effectRef idx="0">
+            <a:schemeClr val="accent1"/>
+          </a:effectRef>
+          <a:fontRef idx="minor">
+            <a:schemeClr val="tx1"/>
+          </a:fontRef>
+        </p:style>
+      </p:cxnSp>
+      <p:cxnSp>
+        <p:nvCxnSpPr>
+          <p:cNvPr id="40" name="Connector: Elbow 39">
+            <a:extLst>
+              <a:ext uri="{FF2B5EF4-FFF2-40B4-BE49-F238E27FC236}">
+                <a16:creationId xmlns:a16="http://schemas.microsoft.com/office/drawing/2014/main" id="{C48C091D-E4AF-5681-E2C4-F25FFE11436C}"/>
+              </a:ext>
+            </a:extLst>
+          </p:cNvPr>
+          <p:cNvCxnSpPr>
+            <a:cxnSpLocks/>
+            <a:stCxn id="32" idx="3"/>
+            <a:endCxn id="32" idx="2"/>
+          </p:cNvCxnSpPr>
+          <p:nvPr/>
+        </p:nvCxnSpPr>
+        <p:spPr>
+          <a:xfrm flipH="1">
+            <a:off x="6702093" y="3468852"/>
+            <a:ext cx="520700" cy="453231"/>
+          </a:xfrm>
+          <a:prstGeom prst="bentConnector4">
+            <a:avLst>
+              <a:gd name="adj1" fmla="val -43902"/>
+              <a:gd name="adj2" fmla="val 150438"/>
+            </a:avLst>
+          </a:prstGeom>
+          <a:ln>
+            <a:tailEnd type="triangle"/>
+          </a:ln>
+        </p:spPr>
+        <p:style>
+          <a:lnRef idx="1">
+            <a:schemeClr val="accent1"/>
+          </a:lnRef>
+          <a:fillRef idx="0">
+            <a:schemeClr val="accent1"/>
+          </a:fillRef>
+          <a:effectRef idx="0">
+            <a:schemeClr val="accent1"/>
+          </a:effectRef>
+          <a:fontRef idx="minor">
+            <a:schemeClr val="tx1"/>
+          </a:fontRef>
+        </p:style>
+      </p:cxnSp>
+      <p:cxnSp>
+        <p:nvCxnSpPr>
+          <p:cNvPr id="49" name="Connector: Elbow 48">
+            <a:extLst>
+              <a:ext uri="{FF2B5EF4-FFF2-40B4-BE49-F238E27FC236}">
+                <a16:creationId xmlns:a16="http://schemas.microsoft.com/office/drawing/2014/main" id="{CF39DC82-6941-61FB-64B0-17A9EBD350E4}"/>
+              </a:ext>
+            </a:extLst>
+          </p:cNvPr>
+          <p:cNvCxnSpPr>
+            <a:stCxn id="7" idx="3"/>
+            <a:endCxn id="32" idx="0"/>
+          </p:cNvCxnSpPr>
+          <p:nvPr/>
+        </p:nvCxnSpPr>
+        <p:spPr>
+          <a:xfrm rot="16200000" flipH="1">
+            <a:off x="5075733" y="1389260"/>
+            <a:ext cx="386026" cy="2866693"/>
+          </a:xfrm>
+          <a:prstGeom prst="bentConnector3">
+            <a:avLst/>
+          </a:prstGeom>
+          <a:ln>
+            <a:tailEnd type="triangle"/>
+          </a:ln>
+        </p:spPr>
+        <p:style>
+          <a:lnRef idx="1">
+            <a:schemeClr val="accent1"/>
+          </a:lnRef>
+          <a:fillRef idx="0">
+            <a:schemeClr val="accent1"/>
+          </a:fillRef>
+          <a:effectRef idx="0">
+            <a:schemeClr val="accent1"/>
+          </a:effectRef>
+          <a:fontRef idx="minor">
+            <a:schemeClr val="tx1"/>
+          </a:fontRef>
+        </p:style>
+      </p:cxnSp>
     </p:spTree>
     <p:extLst>
       <p:ext uri="{BB962C8B-B14F-4D97-AF65-F5344CB8AC3E}">
-        <p14:creationId xmlns:p14="http://schemas.microsoft.com/office/powerpoint/2010/main" val="1470893892"/>
+        <p14:creationId xmlns:p14="http://schemas.microsoft.com/office/powerpoint/2010/main" val="2704794761"/>
       </p:ext>
     </p:extLst>
   </p:cSld>
   <p:clrMapOvr>
     <a:masterClrMapping/>
   </p:clrMapOvr>
-  <p:transition/>
+  <p:transition advTm="157396"/>
 </p:sld>
 </file>
 
@@ -20347,7 +21546,7 @@
           <p:cNvPr id="2" name="Title 1">
             <a:extLst>
               <a:ext uri="{FF2B5EF4-FFF2-40B4-BE49-F238E27FC236}">
-                <a16:creationId xmlns:a16="http://schemas.microsoft.com/office/drawing/2014/main" id="{ADBC1634-8EFE-4F7B-8D39-18A0A4FB3B01}"/>
+                <a16:creationId xmlns:a16="http://schemas.microsoft.com/office/drawing/2014/main" id="{90517FCB-3345-40FF-AFCA-30212839B0FA}"/>
               </a:ext>
             </a:extLst>
           </p:cNvPr>
@@ -20365,7 +21564,7 @@
           <a:p>
             <a:r>
               <a:rPr lang="en-US" dirty="0"/>
-              <a:t>Hackathon Logistics</a:t>
+              <a:t>Evaluation</a:t>
             </a:r>
           </a:p>
         </p:txBody>
@@ -20375,7 +21574,7 @@
           <p:cNvPr id="3" name="Content Placeholder 2">
             <a:extLst>
               <a:ext uri="{FF2B5EF4-FFF2-40B4-BE49-F238E27FC236}">
-                <a16:creationId xmlns:a16="http://schemas.microsoft.com/office/drawing/2014/main" id="{CAFDD1D9-49A1-4559-8148-CC057C0C1B09}"/>
+                <a16:creationId xmlns:a16="http://schemas.microsoft.com/office/drawing/2014/main" id="{9B03EA02-EC07-439E-9313-BA0988770E4F}"/>
               </a:ext>
             </a:extLst>
           </p:cNvPr>
@@ -20393,54 +21592,67 @@
           <a:p>
             <a:r>
               <a:rPr lang="en-US" dirty="0"/>
-              <a:t>Getting started/help session Sat 4/30 1-5pm</a:t>
-            </a:r>
-          </a:p>
-          <a:p>
+              <a:t>Accuracy is determined with test images</a:t>
+            </a:r>
+          </a:p>
+          <a:p>
+            <a:pPr lvl="1"/>
             <a:r>
               <a:rPr lang="en-US" dirty="0"/>
-              <a:t>Evaluation metrics</a:t>
+              <a:t>Set of 100, not included in training or validation</a:t>
             </a:r>
           </a:p>
           <a:p>
             <a:pPr lvl="1"/>
             <a:r>
               <a:rPr lang="en-US" dirty="0"/>
-              <a:t>Accuracy on test set</a:t>
+              <a:t>Julia script uses </a:t>
+            </a:r>
+            <a:r>
+              <a:rPr lang="en-US" dirty="0" err="1"/>
+              <a:t>BitSAD</a:t>
+            </a:r>
+            <a:r>
+              <a:rPr lang="en-US" dirty="0"/>
+              <a:t> to estimate accuracy</a:t>
             </a:r>
           </a:p>
           <a:p>
             <a:pPr lvl="1"/>
             <a:r>
               <a:rPr lang="en-US" dirty="0"/>
-              <a:t>Area cost (based on pruning)</a:t>
+              <a:t>Accuracy drops from pruning</a:t>
+            </a:r>
+            <a:r>
+              <a:rPr lang="en-US"/>
+              <a:t>, quantization</a:t>
+            </a:r>
+            <a:endParaRPr lang="en-US" dirty="0"/>
+          </a:p>
+          <a:p>
+            <a:r>
+              <a:rPr lang="en-US" dirty="0"/>
+              <a:t>Cost is measured as relative silicon area</a:t>
             </a:r>
           </a:p>
           <a:p>
             <a:pPr lvl="1"/>
             <a:r>
               <a:rPr lang="en-US" dirty="0"/>
-              <a:t>Energy cost (based on pruning and bitstream length)</a:t>
+              <a:t>We provide Julia script for this</a:t>
+            </a:r>
+          </a:p>
+          <a:p>
+            <a:r>
+              <a:rPr lang="en-US" dirty="0"/>
+              <a:t>Energy is measured per inference (image)</a:t>
             </a:r>
           </a:p>
           <a:p>
             <a:pPr lvl="1"/>
             <a:r>
               <a:rPr lang="en-US" dirty="0"/>
-              <a:t>Compound: accuracy/area (higher is better)</a:t>
-            </a:r>
-          </a:p>
-          <a:p>
-            <a:pPr lvl="1"/>
-            <a:r>
-              <a:rPr lang="en-US" dirty="0"/>
-              <a:t>Compound: accuracy/energy (higher is better)</a:t>
-            </a:r>
-          </a:p>
-          <a:p>
-            <a:r>
-              <a:rPr lang="en-US" dirty="0"/>
-              <a:t>Submit report, model, and results via web site</a:t>
+              <a:t>We also provide a script for this</a:t>
             </a:r>
           </a:p>
         </p:txBody>
@@ -20450,7 +21662,7 @@
           <p:cNvPr id="4" name="Footer Placeholder 3">
             <a:extLst>
               <a:ext uri="{FF2B5EF4-FFF2-40B4-BE49-F238E27FC236}">
-                <a16:creationId xmlns:a16="http://schemas.microsoft.com/office/drawing/2014/main" id="{C07D4F2F-8F17-444A-9E72-F81CF4BE2493}"/>
+                <a16:creationId xmlns:a16="http://schemas.microsoft.com/office/drawing/2014/main" id="{820F5114-3EB2-4C02-B0F2-B2CC6FD83648}"/>
               </a:ext>
             </a:extLst>
           </p:cNvPr>
@@ -20478,7 +21690,7 @@
           <p:cNvPr id="5" name="Slide Number Placeholder 4">
             <a:extLst>
               <a:ext uri="{FF2B5EF4-FFF2-40B4-BE49-F238E27FC236}">
-                <a16:creationId xmlns:a16="http://schemas.microsoft.com/office/drawing/2014/main" id="{80F5DA2A-FDF1-45CC-A12F-46862EF8DFC1}"/>
+                <a16:creationId xmlns:a16="http://schemas.microsoft.com/office/drawing/2014/main" id="{47F75D55-1BA9-450B-B512-E8B9C08FD095}"/>
               </a:ext>
             </a:extLst>
           </p:cNvPr>
@@ -20505,14 +21717,14 @@
     </p:spTree>
     <p:extLst>
       <p:ext uri="{BB962C8B-B14F-4D97-AF65-F5344CB8AC3E}">
-        <p14:creationId xmlns:p14="http://schemas.microsoft.com/office/powerpoint/2010/main" val="87770107"/>
+        <p14:creationId xmlns:p14="http://schemas.microsoft.com/office/powerpoint/2010/main" val="1470893892"/>
       </p:ext>
     </p:extLst>
   </p:cSld>
   <p:clrMapOvr>
     <a:masterClrMapping/>
   </p:clrMapOvr>
-  <p:transition/>
+  <p:transition advTm="117479"/>
 </p:sld>
 </file>
 
@@ -20538,7 +21750,7 @@
           <p:cNvPr id="2" name="Title 1">
             <a:extLst>
               <a:ext uri="{FF2B5EF4-FFF2-40B4-BE49-F238E27FC236}">
-                <a16:creationId xmlns:a16="http://schemas.microsoft.com/office/drawing/2014/main" id="{03D1064A-98A4-4167-9703-0D48D748A005}"/>
+                <a16:creationId xmlns:a16="http://schemas.microsoft.com/office/drawing/2014/main" id="{ADBC1634-8EFE-4F7B-8D39-18A0A4FB3B01}"/>
               </a:ext>
             </a:extLst>
           </p:cNvPr>
@@ -20556,7 +21768,7 @@
           <a:p>
             <a:r>
               <a:rPr lang="en-US" dirty="0"/>
-              <a:t>Report Format</a:t>
+              <a:t>Hackathon Logistics</a:t>
             </a:r>
           </a:p>
         </p:txBody>
@@ -20566,7 +21778,7 @@
           <p:cNvPr id="3" name="Content Placeholder 2">
             <a:extLst>
               <a:ext uri="{FF2B5EF4-FFF2-40B4-BE49-F238E27FC236}">
-                <a16:creationId xmlns:a16="http://schemas.microsoft.com/office/drawing/2014/main" id="{7C6C882A-5236-4968-8FD0-EE3F769D7CC5}"/>
+                <a16:creationId xmlns:a16="http://schemas.microsoft.com/office/drawing/2014/main" id="{CAFDD1D9-49A1-4559-8148-CC057C0C1B09}"/>
               </a:ext>
             </a:extLst>
           </p:cNvPr>
@@ -20577,74 +21789,67 @@
             <p:ph idx="1"/>
           </p:nvPr>
         </p:nvSpPr>
-        <p:spPr/>
+        <p:spPr>
+          <a:xfrm>
+            <a:off x="457200" y="1464906"/>
+            <a:ext cx="8229600" cy="4661257"/>
+          </a:xfrm>
+        </p:spPr>
         <p:txBody>
           <a:bodyPr/>
           <a:lstStyle/>
           <a:p>
             <a:r>
               <a:rPr lang="en-US" dirty="0"/>
-              <a:t>Describe</a:t>
+              <a:t>Getting started/help session Sun 11/12 1-4pm</a:t>
+            </a:r>
+          </a:p>
+          <a:p>
+            <a:r>
+              <a:rPr lang="en-US" dirty="0"/>
+              <a:t>Evaluation metrics</a:t>
             </a:r>
           </a:p>
           <a:p>
             <a:pPr lvl="1"/>
             <a:r>
               <a:rPr lang="en-US" dirty="0"/>
-              <a:t>Choices, changes to pruning/fine-tuning flow</a:t>
+              <a:t>Accuracy on test set</a:t>
             </a:r>
           </a:p>
           <a:p>
             <a:pPr lvl="1"/>
             <a:r>
               <a:rPr lang="en-US" dirty="0"/>
-              <a:t>Choices for bitstream length</a:t>
+              <a:t>Area cost (based on pruning)</a:t>
             </a:r>
           </a:p>
           <a:p>
             <a:pPr lvl="1"/>
             <a:r>
               <a:rPr lang="en-US" dirty="0"/>
-              <a:t>Any design tradeoffs</a:t>
+              <a:t>Energy cost (based on pruning and bitstream length)</a:t>
             </a:r>
           </a:p>
           <a:p>
             <a:pPr lvl="1"/>
             <a:r>
               <a:rPr lang="en-US" dirty="0"/>
-              <a:t>Any further parameters changed/tweaked</a:t>
+              <a:t>Compound: accuracy/area (higher is better)</a:t>
             </a:r>
           </a:p>
           <a:p>
             <a:pPr lvl="1"/>
             <a:r>
               <a:rPr lang="en-US" dirty="0"/>
-              <a:t>Resulting area, energy estimates from tools</a:t>
-            </a:r>
-          </a:p>
-          <a:p>
-            <a:pPr lvl="1"/>
+              <a:t>Compound: accuracy/energy (higher is better)</a:t>
+            </a:r>
+          </a:p>
+          <a:p>
             <a:r>
               <a:rPr lang="en-US" dirty="0"/>
-              <a:t>Resulting accuracy for test set</a:t>
-            </a:r>
-          </a:p>
-          <a:p>
-            <a:pPr lvl="1"/>
-            <a:r>
-              <a:rPr lang="en-US" dirty="0"/>
-              <a:t>Lessons learned, conclusions</a:t>
-            </a:r>
-          </a:p>
-          <a:p>
-            <a:r>
-              <a:rPr lang="en-US" dirty="0"/>
-              <a:t>Include pointer to final BSON model file</a:t>
-            </a:r>
-          </a:p>
-          <a:p>
-            <a:pPr lvl="1"/>
-            <a:endParaRPr lang="en-US" dirty="0"/>
+              <a:t>Submit report, model, and results via web site</a:t>
+            </a:r>
           </a:p>
         </p:txBody>
       </p:sp>
@@ -20653,7 +21858,7 @@
           <p:cNvPr id="4" name="Footer Placeholder 3">
             <a:extLst>
               <a:ext uri="{FF2B5EF4-FFF2-40B4-BE49-F238E27FC236}">
-                <a16:creationId xmlns:a16="http://schemas.microsoft.com/office/drawing/2014/main" id="{B66FDDB2-22AE-48D3-BDA0-0872F1E897A1}"/>
+                <a16:creationId xmlns:a16="http://schemas.microsoft.com/office/drawing/2014/main" id="{C07D4F2F-8F17-444A-9E72-F81CF4BE2493}"/>
               </a:ext>
             </a:extLst>
           </p:cNvPr>
@@ -20681,7 +21886,7 @@
           <p:cNvPr id="5" name="Slide Number Placeholder 4">
             <a:extLst>
               <a:ext uri="{FF2B5EF4-FFF2-40B4-BE49-F238E27FC236}">
-                <a16:creationId xmlns:a16="http://schemas.microsoft.com/office/drawing/2014/main" id="{F36AD0C7-C6C6-4501-B0E8-D2AE70F2E1E2}"/>
+                <a16:creationId xmlns:a16="http://schemas.microsoft.com/office/drawing/2014/main" id="{80F5DA2A-FDF1-45CC-A12F-46862EF8DFC1}"/>
               </a:ext>
             </a:extLst>
           </p:cNvPr>
@@ -20708,14 +21913,14 @@
     </p:spTree>
     <p:extLst>
       <p:ext uri="{BB962C8B-B14F-4D97-AF65-F5344CB8AC3E}">
-        <p14:creationId xmlns:p14="http://schemas.microsoft.com/office/powerpoint/2010/main" val="2141538408"/>
+        <p14:creationId xmlns:p14="http://schemas.microsoft.com/office/powerpoint/2010/main" val="87770107"/>
       </p:ext>
     </p:extLst>
   </p:cSld>
   <p:clrMapOvr>
     <a:masterClrMapping/>
   </p:clrMapOvr>
-  <p:transition/>
+  <p:transition advTm="49974"/>
 </p:sld>
 </file>
 
@@ -20741,7 +21946,7 @@
           <p:cNvPr id="2" name="Title 1">
             <a:extLst>
               <a:ext uri="{FF2B5EF4-FFF2-40B4-BE49-F238E27FC236}">
-                <a16:creationId xmlns:a16="http://schemas.microsoft.com/office/drawing/2014/main" id="{C4B03B1A-EB95-49A7-9BE1-FE87C9631151}"/>
+                <a16:creationId xmlns:a16="http://schemas.microsoft.com/office/drawing/2014/main" id="{03D1064A-98A4-4167-9703-0D48D748A005}"/>
               </a:ext>
             </a:extLst>
           </p:cNvPr>
@@ -20759,8 +21964,95 @@
           <a:p>
             <a:r>
               <a:rPr lang="en-US" dirty="0"/>
-              <a:t>Acknowledgments</a:t>
-            </a:r>
+              <a:t>Report Format</a:t>
+            </a:r>
+          </a:p>
+        </p:txBody>
+      </p:sp>
+      <p:sp>
+        <p:nvSpPr>
+          <p:cNvPr id="3" name="Content Placeholder 2">
+            <a:extLst>
+              <a:ext uri="{FF2B5EF4-FFF2-40B4-BE49-F238E27FC236}">
+                <a16:creationId xmlns:a16="http://schemas.microsoft.com/office/drawing/2014/main" id="{7C6C882A-5236-4968-8FD0-EE3F769D7CC5}"/>
+              </a:ext>
+            </a:extLst>
+          </p:cNvPr>
+          <p:cNvSpPr>
+            <a:spLocks noGrp="1"/>
+          </p:cNvSpPr>
+          <p:nvPr>
+            <p:ph idx="1"/>
+          </p:nvPr>
+        </p:nvSpPr>
+        <p:spPr/>
+        <p:txBody>
+          <a:bodyPr/>
+          <a:lstStyle/>
+          <a:p>
+            <a:r>
+              <a:rPr lang="en-US" dirty="0"/>
+              <a:t>Describe</a:t>
+            </a:r>
+          </a:p>
+          <a:p>
+            <a:pPr lvl="1"/>
+            <a:r>
+              <a:rPr lang="en-US" dirty="0"/>
+              <a:t>Choices, changes to pruning/fine-tuning flow</a:t>
+            </a:r>
+          </a:p>
+          <a:p>
+            <a:pPr lvl="1"/>
+            <a:r>
+              <a:rPr lang="en-US" dirty="0"/>
+              <a:t>Choices for bitstream length</a:t>
+            </a:r>
+          </a:p>
+          <a:p>
+            <a:pPr lvl="1"/>
+            <a:r>
+              <a:rPr lang="en-US" dirty="0"/>
+              <a:t>Any design tradeoffs</a:t>
+            </a:r>
+          </a:p>
+          <a:p>
+            <a:pPr lvl="1"/>
+            <a:r>
+              <a:rPr lang="en-US" dirty="0"/>
+              <a:t>Any further parameters changed/tweaked</a:t>
+            </a:r>
+          </a:p>
+          <a:p>
+            <a:pPr lvl="1"/>
+            <a:r>
+              <a:rPr lang="en-US" dirty="0"/>
+              <a:t>Resulting area, energy estimates from tools</a:t>
+            </a:r>
+          </a:p>
+          <a:p>
+            <a:pPr lvl="1"/>
+            <a:r>
+              <a:rPr lang="en-US" dirty="0"/>
+              <a:t>Resulting accuracy for test set</a:t>
+            </a:r>
+          </a:p>
+          <a:p>
+            <a:pPr lvl="1"/>
+            <a:r>
+              <a:rPr lang="en-US" dirty="0"/>
+              <a:t>Lessons learned, conclusions</a:t>
+            </a:r>
+          </a:p>
+          <a:p>
+            <a:r>
+              <a:rPr lang="en-US" dirty="0"/>
+              <a:t>Include pointer to final BSON model file</a:t>
+            </a:r>
+          </a:p>
+          <a:p>
+            <a:pPr lvl="1"/>
+            <a:endParaRPr lang="en-US" dirty="0"/>
           </a:p>
         </p:txBody>
       </p:sp>
@@ -20769,7 +22061,7 @@
           <p:cNvPr id="4" name="Footer Placeholder 3">
             <a:extLst>
               <a:ext uri="{FF2B5EF4-FFF2-40B4-BE49-F238E27FC236}">
-                <a16:creationId xmlns:a16="http://schemas.microsoft.com/office/drawing/2014/main" id="{CE2718CD-2285-48C3-96CD-A6A2B3F13FE6}"/>
+                <a16:creationId xmlns:a16="http://schemas.microsoft.com/office/drawing/2014/main" id="{B66FDDB2-22AE-48D3-BDA0-0872F1E897A1}"/>
               </a:ext>
             </a:extLst>
           </p:cNvPr>
@@ -20797,7 +22089,7 @@
           <p:cNvPr id="5" name="Slide Number Placeholder 4">
             <a:extLst>
               <a:ext uri="{FF2B5EF4-FFF2-40B4-BE49-F238E27FC236}">
-                <a16:creationId xmlns:a16="http://schemas.microsoft.com/office/drawing/2014/main" id="{78956C82-7B77-41D3-B7CF-069D298010D7}"/>
+                <a16:creationId xmlns:a16="http://schemas.microsoft.com/office/drawing/2014/main" id="{F36AD0C7-C6C6-4501-B0E8-D2AE70F2E1E2}"/>
               </a:ext>
             </a:extLst>
           </p:cNvPr>
@@ -20816,6 +22108,127 @@
             <a:fld id="{6CD1140A-C91D-4727-B1C6-F64D20B33EED}" type="slidenum">
               <a:rPr lang="en-US" smtClean="0"/>
               <a:t>27</a:t>
+            </a:fld>
+            <a:endParaRPr lang="en-US"/>
+          </a:p>
+        </p:txBody>
+      </p:sp>
+    </p:spTree>
+    <p:extLst>
+      <p:ext uri="{BB962C8B-B14F-4D97-AF65-F5344CB8AC3E}">
+        <p14:creationId xmlns:p14="http://schemas.microsoft.com/office/powerpoint/2010/main" val="2141538408"/>
+      </p:ext>
+    </p:extLst>
+  </p:cSld>
+  <p:clrMapOvr>
+    <a:masterClrMapping/>
+  </p:clrMapOvr>
+  <p:transition advTm="48121"/>
+</p:sld>
+</file>
+
+<file path=ppt/slides/slide28.xml><?xml version="1.0" encoding="utf-8"?>
+<p:sld xmlns:a="http://schemas.openxmlformats.org/drawingml/2006/main" xmlns:r="http://schemas.openxmlformats.org/officeDocument/2006/relationships" xmlns:p="http://schemas.openxmlformats.org/presentationml/2006/main">
+  <p:cSld>
+    <p:spTree>
+      <p:nvGrpSpPr>
+        <p:cNvPr id="1" name=""/>
+        <p:cNvGrpSpPr/>
+        <p:nvPr/>
+      </p:nvGrpSpPr>
+      <p:grpSpPr>
+        <a:xfrm>
+          <a:off x="0" y="0"/>
+          <a:ext cx="0" cy="0"/>
+          <a:chOff x="0" y="0"/>
+          <a:chExt cx="0" cy="0"/>
+        </a:xfrm>
+      </p:grpSpPr>
+      <p:sp>
+        <p:nvSpPr>
+          <p:cNvPr id="2" name="Title 1">
+            <a:extLst>
+              <a:ext uri="{FF2B5EF4-FFF2-40B4-BE49-F238E27FC236}">
+                <a16:creationId xmlns:a16="http://schemas.microsoft.com/office/drawing/2014/main" id="{C4B03B1A-EB95-49A7-9BE1-FE87C9631151}"/>
+              </a:ext>
+            </a:extLst>
+          </p:cNvPr>
+          <p:cNvSpPr>
+            <a:spLocks noGrp="1"/>
+          </p:cNvSpPr>
+          <p:nvPr>
+            <p:ph type="title"/>
+          </p:nvPr>
+        </p:nvSpPr>
+        <p:spPr>
+          <a:xfrm>
+            <a:off x="457200" y="274638"/>
+            <a:ext cx="7467600" cy="927997"/>
+          </a:xfrm>
+        </p:spPr>
+        <p:txBody>
+          <a:bodyPr/>
+          <a:lstStyle/>
+          <a:p>
+            <a:r>
+              <a:rPr lang="en-US" dirty="0"/>
+              <a:t>Acknowledgments</a:t>
+            </a:r>
+          </a:p>
+        </p:txBody>
+      </p:sp>
+      <p:sp>
+        <p:nvSpPr>
+          <p:cNvPr id="4" name="Footer Placeholder 3">
+            <a:extLst>
+              <a:ext uri="{FF2B5EF4-FFF2-40B4-BE49-F238E27FC236}">
+                <a16:creationId xmlns:a16="http://schemas.microsoft.com/office/drawing/2014/main" id="{CE2718CD-2285-48C3-96CD-A6A2B3F13FE6}"/>
+              </a:ext>
+            </a:extLst>
+          </p:cNvPr>
+          <p:cNvSpPr>
+            <a:spLocks noGrp="1"/>
+          </p:cNvSpPr>
+          <p:nvPr>
+            <p:ph type="ftr" sz="quarter" idx="11"/>
+          </p:nvPr>
+        </p:nvSpPr>
+        <p:spPr/>
+        <p:txBody>
+          <a:bodyPr/>
+          <a:lstStyle/>
+          <a:p>
+            <a:r>
+              <a:rPr lang="en-US"/>
+              <a:t>Bitstream Computing Hackathon @ UW</a:t>
+            </a:r>
+          </a:p>
+        </p:txBody>
+      </p:sp>
+      <p:sp>
+        <p:nvSpPr>
+          <p:cNvPr id="5" name="Slide Number Placeholder 4">
+            <a:extLst>
+              <a:ext uri="{FF2B5EF4-FFF2-40B4-BE49-F238E27FC236}">
+                <a16:creationId xmlns:a16="http://schemas.microsoft.com/office/drawing/2014/main" id="{78956C82-7B77-41D3-B7CF-069D298010D7}"/>
+              </a:ext>
+            </a:extLst>
+          </p:cNvPr>
+          <p:cNvSpPr>
+            <a:spLocks noGrp="1"/>
+          </p:cNvSpPr>
+          <p:nvPr>
+            <p:ph type="sldNum" sz="quarter" idx="12"/>
+          </p:nvPr>
+        </p:nvSpPr>
+        <p:spPr/>
+        <p:txBody>
+          <a:bodyPr/>
+          <a:lstStyle/>
+          <a:p>
+            <a:fld id="{6CD1140A-C91D-4727-B1C6-F64D20B33EED}" type="slidenum">
+              <a:rPr lang="en-US" smtClean="0"/>
+              <a:t>28</a:t>
             </a:fld>
             <a:endParaRPr lang="en-US"/>
           </a:p>
@@ -20838,7 +22251,7 @@
           </p:nvPr>
         </p:nvPicPr>
         <p:blipFill>
-          <a:blip r:embed="rId2">
+          <a:blip r:embed="rId3">
             <a:extLst>
               <a:ext uri="{28A0092B-C50C-407E-A947-70E740481C1C}">
                 <a14:useLocalDpi xmlns:a14="http://schemas.microsoft.com/office/drawing/2010/main" val="0"/>
@@ -20852,7 +22265,7 @@
         </p:blipFill>
         <p:spPr bwMode="auto">
           <a:xfrm>
-            <a:off x="901736" y="1941228"/>
+            <a:off x="494236" y="2408361"/>
             <a:ext cx="1131346" cy="1131346"/>
           </a:xfrm>
           <a:prstGeom prst="rect">
@@ -20885,7 +22298,7 @@
           <p:nvPr/>
         </p:nvPicPr>
         <p:blipFill>
-          <a:blip r:embed="rId3">
+          <a:blip r:embed="rId4">
             <a:extLst>
               <a:ext uri="{28A0092B-C50C-407E-A947-70E740481C1C}">
                 <a14:useLocalDpi xmlns:a14="http://schemas.microsoft.com/office/drawing/2010/main" val="0"/>
@@ -20898,7 +22311,7 @@
         </p:blipFill>
         <p:spPr>
           <a:xfrm>
-            <a:off x="901735" y="3147934"/>
+            <a:off x="494235" y="3615067"/>
             <a:ext cx="1131347" cy="1053529"/>
           </a:xfrm>
           <a:prstGeom prst="rect">
@@ -20965,7 +22378,7 @@
         </p:nvSpPr>
         <p:spPr>
           <a:xfrm>
-            <a:off x="2108415" y="1941228"/>
+            <a:off x="1700915" y="2408361"/>
             <a:ext cx="1490802" cy="1077218"/>
           </a:xfrm>
           <a:prstGeom prst="rect">
@@ -21010,7 +22423,7 @@
         </p:nvSpPr>
         <p:spPr>
           <a:xfrm>
-            <a:off x="2108413" y="3084228"/>
+            <a:off x="1700913" y="3551361"/>
             <a:ext cx="1641465" cy="830997"/>
           </a:xfrm>
           <a:prstGeom prst="rect">
@@ -21255,7 +22668,7 @@
             <a:pPr lvl="1"/>
             <a:r>
               <a:rPr lang="en-US" sz="2000" dirty="0">
-                <a:hlinkClick r:id="rId4"/>
+                <a:hlinkClick r:id="rId5"/>
               </a:rPr>
               <a:t>http://pharm.ece.wisc.edu</a:t>
             </a:r>
@@ -21314,6 +22727,81 @@
           </a:p>
           <a:p>
             <a:endParaRPr lang="en-US" sz="2400" dirty="0"/>
+          </a:p>
+        </p:txBody>
+      </p:sp>
+      <p:pic>
+        <p:nvPicPr>
+          <p:cNvPr id="9" name="Picture 8">
+            <a:extLst>
+              <a:ext uri="{FF2B5EF4-FFF2-40B4-BE49-F238E27FC236}">
+                <a16:creationId xmlns:a16="http://schemas.microsoft.com/office/drawing/2014/main" id="{178DA2B8-A1B8-F969-3AEF-474334C6FFB7}"/>
+              </a:ext>
+            </a:extLst>
+          </p:cNvPr>
+          <p:cNvPicPr>
+            <a:picLocks noChangeAspect="1"/>
+          </p:cNvPicPr>
+          <p:nvPr/>
+        </p:nvPicPr>
+        <p:blipFill>
+          <a:blip r:embed="rId6"/>
+          <a:stretch>
+            <a:fillRect/>
+          </a:stretch>
+        </p:blipFill>
+        <p:spPr>
+          <a:xfrm>
+            <a:off x="497548" y="1053547"/>
+            <a:ext cx="1128034" cy="1266097"/>
+          </a:xfrm>
+          <a:prstGeom prst="rect">
+            <a:avLst/>
+          </a:prstGeom>
+        </p:spPr>
+      </p:pic>
+      <p:sp>
+        <p:nvSpPr>
+          <p:cNvPr id="10" name="TextBox 9">
+            <a:extLst>
+              <a:ext uri="{FF2B5EF4-FFF2-40B4-BE49-F238E27FC236}">
+                <a16:creationId xmlns:a16="http://schemas.microsoft.com/office/drawing/2014/main" id="{F61C9A53-CDDE-96C7-58AD-37E50A3F0FA0}"/>
+              </a:ext>
+            </a:extLst>
+          </p:cNvPr>
+          <p:cNvSpPr txBox="1"/>
+          <p:nvPr/>
+        </p:nvSpPr>
+        <p:spPr>
+          <a:xfrm>
+            <a:off x="1698669" y="1112413"/>
+            <a:ext cx="1490802" cy="1077218"/>
+          </a:xfrm>
+          <a:prstGeom prst="rect">
+            <a:avLst/>
+          </a:prstGeom>
+          <a:noFill/>
+        </p:spPr>
+        <p:txBody>
+          <a:bodyPr wrap="square" rtlCol="0">
+            <a:spAutoFit/>
+          </a:bodyPr>
+          <a:lstStyle/>
+          <a:p>
+            <a:r>
+              <a:rPr lang="en-US" sz="1600" u="sng" dirty="0">
+                <a:latin typeface="+mj-lt"/>
+              </a:rPr>
+              <a:t>Nitya Joshi</a:t>
+            </a:r>
+          </a:p>
+          <a:p>
+            <a:r>
+              <a:rPr lang="en-US" sz="1600" dirty="0">
+                <a:latin typeface="+mj-lt"/>
+              </a:rPr>
+              <a:t>Quantization, script &amp; tutorial updates</a:t>
+            </a:r>
           </a:p>
         </p:txBody>
       </p:sp>
@@ -21327,11 +22815,11 @@
   <p:clrMapOvr>
     <a:masterClrMapping/>
   </p:clrMapOvr>
-  <p:transition/>
+  <p:transition advTm="70194"/>
 </p:sld>
 </file>
 
-<file path=ppt/slides/slide28.xml><?xml version="1.0" encoding="utf-8"?>
+<file path=ppt/slides/slide29.xml><?xml version="1.0" encoding="utf-8"?>
 <p:sld xmlns:a="http://schemas.openxmlformats.org/drawingml/2006/main" xmlns:r="http://schemas.openxmlformats.org/officeDocument/2006/relationships" xmlns:p="http://schemas.openxmlformats.org/presentationml/2006/main">
   <p:cSld>
     <p:spTree>
@@ -21482,7 +22970,7 @@
           <a:p>
             <a:r>
               <a:rPr lang="en-US" sz="2400" dirty="0"/>
-              <a:t>BCH@UW Hackathon kicks off on Sat 4/30 at 1pm in </a:t>
+              <a:t>BCH@UW Hackathon kicks off on Sun 11/12 at 1pm in </a:t>
             </a:r>
             <a:r>
               <a:rPr lang="en-US" sz="2400" b="1" dirty="0"/>
@@ -21552,7 +23040,7 @@
           <a:p>
             <a:fld id="{6CD1140A-C91D-4727-B1C6-F64D20B33EED}" type="slidenum">
               <a:rPr lang="en-US" smtClean="0"/>
-              <a:t>28</a:t>
+              <a:t>29</a:t>
             </a:fld>
             <a:endParaRPr lang="en-US"/>
           </a:p>
@@ -21568,7 +23056,7 @@
   <p:clrMapOvr>
     <a:masterClrMapping/>
   </p:clrMapOvr>
-  <p:transition/>
+  <p:transition advTm="43277"/>
 </p:sld>
 </file>
 
@@ -21783,7 +23271,7 @@
   <p:clrMapOvr>
     <a:masterClrMapping/>
   </p:clrMapOvr>
-  <p:transition/>
+  <p:transition advTm="71323"/>
 </p:sld>
 </file>
 
@@ -23746,8 +25234,8 @@
           </a:fontRef>
         </p:style>
       </p:cxnSp>
-      <mc:AlternateContent xmlns:mc="http://schemas.openxmlformats.org/markup-compatibility/2006">
-        <mc:Choice xmlns:a14="http://schemas.microsoft.com/office/drawing/2010/main" Requires="a14">
+      <mc:AlternateContent xmlns:mc="http://schemas.openxmlformats.org/markup-compatibility/2006" xmlns:a14="http://schemas.microsoft.com/office/drawing/2010/main">
+        <mc:Choice Requires="a14">
           <p:sp>
             <p:nvSpPr>
               <p:cNvPr id="77" name="TextBox 76">
@@ -23776,6 +25264,7 @@
               </a:bodyPr>
               <a:lstStyle/>
               <a:p>
+                <a:pPr/>
                 <a14:m>
                   <m:oMathPara xmlns:m="http://schemas.openxmlformats.org/officeDocument/2006/math">
                     <m:oMathParaPr>
@@ -23904,7 +25393,7 @@
             </p:txBody>
           </p:sp>
         </mc:Choice>
-        <mc:Fallback>
+        <mc:Fallback xmlns="">
           <p:sp>
             <p:nvSpPr>
               <p:cNvPr id="77" name="TextBox 76">
@@ -23928,7 +25417,7 @@
                 <a:avLst/>
               </a:prstGeom>
               <a:blipFill>
-                <a:blip r:embed="rId2"/>
+                <a:blip r:embed="rId4"/>
                 <a:stretch>
                   <a:fillRect/>
                 </a:stretch>
@@ -24504,7 +25993,7 @@
   <p:clrMapOvr>
     <a:masterClrMapping/>
   </p:clrMapOvr>
-  <p:transition/>
+  <p:transition advTm="273926"/>
 </p:sld>
 </file>
 
@@ -24768,7 +26257,7 @@
   <p:clrMapOvr>
     <a:masterClrMapping/>
   </p:clrMapOvr>
-  <p:transition/>
+  <p:transition advTm="274634"/>
 </p:sld>
 </file>
 
@@ -24982,7 +26471,7 @@
   <p:clrMapOvr>
     <a:masterClrMapping/>
   </p:clrMapOvr>
-  <p:transition/>
+  <p:transition advTm="54878"/>
 </p:sld>
 </file>
 
@@ -25018,7 +26507,7 @@
           <p:nvPr/>
         </p:nvPicPr>
         <p:blipFill>
-          <a:blip r:embed="rId2">
+          <a:blip r:embed="rId3">
             <a:extLst>
               <a:ext uri="{28A0092B-C50C-407E-A947-70E740481C1C}">
                 <a14:useLocalDpi xmlns:a14="http://schemas.microsoft.com/office/drawing/2010/main" val="0"/>
@@ -25330,6 +26819,9 @@
         </p:txBody>
       </p:sp>
     </p:spTree>
+    <p:custDataLst>
+      <p:tags r:id="rId1"/>
+    </p:custDataLst>
     <p:extLst>
       <p:ext uri="{BB962C8B-B14F-4D97-AF65-F5344CB8AC3E}">
         <p14:creationId xmlns:p14="http://schemas.microsoft.com/office/powerpoint/2010/main" val="1852208164"/>
@@ -25339,7 +26831,7 @@
   <p:clrMapOvr>
     <a:masterClrMapping/>
   </p:clrMapOvr>
-  <p:transition/>
+  <p:transition advTm="110142"/>
   <p:timing>
     <p:tnLst>
       <p:par>
@@ -25666,7 +27158,7 @@
   <p:clrMapOvr>
     <a:masterClrMapping/>
   </p:clrMapOvr>
-  <p:transition/>
+  <p:transition advTm="107982"/>
 </p:sld>
 </file>
 
@@ -25869,7 +27361,7 @@
   <p:clrMapOvr>
     <a:masterClrMapping/>
   </p:clrMapOvr>
-  <p:transition/>
+  <p:transition advTm="89058"/>
 </p:sld>
 </file>
 
@@ -25877,7 +27369,7 @@
 <p:tagLst xmlns:a="http://schemas.openxmlformats.org/drawingml/2006/main" xmlns:r="http://schemas.openxmlformats.org/officeDocument/2006/relationships" xmlns:p="http://schemas.openxmlformats.org/presentationml/2006/main">
   <p:tag name="SECTOMILLISECCONVERTED" val="1"/>
   <p:tag name="MMPROD_NEXTUNIQUEID" val="10010"/>
-  <p:tag name="MMPROD_UIDATA" val="&lt;database version=&quot;11.0&quot;&gt;&lt;object type=&quot;1&quot; unique_id=&quot;10001&quot;&gt;&lt;object type=&quot;8&quot; unique_id=&quot;10036&quot;&gt;&lt;/object&gt;&lt;object type=&quot;2&quot; unique_id=&quot;10037&quot;&gt;&lt;object type=&quot;3&quot; unique_id=&quot;115223&quot;&gt;&lt;property id=&quot;20148&quot; value=&quot;5&quot;/&gt;&lt;property id=&quot;20300&quot; value=&quot;Slide 1 - &amp;quot;Bitstream Computing Hackathon @ UW 4/30 – 5/7/2022&amp;quot;&quot;/&gt;&lt;property id=&quot;20307&quot; value=&quot;1262&quot;/&gt;&lt;/object&gt;&lt;object type=&quot;3&quot; unique_id=&quot;115224&quot;&gt;&lt;property id=&quot;20148&quot; value=&quot;5&quot;/&gt;&lt;property id=&quot;20300&quot; value=&quot;Slide 2 - &amp;quot;Motivation&amp;quot;&quot;/&gt;&lt;property id=&quot;20307&quot; value=&quot;1263&quot;/&gt;&lt;/object&gt;&lt;object type=&quot;3&quot; unique_id=&quot;115225&quot;&gt;&lt;property id=&quot;20148&quot; value=&quot;5&quot;/&gt;&lt;property id=&quot;20300&quot; value=&quot;Slide 3 - &amp;quot;Edge/IoT Devices&amp;quot;&quot;/&gt;&lt;property id=&quot;20307&quot; value=&quot;1264&quot;/&gt;&lt;/object&gt;&lt;object type=&quot;3&quot; unique_id=&quot;115226&quot;&gt;&lt;property id=&quot;20148&quot; value=&quot;5&quot;/&gt;&lt;property id=&quot;20300&quot; value=&quot;Slide 8 - &amp;quot;Reducing DeepNN Cost&amp;quot;&quot;/&gt;&lt;property id=&quot;20307&quot; value=&quot;1265&quot;/&gt;&lt;/object&gt;&lt;object type=&quot;3&quot; unique_id=&quot;115227&quot;&gt;&lt;property id=&quot;20148&quot; value=&quot;5&quot;/&gt;&lt;property id=&quot;20300&quot; value=&quot;Slide 9 - &amp;quot;Redesigning Networks&amp;quot;&quot;/&gt;&lt;property id=&quot;20307&quot; value=&quot;1266&quot;/&gt;&lt;/object&gt;&lt;object type=&quot;3&quot; unique_id=&quot;115229&quot;&gt;&lt;property id=&quot;20148&quot; value=&quot;5&quot;/&gt;&lt;property id=&quot;20300&quot; value=&quot;Slide 12 - &amp;quot;Quantization: Fixed-point&amp;quot;&quot;/&gt;&lt;property id=&quot;20307&quot; value=&quot;1228&quot;/&gt;&lt;/object&gt;&lt;object type=&quot;3&quot; unique_id=&quot;115230&quot;&gt;&lt;property id=&quot;20148&quot; value=&quot;5&quot;/&gt;&lt;property id=&quot;20300&quot; value=&quot;Slide 13 - &amp;quot;Bitstreams&amp;quot;&quot;/&gt;&lt;property id=&quot;20307&quot; value=&quot;1252&quot;/&gt;&lt;/object&gt;&lt;object type=&quot;3&quot; unique_id=&quot;115231&quot;&gt;&lt;property id=&quot;20148&quot; value=&quot;5&quot;/&gt;&lt;property id=&quot;20300&quot; value=&quot;Slide 14 - &amp;quot;Rate Coding in Neurons&amp;quot;&quot;/&gt;&lt;property id=&quot;20307&quot; value=&quot;1253&quot;/&gt;&lt;/object&gt;&lt;object type=&quot;3&quot; unique_id=&quot;115232&quot;&gt;&lt;property id=&quot;20148&quot; value=&quot;5&quot;/&gt;&lt;property id=&quot;20300&quot; value=&quot;Slide 15 - &amp;quot;Pulse Density Modulation&amp;quot;&quot;/&gt;&lt;property id=&quot;20307&quot; value=&quot;1254&quot;/&gt;&lt;/object&gt;&lt;object type=&quot;3&quot; unique_id=&quot;115233&quot;&gt;&lt;property id=&quot;20148&quot; value=&quot;5&quot;/&gt;&lt;property id=&quot;20300&quot; value=&quot;Slide 16 - &amp;quot;Stochastic Computing&amp;quot;&quot;/&gt;&lt;property id=&quot;20307&quot; value=&quot;1251&quot;/&gt;&lt;/object&gt;&lt;object type=&quot;3&quot; unique_id=&quot;115234&quot;&gt;&lt;property id=&quot;20148&quot; value=&quot;5&quot;/&gt;&lt;property id=&quot;20300&quot; value=&quot;Slide 17 - &amp;quot;Why Bitstreams?&amp;quot;&quot;/&gt;&lt;property id=&quot;20307&quot; value=&quot;1255&quot;/&gt;&lt;/object&gt;&lt;object type=&quot;3&quot; unique_id=&quot;115235&quot;&gt;&lt;property id=&quot;20148&quot; value=&quot;5&quot;/&gt;&lt;property id=&quot;20300&quot; value=&quot;Slide 18 - &amp;quot;Why Not Bitstreams?&amp;quot;&quot;/&gt;&lt;property id=&quot;20307&quot; value=&quot;1256&quot;/&gt;&lt;/object&gt;&lt;object type=&quot;3&quot; unique_id=&quot;115236&quot;&gt;&lt;property id=&quot;20148&quot; value=&quot;5&quot;/&gt;&lt;property id=&quot;20300&quot; value=&quot;Slide 20 - &amp;quot;Bitstream Dot Product&amp;quot;&quot;/&gt;&lt;property id=&quot;20307&quot; value=&quot;1269&quot;/&gt;&lt;/object&gt;&lt;object type=&quot;3&quot; unique_id=&quot;115237&quot;&gt;&lt;property id=&quot;20148&quot; value=&quot;5&quot;/&gt;&lt;property id=&quot;20300&quot; value=&quot;Slide 19 - &amp;quot;Development Tools&amp;quot;&quot;/&gt;&lt;property id=&quot;20307&quot; value=&quot;1261&quot;/&gt;&lt;/object&gt;&lt;object type=&quot;3&quot; unique_id=&quot;115239&quot;&gt;&lt;property id=&quot;20148&quot; value=&quot;5&quot;/&gt;&lt;property id=&quot;20300&quot; value=&quot;Slide 21 - &amp;quot;Pruning Neural Networks&amp;quot;&quot;/&gt;&lt;property id=&quot;20307&quot; value=&quot;1267&quot;/&gt;&lt;/object&gt;&lt;object type=&quot;3&quot; unique_id=&quot;115240&quot;&gt;&lt;property id=&quot;20148&quot; value=&quot;5&quot;/&gt;&lt;property id=&quot;20300&quot; value=&quot;Slide 25 - &amp;quot;Hackathon Logistics&amp;quot;&quot;/&gt;&lt;property id=&quot;20307&quot; value=&quot;1268&quot;/&gt;&lt;/object&gt;&lt;object type=&quot;3&quot; unique_id=&quot;115241&quot;&gt;&lt;property id=&quot;20148&quot; value=&quot;5&quot;/&gt;&lt;property id=&quot;20300&quot; value=&quot;Slide 26 - &amp;quot;Report Format&amp;quot;&quot;/&gt;&lt;property id=&quot;20307&quot; value=&quot;1270&quot;/&gt;&lt;/object&gt;&lt;object type=&quot;3&quot; unique_id=&quot;115242&quot;&gt;&lt;property id=&quot;20148&quot; value=&quot;5&quot;/&gt;&lt;property id=&quot;20300&quot; value=&quot;Slide 28 - &amp;quot;Conclusion&amp;quot;&quot;/&gt;&lt;property id=&quot;20307&quot; value=&quot;1271&quot;/&gt;&lt;/object&gt;&lt;object type=&quot;3&quot; unique_id=&quot;115408&quot;&gt;&lt;property id=&quot;20148&quot; value=&quot;5&quot;/&gt;&lt;property id=&quot;20300&quot; value=&quot;Slide 24 - &amp;quot;Evaluation&amp;quot;&quot;/&gt;&lt;property id=&quot;20307&quot; value=&quot;1272&quot;/&gt;&lt;/object&gt;&lt;object type=&quot;3&quot; unique_id=&quot;137174&quot;&gt;&lt;property id=&quot;20148&quot; value=&quot;5&quot;/&gt;&lt;property id=&quot;20300&quot; value=&quot;Slide 4 - &amp;quot;Neural Networks 101&amp;quot;&quot;/&gt;&lt;property id=&quot;20307&quot; value=&quot;1275&quot;/&gt;&lt;/object&gt;&lt;object type=&quot;3&quot; unique_id=&quot;137175&quot;&gt;&lt;property id=&quot;20148&quot; value=&quot;5&quot;/&gt;&lt;property id=&quot;20300&quot; value=&quot;Slide 5 - &amp;quot;Convolutional Neural Networks&amp;quot;&quot;/&gt;&lt;property id=&quot;20307&quot; value=&quot;1274&quot;/&gt;&lt;/object&gt;&lt;object type=&quot;3&quot; unique_id=&quot;137176&quot;&gt;&lt;property id=&quot;20148&quot; value=&quot;5&quot;/&gt;&lt;property id=&quot;20300&quot; value=&quot;Slide 6 - &amp;quot;Mammalian Visual Cortex&amp;quot;&quot;/&gt;&lt;property id=&quot;20307&quot; value=&quot;742&quot;/&gt;&lt;/object&gt;&lt;object type=&quot;3&quot; unique_id=&quot;137177&quot;&gt;&lt;property id=&quot;20148&quot; value=&quot;5&quot;/&gt;&lt;property id=&quot;20300&quot; value=&quot;Slide 7 - &amp;quot;Deep Neural Network Size&amp;quot;&quot;/&gt;&lt;property id=&quot;20307&quot; value=&quot;1273&quot;/&gt;&lt;/object&gt;&lt;object type=&quot;3&quot; unique_id=&quot;137326&quot;&gt;&lt;property id=&quot;20148&quot; value=&quot;5&quot;/&gt;&lt;property id=&quot;20300&quot; value=&quot;Slide 10 - &amp;quot;3D Convolution&amp;quot;&quot;/&gt;&lt;property id=&quot;20307&quot; value=&quot;1276&quot;/&gt;&lt;/object&gt;&lt;object type=&quot;3&quot; unique_id=&quot;137327&quot;&gt;&lt;property id=&quot;20148&quot; value=&quot;5&quot;/&gt;&lt;property id=&quot;20300&quot; value=&quot;Slide 11 - &amp;quot;Depthwise Separable Convolution&amp;quot;&quot;/&gt;&lt;property id=&quot;20307&quot; value=&quot;1277&quot;/&gt;&lt;/object&gt;&lt;object type=&quot;3&quot; unique_id=&quot;137328&quot;&gt;&lt;property id=&quot;20148&quot; value=&quot;5&quot;/&gt;&lt;property id=&quot;20300&quot; value=&quot;Slide 23 - &amp;quot;Hackathon Flow&amp;quot;&quot;/&gt;&lt;property id=&quot;20307&quot; value=&quot;1278&quot;/&gt;&lt;/object&gt;&lt;object type=&quot;3&quot; unique_id=&quot;137505&quot;&gt;&lt;property id=&quot;20148&quot; value=&quot;5&quot;/&gt;&lt;property id=&quot;20300&quot; value=&quot;Slide 22 - &amp;quot;Pruning Impact on Hardware&amp;quot;&quot;/&gt;&lt;property id=&quot;20307&quot; value=&quot;1279&quot;/&gt;&lt;/object&gt;&lt;object type=&quot;3&quot; unique_id=&quot;150111&quot;&gt;&lt;property id=&quot;20148&quot; value=&quot;5&quot;/&gt;&lt;property id=&quot;20300&quot; value=&quot;Slide 27 - &amp;quot;Acknowledgments&amp;quot;&quot;/&gt;&lt;property id=&quot;20307&quot; value=&quot;1280&quot;/&gt;&lt;/object&gt;&lt;/object&gt;&lt;/object&gt;&lt;/database&gt;"/>
+  <p:tag name="MMPROD_UIDATA" val="&lt;database version=&quot;11.0&quot;&gt;&lt;object type=&quot;1&quot; unique_id=&quot;10001&quot;&gt;&lt;object type=&quot;8&quot; unique_id=&quot;10036&quot;&gt;&lt;/object&gt;&lt;object type=&quot;2&quot; unique_id=&quot;10037&quot;&gt;&lt;object type=&quot;3&quot; unique_id=&quot;115223&quot;&gt;&lt;property id=&quot;20148&quot; value=&quot;5&quot;/&gt;&lt;property id=&quot;20300&quot; value=&quot;Slide 1 - &amp;quot;Bitstream Computing Hackathon @ UW 4/30 – 5/7/2022&amp;quot;&quot;/&gt;&lt;property id=&quot;20307&quot; value=&quot;1262&quot;/&gt;&lt;/object&gt;&lt;object type=&quot;3&quot; unique_id=&quot;115224&quot;&gt;&lt;property id=&quot;20148&quot; value=&quot;5&quot;/&gt;&lt;property id=&quot;20300&quot; value=&quot;Slide 2 - &amp;quot;Motivation&amp;quot;&quot;/&gt;&lt;property id=&quot;20307&quot; value=&quot;1263&quot;/&gt;&lt;/object&gt;&lt;object type=&quot;3&quot; unique_id=&quot;115225&quot;&gt;&lt;property id=&quot;20148&quot; value=&quot;5&quot;/&gt;&lt;property id=&quot;20300&quot; value=&quot;Slide 3 - &amp;quot;Edge/IoT Devices&amp;quot;&quot;/&gt;&lt;property id=&quot;20307&quot; value=&quot;1264&quot;/&gt;&lt;/object&gt;&lt;object type=&quot;3&quot; unique_id=&quot;115226&quot;&gt;&lt;property id=&quot;20148&quot; value=&quot;5&quot;/&gt;&lt;property id=&quot;20300&quot; value=&quot;Slide 8 - &amp;quot;Reducing DeepNN Cost&amp;quot;&quot;/&gt;&lt;property id=&quot;20307&quot; value=&quot;1265&quot;/&gt;&lt;/object&gt;&lt;object type=&quot;3&quot; unique_id=&quot;115227&quot;&gt;&lt;property id=&quot;20148&quot; value=&quot;5&quot;/&gt;&lt;property id=&quot;20300&quot; value=&quot;Slide 9 - &amp;quot;Redesigning Networks&amp;quot;&quot;/&gt;&lt;property id=&quot;20307&quot; value=&quot;1266&quot;/&gt;&lt;/object&gt;&lt;object type=&quot;3&quot; unique_id=&quot;115229&quot;&gt;&lt;property id=&quot;20148&quot; value=&quot;5&quot;/&gt;&lt;property id=&quot;20300&quot; value=&quot;Slide 12 - &amp;quot;Quantization: Fixed-point&amp;quot;&quot;/&gt;&lt;property id=&quot;20307&quot; value=&quot;1228&quot;/&gt;&lt;/object&gt;&lt;object type=&quot;3&quot; unique_id=&quot;115230&quot;&gt;&lt;property id=&quot;20148&quot; value=&quot;5&quot;/&gt;&lt;property id=&quot;20300&quot; value=&quot;Slide 13 - &amp;quot;Bitstreams&amp;quot;&quot;/&gt;&lt;property id=&quot;20307&quot; value=&quot;1252&quot;/&gt;&lt;/object&gt;&lt;object type=&quot;3&quot; unique_id=&quot;115231&quot;&gt;&lt;property id=&quot;20148&quot; value=&quot;5&quot;/&gt;&lt;property id=&quot;20300&quot; value=&quot;Slide 14 - &amp;quot;Rate Coding in Neurons&amp;quot;&quot;/&gt;&lt;property id=&quot;20307&quot; value=&quot;1253&quot;/&gt;&lt;/object&gt;&lt;object type=&quot;3&quot; unique_id=&quot;115233&quot;&gt;&lt;property id=&quot;20148&quot; value=&quot;5&quot;/&gt;&lt;property id=&quot;20300&quot; value=&quot;Slide 15 - &amp;quot;Stochastic Computing&amp;quot;&quot;/&gt;&lt;property id=&quot;20307&quot; value=&quot;1251&quot;/&gt;&lt;/object&gt;&lt;object type=&quot;3&quot; unique_id=&quot;115234&quot;&gt;&lt;property id=&quot;20148&quot; value=&quot;5&quot;/&gt;&lt;property id=&quot;20300&quot; value=&quot;Slide 16 - &amp;quot;Why Bitstreams?&amp;quot;&quot;/&gt;&lt;property id=&quot;20307&quot; value=&quot;1255&quot;/&gt;&lt;/object&gt;&lt;object type=&quot;3&quot; unique_id=&quot;115235&quot;&gt;&lt;property id=&quot;20148&quot; value=&quot;5&quot;/&gt;&lt;property id=&quot;20300&quot; value=&quot;Slide 17 - &amp;quot;Why Not Bitstreams?&amp;quot;&quot;/&gt;&lt;property id=&quot;20307&quot; value=&quot;1256&quot;/&gt;&lt;/object&gt;&lt;object type=&quot;3&quot; unique_id=&quot;115236&quot;&gt;&lt;property id=&quot;20148&quot; value=&quot;5&quot;/&gt;&lt;property id=&quot;20300&quot; value=&quot;Slide 19 - &amp;quot;Bitstream Dot Product&amp;quot;&quot;/&gt;&lt;property id=&quot;20307&quot; value=&quot;1269&quot;/&gt;&lt;/object&gt;&lt;object type=&quot;3&quot; unique_id=&quot;115237&quot;&gt;&lt;property id=&quot;20148&quot; value=&quot;5&quot;/&gt;&lt;property id=&quot;20300&quot; value=&quot;Slide 18 - &amp;quot;Development Tools&amp;quot;&quot;/&gt;&lt;property id=&quot;20307&quot; value=&quot;1261&quot;/&gt;&lt;/object&gt;&lt;object type=&quot;3&quot; unique_id=&quot;115239&quot;&gt;&lt;property id=&quot;20148&quot; value=&quot;5&quot;/&gt;&lt;property id=&quot;20300&quot; value=&quot;Slide 20 - &amp;quot;Pruning Neural Networks&amp;quot;&quot;/&gt;&lt;property id=&quot;20307&quot; value=&quot;1267&quot;/&gt;&lt;/object&gt;&lt;object type=&quot;3&quot; unique_id=&quot;115240&quot;&gt;&lt;property id=&quot;20148&quot; value=&quot;5&quot;/&gt;&lt;property id=&quot;20300&quot; value=&quot;Slide 24 - &amp;quot;Hackathon Logistics&amp;quot;&quot;/&gt;&lt;property id=&quot;20307&quot; value=&quot;1268&quot;/&gt;&lt;/object&gt;&lt;object type=&quot;3&quot; unique_id=&quot;115241&quot;&gt;&lt;property id=&quot;20148&quot; value=&quot;5&quot;/&gt;&lt;property id=&quot;20300&quot; value=&quot;Slide 25 - &amp;quot;Report Format&amp;quot;&quot;/&gt;&lt;property id=&quot;20307&quot; value=&quot;1270&quot;/&gt;&lt;/object&gt;&lt;object type=&quot;3&quot; unique_id=&quot;115242&quot;&gt;&lt;property id=&quot;20148&quot; value=&quot;5&quot;/&gt;&lt;property id=&quot;20300&quot; value=&quot;Slide 27 - &amp;quot;Conclusion&amp;quot;&quot;/&gt;&lt;property id=&quot;20307&quot; value=&quot;1271&quot;/&gt;&lt;/object&gt;&lt;object type=&quot;3&quot; unique_id=&quot;115408&quot;&gt;&lt;property id=&quot;20148&quot; value=&quot;5&quot;/&gt;&lt;property id=&quot;20300&quot; value=&quot;Slide 23 - &amp;quot;Evaluation&amp;quot;&quot;/&gt;&lt;property id=&quot;20307&quot; value=&quot;1272&quot;/&gt;&lt;/object&gt;&lt;object type=&quot;3&quot; unique_id=&quot;137174&quot;&gt;&lt;property id=&quot;20148&quot; value=&quot;5&quot;/&gt;&lt;property id=&quot;20300&quot; value=&quot;Slide 4 - &amp;quot;Neural Networks 101&amp;quot;&quot;/&gt;&lt;property id=&quot;20307&quot; value=&quot;1275&quot;/&gt;&lt;/object&gt;&lt;object type=&quot;3&quot; unique_id=&quot;137175&quot;&gt;&lt;property id=&quot;20148&quot; value=&quot;5&quot;/&gt;&lt;property id=&quot;20300&quot; value=&quot;Slide 5 - &amp;quot;Convolutional Neural Networks&amp;quot;&quot;/&gt;&lt;property id=&quot;20307&quot; value=&quot;1274&quot;/&gt;&lt;/object&gt;&lt;object type=&quot;3&quot; unique_id=&quot;137176&quot;&gt;&lt;property id=&quot;20148&quot; value=&quot;5&quot;/&gt;&lt;property id=&quot;20300&quot; value=&quot;Slide 6 - &amp;quot;Mammalian Visual Cortex&amp;quot;&quot;/&gt;&lt;property id=&quot;20307&quot; value=&quot;742&quot;/&gt;&lt;/object&gt;&lt;object type=&quot;3&quot; unique_id=&quot;137177&quot;&gt;&lt;property id=&quot;20148&quot; value=&quot;5&quot;/&gt;&lt;property id=&quot;20300&quot; value=&quot;Slide 7 - &amp;quot;Deep Neural Network Size&amp;quot;&quot;/&gt;&lt;property id=&quot;20307&quot; value=&quot;1273&quot;/&gt;&lt;/object&gt;&lt;object type=&quot;3&quot; unique_id=&quot;137326&quot;&gt;&lt;property id=&quot;20148&quot; value=&quot;5&quot;/&gt;&lt;property id=&quot;20300&quot; value=&quot;Slide 10 - &amp;quot;3D Convolution&amp;quot;&quot;/&gt;&lt;property id=&quot;20307&quot; value=&quot;1276&quot;/&gt;&lt;/object&gt;&lt;object type=&quot;3&quot; unique_id=&quot;137327&quot;&gt;&lt;property id=&quot;20148&quot; value=&quot;5&quot;/&gt;&lt;property id=&quot;20300&quot; value=&quot;Slide 11 - &amp;quot;Depthwise Separable Convolution&amp;quot;&quot;/&gt;&lt;property id=&quot;20307&quot; value=&quot;1277&quot;/&gt;&lt;/object&gt;&lt;object type=&quot;3&quot; unique_id=&quot;137328&quot;&gt;&lt;property id=&quot;20148&quot; value=&quot;5&quot;/&gt;&lt;property id=&quot;20300&quot; value=&quot;Slide 22 - &amp;quot;Hackathon Flow&amp;quot;&quot;/&gt;&lt;property id=&quot;20307&quot; value=&quot;1278&quot;/&gt;&lt;/object&gt;&lt;object type=&quot;3&quot; unique_id=&quot;137505&quot;&gt;&lt;property id=&quot;20148&quot; value=&quot;5&quot;/&gt;&lt;property id=&quot;20300&quot; value=&quot;Slide 21 - &amp;quot;Pruning Impact on Hardware&amp;quot;&quot;/&gt;&lt;property id=&quot;20307&quot; value=&quot;1279&quot;/&gt;&lt;/object&gt;&lt;object type=&quot;3&quot; unique_id=&quot;150111&quot;&gt;&lt;property id=&quot;20148&quot; value=&quot;5&quot;/&gt;&lt;property id=&quot;20300&quot; value=&quot;Slide 26 - &amp;quot;Acknowledgments&amp;quot;&quot;/&gt;&lt;property id=&quot;20307&quot; value=&quot;1280&quot;/&gt;&lt;/object&gt;&lt;/object&gt;&lt;/object&gt;&lt;/database&gt;"/>
 </p:tagLst>
 </file>
 
@@ -25923,9 +27415,33 @@
 </p:tagLst>
 </file>
 
+<file path=ppt/tags/tag17.xml><?xml version="1.0" encoding="utf-8"?>
+<p:tagLst xmlns:a="http://schemas.openxmlformats.org/drawingml/2006/main" xmlns:r="http://schemas.openxmlformats.org/officeDocument/2006/relationships" xmlns:p="http://schemas.openxmlformats.org/presentationml/2006/main">
+  <p:tag name="TIMING" val="|47.1|2.2"/>
+</p:tagLst>
+</file>
+
+<file path=ppt/tags/tag18.xml><?xml version="1.0" encoding="utf-8"?>
+<p:tagLst xmlns:a="http://schemas.openxmlformats.org/drawingml/2006/main" xmlns:r="http://schemas.openxmlformats.org/officeDocument/2006/relationships" xmlns:p="http://schemas.openxmlformats.org/presentationml/2006/main">
+  <p:tag name="TIMING" val="|84.9"/>
+</p:tagLst>
+</file>
+
+<file path=ppt/tags/tag19.xml><?xml version="1.0" encoding="utf-8"?>
+<p:tagLst xmlns:a="http://schemas.openxmlformats.org/drawingml/2006/main" xmlns:r="http://schemas.openxmlformats.org/officeDocument/2006/relationships" xmlns:p="http://schemas.openxmlformats.org/presentationml/2006/main">
+  <p:tag name="TIMING" val="|32.1|0.9|0.9|2.5"/>
+</p:tagLst>
+</file>
+
 <file path=ppt/tags/tag2.xml><?xml version="1.0" encoding="utf-8"?>
 <p:tagLst xmlns:a="http://schemas.openxmlformats.org/drawingml/2006/main" xmlns:r="http://schemas.openxmlformats.org/officeDocument/2006/relationships" xmlns:p="http://schemas.openxmlformats.org/presentationml/2006/main">
   <p:tag name="PRESENTER_SHAPETEXTINFO" val="&lt;ShapeTextInfo&gt;&lt;TableIndex row=&quot;-1&quot; col=&quot;-1&quot;&gt;&lt;linesCount val=&quot;1&quot;/&gt;&lt;lineCharCount val=&quot;32&quot;/&gt;&lt;/TableIndex&gt;&lt;/ShapeTextInfo&gt;"/>
+</p:tagLst>
+</file>
+
+<file path=ppt/tags/tag20.xml><?xml version="1.0" encoding="utf-8"?>
+<p:tagLst xmlns:a="http://schemas.openxmlformats.org/drawingml/2006/main" xmlns:r="http://schemas.openxmlformats.org/officeDocument/2006/relationships" xmlns:p="http://schemas.openxmlformats.org/presentationml/2006/main">
+  <p:tag name="TIMING" val="|55.8|1.9|1.6|10.9|1.9|1.7|9.9|2.4"/>
 </p:tagLst>
 </file>
 
